--- a/Project Walk through.pptx
+++ b/Project Walk through.pptx
@@ -7,42 +7,45 @@
     <p:sldMasterId id="2147483681" r:id="rId6"/>
   </p:sldMasterIdLst>
   <p:notesMasterIdLst>
-    <p:notesMasterId r:id="rId40"/>
+    <p:notesMasterId r:id="rId43"/>
   </p:notesMasterIdLst>
   <p:sldIdLst>
     <p:sldId id="386" r:id="rId7"/>
-    <p:sldId id="387" r:id="rId8"/>
-    <p:sldId id="374" r:id="rId9"/>
-    <p:sldId id="388" r:id="rId10"/>
-    <p:sldId id="264" r:id="rId11"/>
-    <p:sldId id="405" r:id="rId12"/>
-    <p:sldId id="389" r:id="rId13"/>
-    <p:sldId id="390" r:id="rId14"/>
-    <p:sldId id="407" r:id="rId15"/>
-    <p:sldId id="408" r:id="rId16"/>
-    <p:sldId id="406" r:id="rId17"/>
-    <p:sldId id="391" r:id="rId18"/>
-    <p:sldId id="392" r:id="rId19"/>
-    <p:sldId id="409" r:id="rId20"/>
-    <p:sldId id="393" r:id="rId21"/>
-    <p:sldId id="410" r:id="rId22"/>
-    <p:sldId id="411" r:id="rId23"/>
-    <p:sldId id="394" r:id="rId24"/>
-    <p:sldId id="395" r:id="rId25"/>
-    <p:sldId id="396" r:id="rId26"/>
-    <p:sldId id="413" r:id="rId27"/>
-    <p:sldId id="265" r:id="rId28"/>
-    <p:sldId id="397" r:id="rId29"/>
-    <p:sldId id="398" r:id="rId30"/>
-    <p:sldId id="399" r:id="rId31"/>
-    <p:sldId id="400" r:id="rId32"/>
-    <p:sldId id="401" r:id="rId33"/>
-    <p:sldId id="415" r:id="rId34"/>
-    <p:sldId id="416" r:id="rId35"/>
-    <p:sldId id="417" r:id="rId36"/>
-    <p:sldId id="402" r:id="rId37"/>
-    <p:sldId id="403" r:id="rId38"/>
-    <p:sldId id="418" r:id="rId39"/>
+    <p:sldId id="306" r:id="rId8"/>
+    <p:sldId id="387" r:id="rId9"/>
+    <p:sldId id="374" r:id="rId10"/>
+    <p:sldId id="388" r:id="rId11"/>
+    <p:sldId id="264" r:id="rId12"/>
+    <p:sldId id="405" r:id="rId13"/>
+    <p:sldId id="389" r:id="rId14"/>
+    <p:sldId id="390" r:id="rId15"/>
+    <p:sldId id="407" r:id="rId16"/>
+    <p:sldId id="408" r:id="rId17"/>
+    <p:sldId id="406" r:id="rId18"/>
+    <p:sldId id="391" r:id="rId19"/>
+    <p:sldId id="392" r:id="rId20"/>
+    <p:sldId id="409" r:id="rId21"/>
+    <p:sldId id="393" r:id="rId22"/>
+    <p:sldId id="410" r:id="rId23"/>
+    <p:sldId id="411" r:id="rId24"/>
+    <p:sldId id="394" r:id="rId25"/>
+    <p:sldId id="395" r:id="rId26"/>
+    <p:sldId id="396" r:id="rId27"/>
+    <p:sldId id="413" r:id="rId28"/>
+    <p:sldId id="265" r:id="rId29"/>
+    <p:sldId id="397" r:id="rId30"/>
+    <p:sldId id="398" r:id="rId31"/>
+    <p:sldId id="399" r:id="rId32"/>
+    <p:sldId id="400" r:id="rId33"/>
+    <p:sldId id="401" r:id="rId34"/>
+    <p:sldId id="415" r:id="rId35"/>
+    <p:sldId id="416" r:id="rId36"/>
+    <p:sldId id="417" r:id="rId37"/>
+    <p:sldId id="402" r:id="rId38"/>
+    <p:sldId id="403" r:id="rId39"/>
+    <p:sldId id="418" r:id="rId40"/>
+    <p:sldId id="419" r:id="rId41"/>
+    <p:sldId id="420" r:id="rId42"/>
   </p:sldIdLst>
   <p:sldSz cx="9144000" cy="6858000" type="screen4x3"/>
   <p:notesSz cx="6858000" cy="9144000"/>
@@ -152,1797 +155,9 @@
 <file path=ppt/revisionInfo.xml><?xml version="1.0" encoding="utf-8"?>
 <p1510:revInfo xmlns:a="http://schemas.openxmlformats.org/drawingml/2006/main" xmlns:r="http://schemas.openxmlformats.org/officeDocument/2006/relationships" xmlns:p1510="http://schemas.microsoft.com/office/powerpoint/2015/10/main">
   <p1510:revLst>
-    <p1510:client id="{54D77325-62B4-4C29-8F28-89B67B356B52}" v="252" dt="2021-02-27T19:19:53.015"/>
+    <p1510:client id="{54D77325-62B4-4C29-8F28-89B67B356B52}" v="255" dt="2021-03-07T22:44:34.949"/>
   </p1510:revLst>
 </p1510:revInfo>
-</file>
-
-<file path=ppt/changesInfos/changesInfo1.xml><?xml version="1.0" encoding="utf-8"?>
-<pc:chgInfo xmlns:a="http://schemas.openxmlformats.org/drawingml/2006/main" xmlns:r="http://schemas.openxmlformats.org/officeDocument/2006/relationships" xmlns:ac="http://schemas.microsoft.com/office/drawing/2013/main/command" xmlns:pc="http://schemas.microsoft.com/office/powerpoint/2013/main/command">
-  <pc:docChgLst>
-    <pc:chgData name="Casey Khan" userId="c191e01f-1366-46c6-ad67-b01d4850573d" providerId="ADAL" clId="{54D77325-62B4-4C29-8F28-89B67B356B52}"/>
-    <pc:docChg chg="undo custSel addSld delSld modSld sldOrd modMainMaster">
-      <pc:chgData name="Casey Khan" userId="c191e01f-1366-46c6-ad67-b01d4850573d" providerId="ADAL" clId="{54D77325-62B4-4C29-8F28-89B67B356B52}" dt="2021-03-04T00:55:20.444" v="6886" actId="313"/>
-      <pc:docMkLst>
-        <pc:docMk/>
-      </pc:docMkLst>
-      <pc:sldChg chg="modSp add">
-        <pc:chgData name="Casey Khan" userId="c191e01f-1366-46c6-ad67-b01d4850573d" providerId="ADAL" clId="{54D77325-62B4-4C29-8F28-89B67B356B52}" dt="2021-02-26T18:33:23.390" v="1225" actId="20577"/>
-        <pc:sldMkLst>
-          <pc:docMk/>
-          <pc:sldMk cId="3381716776" sldId="264"/>
-        </pc:sldMkLst>
-        <pc:spChg chg="mod">
-          <ac:chgData name="Casey Khan" userId="c191e01f-1366-46c6-ad67-b01d4850573d" providerId="ADAL" clId="{54D77325-62B4-4C29-8F28-89B67B356B52}" dt="2021-02-26T18:32:58.869" v="1190" actId="20577"/>
-          <ac:spMkLst>
-            <pc:docMk/>
-            <pc:sldMk cId="3381716776" sldId="264"/>
-            <ac:spMk id="2" creationId="{00000000-0000-0000-0000-000000000000}"/>
-          </ac:spMkLst>
-        </pc:spChg>
-        <pc:spChg chg="mod">
-          <ac:chgData name="Casey Khan" userId="c191e01f-1366-46c6-ad67-b01d4850573d" providerId="ADAL" clId="{54D77325-62B4-4C29-8F28-89B67B356B52}" dt="2021-02-26T18:33:23.390" v="1225" actId="20577"/>
-          <ac:spMkLst>
-            <pc:docMk/>
-            <pc:sldMk cId="3381716776" sldId="264"/>
-            <ac:spMk id="3" creationId="{00000000-0000-0000-0000-000000000000}"/>
-          </ac:spMkLst>
-        </pc:spChg>
-      </pc:sldChg>
-      <pc:sldChg chg="modSp">
-        <pc:chgData name="Casey Khan" userId="c191e01f-1366-46c6-ad67-b01d4850573d" providerId="ADAL" clId="{54D77325-62B4-4C29-8F28-89B67B356B52}" dt="2021-02-27T00:25:21.124" v="5305" actId="20577"/>
-        <pc:sldMkLst>
-          <pc:docMk/>
-          <pc:sldMk cId="3944279556" sldId="265"/>
-        </pc:sldMkLst>
-        <pc:spChg chg="mod">
-          <ac:chgData name="Casey Khan" userId="c191e01f-1366-46c6-ad67-b01d4850573d" providerId="ADAL" clId="{54D77325-62B4-4C29-8F28-89B67B356B52}" dt="2021-02-26T18:53:16.230" v="1583" actId="20577"/>
-          <ac:spMkLst>
-            <pc:docMk/>
-            <pc:sldMk cId="3944279556" sldId="265"/>
-            <ac:spMk id="2" creationId="{00000000-0000-0000-0000-000000000000}"/>
-          </ac:spMkLst>
-        </pc:spChg>
-        <pc:spChg chg="mod">
-          <ac:chgData name="Casey Khan" userId="c191e01f-1366-46c6-ad67-b01d4850573d" providerId="ADAL" clId="{54D77325-62B4-4C29-8F28-89B67B356B52}" dt="2021-02-27T00:25:21.124" v="5305" actId="20577"/>
-          <ac:spMkLst>
-            <pc:docMk/>
-            <pc:sldMk cId="3944279556" sldId="265"/>
-            <ac:spMk id="4" creationId="{00000000-0000-0000-0000-000000000000}"/>
-          </ac:spMkLst>
-        </pc:spChg>
-      </pc:sldChg>
-      <pc:sldChg chg="del ord modTransition">
-        <pc:chgData name="Casey Khan" userId="c191e01f-1366-46c6-ad67-b01d4850573d" providerId="ADAL" clId="{54D77325-62B4-4C29-8F28-89B67B356B52}" dt="2021-02-27T21:39:08.300" v="6647" actId="2696"/>
-        <pc:sldMkLst>
-          <pc:docMk/>
-          <pc:sldMk cId="490354784" sldId="356"/>
-        </pc:sldMkLst>
-      </pc:sldChg>
-      <pc:sldChg chg="del modTransition">
-        <pc:chgData name="Casey Khan" userId="c191e01f-1366-46c6-ad67-b01d4850573d" providerId="ADAL" clId="{54D77325-62B4-4C29-8F28-89B67B356B52}" dt="2021-02-27T21:39:10.611" v="6648" actId="2696"/>
-        <pc:sldMkLst>
-          <pc:docMk/>
-          <pc:sldMk cId="1874247274" sldId="358"/>
-        </pc:sldMkLst>
-      </pc:sldChg>
-      <pc:sldChg chg="modSp del">
-        <pc:chgData name="Casey Khan" userId="c191e01f-1366-46c6-ad67-b01d4850573d" providerId="ADAL" clId="{54D77325-62B4-4C29-8F28-89B67B356B52}" dt="2021-02-27T19:19:18.795" v="5543" actId="2696"/>
-        <pc:sldMkLst>
-          <pc:docMk/>
-          <pc:sldMk cId="3677434995" sldId="358"/>
-        </pc:sldMkLst>
-        <pc:spChg chg="mod">
-          <ac:chgData name="Casey Khan" userId="c191e01f-1366-46c6-ad67-b01d4850573d" providerId="ADAL" clId="{54D77325-62B4-4C29-8F28-89B67B356B52}" dt="2021-02-27T19:19:01.061" v="5542" actId="20577"/>
-          <ac:spMkLst>
-            <pc:docMk/>
-            <pc:sldMk cId="3677434995" sldId="358"/>
-            <ac:spMk id="2" creationId="{00000000-0000-0000-0000-000000000000}"/>
-          </ac:spMkLst>
-        </pc:spChg>
-        <pc:picChg chg="mod">
-          <ac:chgData name="Casey Khan" userId="c191e01f-1366-46c6-ad67-b01d4850573d" providerId="ADAL" clId="{54D77325-62B4-4C29-8F28-89B67B356B52}" dt="2021-02-27T19:18:52.565" v="5535" actId="1076"/>
-          <ac:picMkLst>
-            <pc:docMk/>
-            <pc:sldMk cId="3677434995" sldId="358"/>
-            <ac:picMk id="1026" creationId="{00000000-0000-0000-0000-000000000000}"/>
-          </ac:picMkLst>
-        </pc:picChg>
-      </pc:sldChg>
-      <pc:sldChg chg="del modTransition">
-        <pc:chgData name="Casey Khan" userId="c191e01f-1366-46c6-ad67-b01d4850573d" providerId="ADAL" clId="{54D77325-62B4-4C29-8F28-89B67B356B52}" dt="2021-02-27T21:39:12.582" v="6649" actId="2696"/>
-        <pc:sldMkLst>
-          <pc:docMk/>
-          <pc:sldMk cId="796029798" sldId="359"/>
-        </pc:sldMkLst>
-      </pc:sldChg>
-      <pc:sldChg chg="del">
-        <pc:chgData name="Casey Khan" userId="c191e01f-1366-46c6-ad67-b01d4850573d" providerId="ADAL" clId="{54D77325-62B4-4C29-8F28-89B67B356B52}" dt="2021-02-27T19:19:18.807" v="5544" actId="2696"/>
-        <pc:sldMkLst>
-          <pc:docMk/>
-          <pc:sldMk cId="3079888196" sldId="359"/>
-        </pc:sldMkLst>
-      </pc:sldChg>
-      <pc:sldChg chg="del">
-        <pc:chgData name="Casey Khan" userId="c191e01f-1366-46c6-ad67-b01d4850573d" providerId="ADAL" clId="{54D77325-62B4-4C29-8F28-89B67B356B52}" dt="2021-02-27T19:19:18.819" v="5545" actId="2696"/>
-        <pc:sldMkLst>
-          <pc:docMk/>
-          <pc:sldMk cId="2278274936" sldId="360"/>
-        </pc:sldMkLst>
-      </pc:sldChg>
-      <pc:sldChg chg="del modTransition">
-        <pc:chgData name="Casey Khan" userId="c191e01f-1366-46c6-ad67-b01d4850573d" providerId="ADAL" clId="{54D77325-62B4-4C29-8F28-89B67B356B52}" dt="2021-02-27T21:39:14.577" v="6650" actId="2696"/>
-        <pc:sldMkLst>
-          <pc:docMk/>
-          <pc:sldMk cId="2504695538" sldId="360"/>
-        </pc:sldMkLst>
-      </pc:sldChg>
-      <pc:sldChg chg="modSp del modTransition">
-        <pc:chgData name="Casey Khan" userId="c191e01f-1366-46c6-ad67-b01d4850573d" providerId="ADAL" clId="{54D77325-62B4-4C29-8F28-89B67B356B52}" dt="2021-02-27T21:39:16.070" v="6651" actId="2696"/>
-        <pc:sldMkLst>
-          <pc:docMk/>
-          <pc:sldMk cId="276683771" sldId="363"/>
-        </pc:sldMkLst>
-        <pc:spChg chg="mod">
-          <ac:chgData name="Casey Khan" userId="c191e01f-1366-46c6-ad67-b01d4850573d" providerId="ADAL" clId="{54D77325-62B4-4C29-8F28-89B67B356B52}" dt="2021-02-27T19:19:53.015" v="5559" actId="1038"/>
-          <ac:spMkLst>
-            <pc:docMk/>
-            <pc:sldMk cId="276683771" sldId="363"/>
-            <ac:spMk id="5" creationId="{00000000-0000-0000-0000-000000000000}"/>
-          </ac:spMkLst>
-        </pc:spChg>
-      </pc:sldChg>
-      <pc:sldChg chg="del">
-        <pc:chgData name="Casey Khan" userId="c191e01f-1366-46c6-ad67-b01d4850573d" providerId="ADAL" clId="{54D77325-62B4-4C29-8F28-89B67B356B52}" dt="2021-02-27T19:19:18.828" v="5546" actId="2696"/>
-        <pc:sldMkLst>
-          <pc:docMk/>
-          <pc:sldMk cId="2400945432" sldId="363"/>
-        </pc:sldMkLst>
-      </pc:sldChg>
-      <pc:sldChg chg="modSp del">
-        <pc:chgData name="Casey Khan" userId="c191e01f-1366-46c6-ad67-b01d4850573d" providerId="ADAL" clId="{54D77325-62B4-4C29-8F28-89B67B356B52}" dt="2021-02-26T18:31:37.288" v="1184" actId="20577"/>
-        <pc:sldMkLst>
-          <pc:docMk/>
-          <pc:sldMk cId="4167920212" sldId="374"/>
-        </pc:sldMkLst>
-        <pc:spChg chg="mod">
-          <ac:chgData name="Casey Khan" userId="c191e01f-1366-46c6-ad67-b01d4850573d" providerId="ADAL" clId="{54D77325-62B4-4C29-8F28-89B67B356B52}" dt="2021-02-26T17:59:56.222" v="880" actId="20577"/>
-          <ac:spMkLst>
-            <pc:docMk/>
-            <pc:sldMk cId="4167920212" sldId="374"/>
-            <ac:spMk id="2" creationId="{00000000-0000-0000-0000-000000000000}"/>
-          </ac:spMkLst>
-        </pc:spChg>
-        <pc:spChg chg="mod">
-          <ac:chgData name="Casey Khan" userId="c191e01f-1366-46c6-ad67-b01d4850573d" providerId="ADAL" clId="{54D77325-62B4-4C29-8F28-89B67B356B52}" dt="2021-02-26T18:00:18.966" v="931" actId="20577"/>
-          <ac:spMkLst>
-            <pc:docMk/>
-            <pc:sldMk cId="4167920212" sldId="374"/>
-            <ac:spMk id="3" creationId="{00000000-0000-0000-0000-000000000000}"/>
-          </ac:spMkLst>
-        </pc:spChg>
-        <pc:spChg chg="mod">
-          <ac:chgData name="Casey Khan" userId="c191e01f-1366-46c6-ad67-b01d4850573d" providerId="ADAL" clId="{54D77325-62B4-4C29-8F28-89B67B356B52}" dt="2021-02-26T18:31:30.261" v="1183" actId="20577"/>
-          <ac:spMkLst>
-            <pc:docMk/>
-            <pc:sldMk cId="4167920212" sldId="374"/>
-            <ac:spMk id="4" creationId="{00000000-0000-0000-0000-000000000000}"/>
-          </ac:spMkLst>
-        </pc:spChg>
-        <pc:spChg chg="mod">
-          <ac:chgData name="Casey Khan" userId="c191e01f-1366-46c6-ad67-b01d4850573d" providerId="ADAL" clId="{54D77325-62B4-4C29-8F28-89B67B356B52}" dt="2021-02-26T18:00:29.302" v="956" actId="20577"/>
-          <ac:spMkLst>
-            <pc:docMk/>
-            <pc:sldMk cId="4167920212" sldId="374"/>
-            <ac:spMk id="6" creationId="{00000000-0000-0000-0000-000000000000}"/>
-          </ac:spMkLst>
-        </pc:spChg>
-        <pc:spChg chg="mod">
-          <ac:chgData name="Casey Khan" userId="c191e01f-1366-46c6-ad67-b01d4850573d" providerId="ADAL" clId="{54D77325-62B4-4C29-8F28-89B67B356B52}" dt="2021-02-26T18:31:37.288" v="1184" actId="20577"/>
-          <ac:spMkLst>
-            <pc:docMk/>
-            <pc:sldMk cId="4167920212" sldId="374"/>
-            <ac:spMk id="13" creationId="{00000000-0000-0000-0000-000000000000}"/>
-          </ac:spMkLst>
-        </pc:spChg>
-        <pc:spChg chg="mod">
-          <ac:chgData name="Casey Khan" userId="c191e01f-1366-46c6-ad67-b01d4850573d" providerId="ADAL" clId="{54D77325-62B4-4C29-8F28-89B67B356B52}" dt="2021-02-26T18:01:01.271" v="1031" actId="20577"/>
-          <ac:spMkLst>
-            <pc:docMk/>
-            <pc:sldMk cId="4167920212" sldId="374"/>
-            <ac:spMk id="14" creationId="{00000000-0000-0000-0000-000000000000}"/>
-          </ac:spMkLst>
-        </pc:spChg>
-      </pc:sldChg>
-      <pc:sldChg chg="modSp">
-        <pc:chgData name="Casey Khan" userId="c191e01f-1366-46c6-ad67-b01d4850573d" providerId="ADAL" clId="{54D77325-62B4-4C29-8F28-89B67B356B52}" dt="2021-03-04T00:46:52.825" v="6805" actId="313"/>
-        <pc:sldMkLst>
-          <pc:docMk/>
-          <pc:sldMk cId="2805754148" sldId="386"/>
-        </pc:sldMkLst>
-        <pc:spChg chg="mod">
-          <ac:chgData name="Casey Khan" userId="c191e01f-1366-46c6-ad67-b01d4850573d" providerId="ADAL" clId="{54D77325-62B4-4C29-8F28-89B67B356B52}" dt="2021-02-27T21:27:21.306" v="6309" actId="20577"/>
-          <ac:spMkLst>
-            <pc:docMk/>
-            <pc:sldMk cId="2805754148" sldId="386"/>
-            <ac:spMk id="2" creationId="{00000000-0000-0000-0000-000000000000}"/>
-          </ac:spMkLst>
-        </pc:spChg>
-        <pc:spChg chg="mod">
-          <ac:chgData name="Casey Khan" userId="c191e01f-1366-46c6-ad67-b01d4850573d" providerId="ADAL" clId="{54D77325-62B4-4C29-8F28-89B67B356B52}" dt="2021-03-04T00:46:52.825" v="6805" actId="313"/>
-          <ac:spMkLst>
-            <pc:docMk/>
-            <pc:sldMk cId="2805754148" sldId="386"/>
-            <ac:spMk id="3" creationId="{00000000-0000-0000-0000-000000000000}"/>
-          </ac:spMkLst>
-        </pc:spChg>
-        <pc:spChg chg="mod">
-          <ac:chgData name="Casey Khan" userId="c191e01f-1366-46c6-ad67-b01d4850573d" providerId="ADAL" clId="{54D77325-62B4-4C29-8F28-89B67B356B52}" dt="2021-02-26T17:20:05.899" v="529"/>
-          <ac:spMkLst>
-            <pc:docMk/>
-            <pc:sldMk cId="2805754148" sldId="386"/>
-            <ac:spMk id="8" creationId="{00000000-0000-0000-0000-000000000000}"/>
-          </ac:spMkLst>
-        </pc:spChg>
-        <pc:picChg chg="mod">
-          <ac:chgData name="Casey Khan" userId="c191e01f-1366-46c6-ad67-b01d4850573d" providerId="ADAL" clId="{54D77325-62B4-4C29-8F28-89B67B356B52}" dt="2021-02-26T17:20:17.366" v="530" actId="1076"/>
-          <ac:picMkLst>
-            <pc:docMk/>
-            <pc:sldMk cId="2805754148" sldId="386"/>
-            <ac:picMk id="5" creationId="{A4A41266-EF42-4577-BC8C-0C4EC36EE159}"/>
-          </ac:picMkLst>
-        </pc:picChg>
-        <pc:picChg chg="mod">
-          <ac:chgData name="Casey Khan" userId="c191e01f-1366-46c6-ad67-b01d4850573d" providerId="ADAL" clId="{54D77325-62B4-4C29-8F28-89B67B356B52}" dt="2021-02-26T17:20:05.899" v="529"/>
-          <ac:picMkLst>
-            <pc:docMk/>
-            <pc:sldMk cId="2805754148" sldId="386"/>
-            <ac:picMk id="7" creationId="{00000000-0000-0000-0000-000000000000}"/>
-          </ac:picMkLst>
-        </pc:picChg>
-      </pc:sldChg>
-      <pc:sldChg chg="addSp delSp modSp add">
-        <pc:chgData name="Casey Khan" userId="c191e01f-1366-46c6-ad67-b01d4850573d" providerId="ADAL" clId="{54D77325-62B4-4C29-8F28-89B67B356B52}" dt="2021-02-27T21:26:51.282" v="6299" actId="20577"/>
-        <pc:sldMkLst>
-          <pc:docMk/>
-          <pc:sldMk cId="91448165" sldId="387"/>
-        </pc:sldMkLst>
-        <pc:spChg chg="mod">
-          <ac:chgData name="Casey Khan" userId="c191e01f-1366-46c6-ad67-b01d4850573d" providerId="ADAL" clId="{54D77325-62B4-4C29-8F28-89B67B356B52}" dt="2021-02-26T17:28:57.721" v="858" actId="20577"/>
-          <ac:spMkLst>
-            <pc:docMk/>
-            <pc:sldMk cId="91448165" sldId="387"/>
-            <ac:spMk id="2" creationId="{255095B8-D46E-4650-B530-03A4A6635A9D}"/>
-          </ac:spMkLst>
-        </pc:spChg>
-        <pc:spChg chg="mod">
-          <ac:chgData name="Casey Khan" userId="c191e01f-1366-46c6-ad67-b01d4850573d" providerId="ADAL" clId="{54D77325-62B4-4C29-8F28-89B67B356B52}" dt="2021-02-26T17:22:11.188" v="589" actId="255"/>
-          <ac:spMkLst>
-            <pc:docMk/>
-            <pc:sldMk cId="91448165" sldId="387"/>
-            <ac:spMk id="3" creationId="{FFBB5360-32DD-4703-A742-50064C46734F}"/>
-          </ac:spMkLst>
-        </pc:spChg>
-        <pc:spChg chg="add mod">
-          <ac:chgData name="Casey Khan" userId="c191e01f-1366-46c6-ad67-b01d4850573d" providerId="ADAL" clId="{54D77325-62B4-4C29-8F28-89B67B356B52}" dt="2021-02-27T21:26:51.282" v="6299" actId="20577"/>
-          <ac:spMkLst>
-            <pc:docMk/>
-            <pc:sldMk cId="91448165" sldId="387"/>
-            <ac:spMk id="4" creationId="{612A8F2A-FB45-4F9E-BB0B-3501AD1EBA4C}"/>
-          </ac:spMkLst>
-        </pc:spChg>
-        <pc:spChg chg="add mod">
-          <ac:chgData name="Casey Khan" userId="c191e01f-1366-46c6-ad67-b01d4850573d" providerId="ADAL" clId="{54D77325-62B4-4C29-8F28-89B67B356B52}" dt="2021-02-26T17:21:18.166" v="572" actId="1035"/>
-          <ac:spMkLst>
-            <pc:docMk/>
-            <pc:sldMk cId="91448165" sldId="387"/>
-            <ac:spMk id="5" creationId="{6A7D235E-4429-4C69-A9C0-28CF55141855}"/>
-          </ac:spMkLst>
-        </pc:spChg>
-        <pc:spChg chg="add mod">
-          <ac:chgData name="Casey Khan" userId="c191e01f-1366-46c6-ad67-b01d4850573d" providerId="ADAL" clId="{54D77325-62B4-4C29-8F28-89B67B356B52}" dt="2021-02-26T17:21:18.166" v="572" actId="1035"/>
-          <ac:spMkLst>
-            <pc:docMk/>
-            <pc:sldMk cId="91448165" sldId="387"/>
-            <ac:spMk id="6" creationId="{F366C897-8F87-44FE-AC36-4F565566BF34}"/>
-          </ac:spMkLst>
-        </pc:spChg>
-        <pc:spChg chg="add mod">
-          <ac:chgData name="Casey Khan" userId="c191e01f-1366-46c6-ad67-b01d4850573d" providerId="ADAL" clId="{54D77325-62B4-4C29-8F28-89B67B356B52}" dt="2021-02-26T17:28:53.360" v="855" actId="20577"/>
-          <ac:spMkLst>
-            <pc:docMk/>
-            <pc:sldMk cId="91448165" sldId="387"/>
-            <ac:spMk id="9" creationId="{7D9A1F0F-B851-4B75-B46D-98EABE28C483}"/>
-          </ac:spMkLst>
-        </pc:spChg>
-        <pc:graphicFrameChg chg="add del mod modGraphic">
-          <ac:chgData name="Casey Khan" userId="c191e01f-1366-46c6-ad67-b01d4850573d" providerId="ADAL" clId="{54D77325-62B4-4C29-8F28-89B67B356B52}" dt="2021-02-26T17:25:21.110" v="699" actId="478"/>
-          <ac:graphicFrameMkLst>
-            <pc:docMk/>
-            <pc:sldMk cId="91448165" sldId="387"/>
-            <ac:graphicFrameMk id="7" creationId="{C82F5F9A-E334-4E88-8CDF-D37AB64C7A8C}"/>
-          </ac:graphicFrameMkLst>
-        </pc:graphicFrameChg>
-      </pc:sldChg>
-      <pc:sldChg chg="addSp delSp modSp add">
-        <pc:chgData name="Casey Khan" userId="c191e01f-1366-46c6-ad67-b01d4850573d" providerId="ADAL" clId="{54D77325-62B4-4C29-8F28-89B67B356B52}" dt="2021-02-26T18:47:56.018" v="1419" actId="14100"/>
-        <pc:sldMkLst>
-          <pc:docMk/>
-          <pc:sldMk cId="1028079468" sldId="388"/>
-        </pc:sldMkLst>
-        <pc:spChg chg="del">
-          <ac:chgData name="Casey Khan" userId="c191e01f-1366-46c6-ad67-b01d4850573d" providerId="ADAL" clId="{54D77325-62B4-4C29-8F28-89B67B356B52}" dt="2021-02-26T18:35:10.349" v="1273" actId="1032"/>
-          <ac:spMkLst>
-            <pc:docMk/>
-            <pc:sldMk cId="1028079468" sldId="388"/>
-            <ac:spMk id="2" creationId="{B3B757A7-D8A7-45B6-BFF0-4AF567278AC0}"/>
-          </ac:spMkLst>
-        </pc:spChg>
-        <pc:spChg chg="mod">
-          <ac:chgData name="Casey Khan" userId="c191e01f-1366-46c6-ad67-b01d4850573d" providerId="ADAL" clId="{54D77325-62B4-4C29-8F28-89B67B356B52}" dt="2021-02-26T18:34:53.718" v="1272" actId="20577"/>
-          <ac:spMkLst>
-            <pc:docMk/>
-            <pc:sldMk cId="1028079468" sldId="388"/>
-            <ac:spMk id="3" creationId="{A0D348C3-60FC-4135-BBD0-C9D930140AC4}"/>
-          </ac:spMkLst>
-        </pc:spChg>
-        <pc:grpChg chg="add mod">
-          <ac:chgData name="Casey Khan" userId="c191e01f-1366-46c6-ad67-b01d4850573d" providerId="ADAL" clId="{54D77325-62B4-4C29-8F28-89B67B356B52}" dt="2021-02-26T18:47:45.994" v="1418" actId="408"/>
-          <ac:grpSpMkLst>
-            <pc:docMk/>
-            <pc:sldMk cId="1028079468" sldId="388"/>
-            <ac:grpSpMk id="5" creationId="{3539B4BC-3954-4787-BA75-E806BAEBC2D6}"/>
-          </ac:grpSpMkLst>
-        </pc:grpChg>
-        <pc:grpChg chg="add mod">
-          <ac:chgData name="Casey Khan" userId="c191e01f-1366-46c6-ad67-b01d4850573d" providerId="ADAL" clId="{54D77325-62B4-4C29-8F28-89B67B356B52}" dt="2021-02-26T18:47:45.994" v="1418" actId="408"/>
-          <ac:grpSpMkLst>
-            <pc:docMk/>
-            <pc:sldMk cId="1028079468" sldId="388"/>
-            <ac:grpSpMk id="8" creationId="{64D42B85-9422-4E89-BEDD-E6DB3DBD5710}"/>
-          </ac:grpSpMkLst>
-        </pc:grpChg>
-        <pc:grpChg chg="add mod">
-          <ac:chgData name="Casey Khan" userId="c191e01f-1366-46c6-ad67-b01d4850573d" providerId="ADAL" clId="{54D77325-62B4-4C29-8F28-89B67B356B52}" dt="2021-02-26T18:47:45.994" v="1418" actId="408"/>
-          <ac:grpSpMkLst>
-            <pc:docMk/>
-            <pc:sldMk cId="1028079468" sldId="388"/>
-            <ac:grpSpMk id="11" creationId="{E1CBE68F-696D-48A5-AA79-D9DDCCD220F2}"/>
-          </ac:grpSpMkLst>
-        </pc:grpChg>
-        <pc:grpChg chg="add mod">
-          <ac:chgData name="Casey Khan" userId="c191e01f-1366-46c6-ad67-b01d4850573d" providerId="ADAL" clId="{54D77325-62B4-4C29-8F28-89B67B356B52}" dt="2021-02-26T18:47:56.018" v="1419" actId="14100"/>
-          <ac:grpSpMkLst>
-            <pc:docMk/>
-            <pc:sldMk cId="1028079468" sldId="388"/>
-            <ac:grpSpMk id="14" creationId="{2F9B685C-F650-4F4E-AEB9-535ECF06FE88}"/>
-          </ac:grpSpMkLst>
-        </pc:grpChg>
-        <pc:grpChg chg="add mod">
-          <ac:chgData name="Casey Khan" userId="c191e01f-1366-46c6-ad67-b01d4850573d" providerId="ADAL" clId="{54D77325-62B4-4C29-8F28-89B67B356B52}" dt="2021-02-26T18:47:45.994" v="1418" actId="408"/>
-          <ac:grpSpMkLst>
-            <pc:docMk/>
-            <pc:sldMk cId="1028079468" sldId="388"/>
-            <ac:grpSpMk id="21" creationId="{7595D1D2-B129-475D-91F3-6749CEF3892D}"/>
-          </ac:grpSpMkLst>
-        </pc:grpChg>
-        <pc:grpChg chg="add mod">
-          <ac:chgData name="Casey Khan" userId="c191e01f-1366-46c6-ad67-b01d4850573d" providerId="ADAL" clId="{54D77325-62B4-4C29-8F28-89B67B356B52}" dt="2021-02-26T18:47:45.994" v="1418" actId="408"/>
-          <ac:grpSpMkLst>
-            <pc:docMk/>
-            <pc:sldMk cId="1028079468" sldId="388"/>
-            <ac:grpSpMk id="29" creationId="{A89F558C-766A-46D8-BFBF-6F6346DA9415}"/>
-          </ac:grpSpMkLst>
-        </pc:grpChg>
-        <pc:graphicFrameChg chg="add mod">
-          <ac:chgData name="Casey Khan" userId="c191e01f-1366-46c6-ad67-b01d4850573d" providerId="ADAL" clId="{54D77325-62B4-4C29-8F28-89B67B356B52}" dt="2021-02-26T18:36:45.206" v="1401" actId="1076"/>
-          <ac:graphicFrameMkLst>
-            <pc:docMk/>
-            <pc:sldMk cId="1028079468" sldId="388"/>
-            <ac:graphicFrameMk id="4" creationId="{36682793-3C10-41CB-9DF8-D3F9013725C7}"/>
-          </ac:graphicFrameMkLst>
-        </pc:graphicFrameChg>
-      </pc:sldChg>
-      <pc:sldChg chg="modSp add">
-        <pc:chgData name="Casey Khan" userId="c191e01f-1366-46c6-ad67-b01d4850573d" providerId="ADAL" clId="{54D77325-62B4-4C29-8F28-89B67B356B52}" dt="2021-02-26T20:40:00.287" v="2116" actId="113"/>
-        <pc:sldMkLst>
-          <pc:docMk/>
-          <pc:sldMk cId="2276768985" sldId="389"/>
-        </pc:sldMkLst>
-        <pc:spChg chg="mod">
-          <ac:chgData name="Casey Khan" userId="c191e01f-1366-46c6-ad67-b01d4850573d" providerId="ADAL" clId="{54D77325-62B4-4C29-8F28-89B67B356B52}" dt="2021-02-26T20:40:00.287" v="2116" actId="113"/>
-          <ac:spMkLst>
-            <pc:docMk/>
-            <pc:sldMk cId="2276768985" sldId="389"/>
-            <ac:spMk id="2" creationId="{FA6C5650-3A49-4A68-BD93-8A85FC25F2C5}"/>
-          </ac:spMkLst>
-        </pc:spChg>
-        <pc:spChg chg="mod">
-          <ac:chgData name="Casey Khan" userId="c191e01f-1366-46c6-ad67-b01d4850573d" providerId="ADAL" clId="{54D77325-62B4-4C29-8F28-89B67B356B52}" dt="2021-02-26T18:48:31.427" v="1438" actId="20577"/>
-          <ac:spMkLst>
-            <pc:docMk/>
-            <pc:sldMk cId="2276768985" sldId="389"/>
-            <ac:spMk id="3" creationId="{19856205-4F13-4CF1-9474-8398034866EC}"/>
-          </ac:spMkLst>
-        </pc:spChg>
-      </pc:sldChg>
-      <pc:sldChg chg="addSp delSp modSp add">
-        <pc:chgData name="Casey Khan" userId="c191e01f-1366-46c6-ad67-b01d4850573d" providerId="ADAL" clId="{54D77325-62B4-4C29-8F28-89B67B356B52}" dt="2021-02-27T21:30:45.669" v="6402" actId="20577"/>
-        <pc:sldMkLst>
-          <pc:docMk/>
-          <pc:sldMk cId="1135509183" sldId="390"/>
-        </pc:sldMkLst>
-        <pc:spChg chg="del">
-          <ac:chgData name="Casey Khan" userId="c191e01f-1366-46c6-ad67-b01d4850573d" providerId="ADAL" clId="{54D77325-62B4-4C29-8F28-89B67B356B52}" dt="2021-02-26T20:41:54.046" v="2118" actId="478"/>
-          <ac:spMkLst>
-            <pc:docMk/>
-            <pc:sldMk cId="1135509183" sldId="390"/>
-            <ac:spMk id="2" creationId="{AE461E0F-254B-4B71-A2AC-E185D9F0881E}"/>
-          </ac:spMkLst>
-        </pc:spChg>
-        <pc:spChg chg="mod">
-          <ac:chgData name="Casey Khan" userId="c191e01f-1366-46c6-ad67-b01d4850573d" providerId="ADAL" clId="{54D77325-62B4-4C29-8F28-89B67B356B52}" dt="2021-02-26T20:40:10.184" v="2117" actId="313"/>
-          <ac:spMkLst>
-            <pc:docMk/>
-            <pc:sldMk cId="1135509183" sldId="390"/>
-            <ac:spMk id="3" creationId="{9E876DD0-2FD1-4F19-B463-6E024B5EE5D5}"/>
-          </ac:spMkLst>
-        </pc:spChg>
-        <pc:spChg chg="add mod">
-          <ac:chgData name="Casey Khan" userId="c191e01f-1366-46c6-ad67-b01d4850573d" providerId="ADAL" clId="{54D77325-62B4-4C29-8F28-89B67B356B52}" dt="2021-02-26T20:50:24.432" v="2295" actId="1076"/>
-          <ac:spMkLst>
-            <pc:docMk/>
-            <pc:sldMk cId="1135509183" sldId="390"/>
-            <ac:spMk id="4" creationId="{46811512-0645-4E26-BD8D-9079EC5CE40C}"/>
-          </ac:spMkLst>
-        </pc:spChg>
-        <pc:spChg chg="add mod">
-          <ac:chgData name="Casey Khan" userId="c191e01f-1366-46c6-ad67-b01d4850573d" providerId="ADAL" clId="{54D77325-62B4-4C29-8F28-89B67B356B52}" dt="2021-02-26T20:50:04.431" v="2292" actId="554"/>
-          <ac:spMkLst>
-            <pc:docMk/>
-            <pc:sldMk cId="1135509183" sldId="390"/>
-            <ac:spMk id="5" creationId="{4BC514A0-1667-4156-8D2B-8F47E2F4A805}"/>
-          </ac:spMkLst>
-        </pc:spChg>
-        <pc:spChg chg="add mod">
-          <ac:chgData name="Casey Khan" userId="c191e01f-1366-46c6-ad67-b01d4850573d" providerId="ADAL" clId="{54D77325-62B4-4C29-8F28-89B67B356B52}" dt="2021-02-26T20:50:11.550" v="2293" actId="554"/>
-          <ac:spMkLst>
-            <pc:docMk/>
-            <pc:sldMk cId="1135509183" sldId="390"/>
-            <ac:spMk id="6" creationId="{BB81E40C-AC00-428E-B6B7-793189AA7840}"/>
-          </ac:spMkLst>
-        </pc:spChg>
-        <pc:spChg chg="add mod">
-          <ac:chgData name="Casey Khan" userId="c191e01f-1366-46c6-ad67-b01d4850573d" providerId="ADAL" clId="{54D77325-62B4-4C29-8F28-89B67B356B52}" dt="2021-02-27T21:30:45.669" v="6402" actId="20577"/>
-          <ac:spMkLst>
-            <pc:docMk/>
-            <pc:sldMk cId="1135509183" sldId="390"/>
-            <ac:spMk id="7" creationId="{0B729633-E40C-491E-94D0-732E95704D50}"/>
-          </ac:spMkLst>
-        </pc:spChg>
-        <pc:spChg chg="add mod">
-          <ac:chgData name="Casey Khan" userId="c191e01f-1366-46c6-ad67-b01d4850573d" providerId="ADAL" clId="{54D77325-62B4-4C29-8F28-89B67B356B52}" dt="2021-02-26T20:50:11.550" v="2293" actId="554"/>
-          <ac:spMkLst>
-            <pc:docMk/>
-            <pc:sldMk cId="1135509183" sldId="390"/>
-            <ac:spMk id="8" creationId="{3F0A448D-3B8A-4BF7-987A-02B7DFC62E4E}"/>
-          </ac:spMkLst>
-        </pc:spChg>
-        <pc:spChg chg="add mod">
-          <ac:chgData name="Casey Khan" userId="c191e01f-1366-46c6-ad67-b01d4850573d" providerId="ADAL" clId="{54D77325-62B4-4C29-8F28-89B67B356B52}" dt="2021-02-26T20:50:04.431" v="2292" actId="554"/>
-          <ac:spMkLst>
-            <pc:docMk/>
-            <pc:sldMk cId="1135509183" sldId="390"/>
-            <ac:spMk id="9" creationId="{DC8FAFA2-70D9-4C74-B98A-7CF224C62184}"/>
-          </ac:spMkLst>
-        </pc:spChg>
-        <pc:spChg chg="add mod">
-          <ac:chgData name="Casey Khan" userId="c191e01f-1366-46c6-ad67-b01d4850573d" providerId="ADAL" clId="{54D77325-62B4-4C29-8F28-89B67B356B52}" dt="2021-02-26T20:50:04.431" v="2292" actId="554"/>
-          <ac:spMkLst>
-            <pc:docMk/>
-            <pc:sldMk cId="1135509183" sldId="390"/>
-            <ac:spMk id="10" creationId="{B761BDE4-CF51-4C9C-BC1C-CFBBF7D90466}"/>
-          </ac:spMkLst>
-        </pc:spChg>
-        <pc:spChg chg="add mod">
-          <ac:chgData name="Casey Khan" userId="c191e01f-1366-46c6-ad67-b01d4850573d" providerId="ADAL" clId="{54D77325-62B4-4C29-8F28-89B67B356B52}" dt="2021-02-26T20:50:11.550" v="2293" actId="554"/>
-          <ac:spMkLst>
-            <pc:docMk/>
-            <pc:sldMk cId="1135509183" sldId="390"/>
-            <ac:spMk id="11" creationId="{9E9AC82A-2FD5-4DEF-91A5-7AD73B6C2878}"/>
-          </ac:spMkLst>
-        </pc:spChg>
-        <pc:spChg chg="add mod">
-          <ac:chgData name="Casey Khan" userId="c191e01f-1366-46c6-ad67-b01d4850573d" providerId="ADAL" clId="{54D77325-62B4-4C29-8F28-89B67B356B52}" dt="2021-02-26T20:50:17.527" v="2294" actId="1076"/>
-          <ac:spMkLst>
-            <pc:docMk/>
-            <pc:sldMk cId="1135509183" sldId="390"/>
-            <ac:spMk id="12" creationId="{E2517736-843E-4E35-B20E-4F5732F76B3E}"/>
-          </ac:spMkLst>
-        </pc:spChg>
-        <pc:spChg chg="add mod">
-          <ac:chgData name="Casey Khan" userId="c191e01f-1366-46c6-ad67-b01d4850573d" providerId="ADAL" clId="{54D77325-62B4-4C29-8F28-89B67B356B52}" dt="2021-02-26T20:59:53.942" v="2451" actId="14100"/>
-          <ac:spMkLst>
-            <pc:docMk/>
-            <pc:sldMk cId="1135509183" sldId="390"/>
-            <ac:spMk id="13" creationId="{3A261071-8F29-4077-B75A-82BF34548F43}"/>
-          </ac:spMkLst>
-        </pc:spChg>
-        <pc:spChg chg="add mod">
-          <ac:chgData name="Casey Khan" userId="c191e01f-1366-46c6-ad67-b01d4850573d" providerId="ADAL" clId="{54D77325-62B4-4C29-8F28-89B67B356B52}" dt="2021-02-26T21:01:02.758" v="2576" actId="1035"/>
-          <ac:spMkLst>
-            <pc:docMk/>
-            <pc:sldMk cId="1135509183" sldId="390"/>
-            <ac:spMk id="14" creationId="{5EC911A2-5AC5-4844-9784-9BB31E270700}"/>
-          </ac:spMkLst>
-        </pc:spChg>
-      </pc:sldChg>
-      <pc:sldChg chg="addSp delSp modSp add">
-        <pc:chgData name="Casey Khan" userId="c191e01f-1366-46c6-ad67-b01d4850573d" providerId="ADAL" clId="{54D77325-62B4-4C29-8F28-89B67B356B52}" dt="2021-02-26T21:27:12.759" v="3326" actId="122"/>
-        <pc:sldMkLst>
-          <pc:docMk/>
-          <pc:sldMk cId="2493861103" sldId="391"/>
-        </pc:sldMkLst>
-        <pc:spChg chg="mod">
-          <ac:chgData name="Casey Khan" userId="c191e01f-1366-46c6-ad67-b01d4850573d" providerId="ADAL" clId="{54D77325-62B4-4C29-8F28-89B67B356B52}" dt="2021-02-26T21:26:59.653" v="3294" actId="1036"/>
-          <ac:spMkLst>
-            <pc:docMk/>
-            <pc:sldMk cId="2493861103" sldId="391"/>
-            <ac:spMk id="2" creationId="{0D2E1F4C-29A5-4542-93C4-94055A39EC19}"/>
-          </ac:spMkLst>
-        </pc:spChg>
-        <pc:spChg chg="mod">
-          <ac:chgData name="Casey Khan" userId="c191e01f-1366-46c6-ad67-b01d4850573d" providerId="ADAL" clId="{54D77325-62B4-4C29-8F28-89B67B356B52}" dt="2021-02-26T18:49:15.051" v="1472" actId="20577"/>
-          <ac:spMkLst>
-            <pc:docMk/>
-            <pc:sldMk cId="2493861103" sldId="391"/>
-            <ac:spMk id="3" creationId="{E6B1192B-4B36-431E-8190-9F4101481ED8}"/>
-          </ac:spMkLst>
-        </pc:spChg>
-        <pc:graphicFrameChg chg="add del mod modGraphic">
-          <ac:chgData name="Casey Khan" userId="c191e01f-1366-46c6-ad67-b01d4850573d" providerId="ADAL" clId="{54D77325-62B4-4C29-8F28-89B67B356B52}" dt="2021-02-26T21:22:15.018" v="3234"/>
-          <ac:graphicFrameMkLst>
-            <pc:docMk/>
-            <pc:sldMk cId="2493861103" sldId="391"/>
-            <ac:graphicFrameMk id="4" creationId="{0AED5E52-9019-4B08-909E-BE673C3523C6}"/>
-          </ac:graphicFrameMkLst>
-        </pc:graphicFrameChg>
-        <pc:graphicFrameChg chg="add del mod">
-          <ac:chgData name="Casey Khan" userId="c191e01f-1366-46c6-ad67-b01d4850573d" providerId="ADAL" clId="{54D77325-62B4-4C29-8F28-89B67B356B52}" dt="2021-02-26T21:26:29.604" v="3251" actId="478"/>
-          <ac:graphicFrameMkLst>
-            <pc:docMk/>
-            <pc:sldMk cId="2493861103" sldId="391"/>
-            <ac:graphicFrameMk id="5" creationId="{2B83D737-C0AD-41D4-B9F5-00D9955DB93D}"/>
-          </ac:graphicFrameMkLst>
-        </pc:graphicFrameChg>
-        <pc:graphicFrameChg chg="add mod modGraphic">
-          <ac:chgData name="Casey Khan" userId="c191e01f-1366-46c6-ad67-b01d4850573d" providerId="ADAL" clId="{54D77325-62B4-4C29-8F28-89B67B356B52}" dt="2021-02-26T21:27:12.759" v="3326" actId="122"/>
-          <ac:graphicFrameMkLst>
-            <pc:docMk/>
-            <pc:sldMk cId="2493861103" sldId="391"/>
-            <ac:graphicFrameMk id="6" creationId="{F0FB9FD3-EFF1-4023-A096-B3BEA5EB1647}"/>
-          </ac:graphicFrameMkLst>
-        </pc:graphicFrameChg>
-      </pc:sldChg>
-      <pc:sldChg chg="modSp add">
-        <pc:chgData name="Casey Khan" userId="c191e01f-1366-46c6-ad67-b01d4850573d" providerId="ADAL" clId="{54D77325-62B4-4C29-8F28-89B67B356B52}" dt="2021-02-26T21:39:11.954" v="3337" actId="20577"/>
-        <pc:sldMkLst>
-          <pc:docMk/>
-          <pc:sldMk cId="2338376745" sldId="392"/>
-        </pc:sldMkLst>
-        <pc:spChg chg="mod">
-          <ac:chgData name="Casey Khan" userId="c191e01f-1366-46c6-ad67-b01d4850573d" providerId="ADAL" clId="{54D77325-62B4-4C29-8F28-89B67B356B52}" dt="2021-02-26T21:36:03.738" v="3327" actId="20577"/>
-          <ac:spMkLst>
-            <pc:docMk/>
-            <pc:sldMk cId="2338376745" sldId="392"/>
-            <ac:spMk id="2" creationId="{3179DCE4-6E16-496B-BE73-7AAEDDE17B5D}"/>
-          </ac:spMkLst>
-        </pc:spChg>
-        <pc:spChg chg="mod">
-          <ac:chgData name="Casey Khan" userId="c191e01f-1366-46c6-ad67-b01d4850573d" providerId="ADAL" clId="{54D77325-62B4-4C29-8F28-89B67B356B52}" dt="2021-02-26T21:39:11.954" v="3337" actId="20577"/>
-          <ac:spMkLst>
-            <pc:docMk/>
-            <pc:sldMk cId="2338376745" sldId="392"/>
-            <ac:spMk id="3" creationId="{9394F878-0DF7-4A40-A595-ED0B05136342}"/>
-          </ac:spMkLst>
-        </pc:spChg>
-      </pc:sldChg>
-      <pc:sldChg chg="addSp delSp modSp add">
-        <pc:chgData name="Casey Khan" userId="c191e01f-1366-46c6-ad67-b01d4850573d" providerId="ADAL" clId="{54D77325-62B4-4C29-8F28-89B67B356B52}" dt="2021-02-26T22:27:56.671" v="4118" actId="208"/>
-        <pc:sldMkLst>
-          <pc:docMk/>
-          <pc:sldMk cId="1049324478" sldId="393"/>
-        </pc:sldMkLst>
-        <pc:spChg chg="del">
-          <ac:chgData name="Casey Khan" userId="c191e01f-1366-46c6-ad67-b01d4850573d" providerId="ADAL" clId="{54D77325-62B4-4C29-8F28-89B67B356B52}" dt="2021-02-26T22:00:35.963" v="3461" actId="478"/>
-          <ac:spMkLst>
-            <pc:docMk/>
-            <pc:sldMk cId="1049324478" sldId="393"/>
-            <ac:spMk id="2" creationId="{E4653B23-F9BD-49D3-AA1C-BBC50C81249F}"/>
-          </ac:spMkLst>
-        </pc:spChg>
-        <pc:spChg chg="mod">
-          <ac:chgData name="Casey Khan" userId="c191e01f-1366-46c6-ad67-b01d4850573d" providerId="ADAL" clId="{54D77325-62B4-4C29-8F28-89B67B356B52}" dt="2021-02-26T22:01:32.803" v="3480" actId="20577"/>
-          <ac:spMkLst>
-            <pc:docMk/>
-            <pc:sldMk cId="1049324478" sldId="393"/>
-            <ac:spMk id="3" creationId="{1F2C2AD9-D6E9-42DA-8734-22AF4B945E81}"/>
-          </ac:spMkLst>
-        </pc:spChg>
-        <pc:spChg chg="add mod">
-          <ac:chgData name="Casey Khan" userId="c191e01f-1366-46c6-ad67-b01d4850573d" providerId="ADAL" clId="{54D77325-62B4-4C29-8F28-89B67B356B52}" dt="2021-02-26T22:27:27.599" v="4101" actId="1035"/>
-          <ac:spMkLst>
-            <pc:docMk/>
-            <pc:sldMk cId="1049324478" sldId="393"/>
-            <ac:spMk id="7" creationId="{040DB6C7-EC69-4D3A-83FB-5D02F7A80C2F}"/>
-          </ac:spMkLst>
-        </pc:spChg>
-        <pc:picChg chg="add mod">
-          <ac:chgData name="Casey Khan" userId="c191e01f-1366-46c6-ad67-b01d4850573d" providerId="ADAL" clId="{54D77325-62B4-4C29-8F28-89B67B356B52}" dt="2021-02-26T22:01:05.275" v="3464" actId="1076"/>
-          <ac:picMkLst>
-            <pc:docMk/>
-            <pc:sldMk cId="1049324478" sldId="393"/>
-            <ac:picMk id="4" creationId="{1065369E-BC7F-41CD-82EA-87D9A202BE4E}"/>
-          </ac:picMkLst>
-        </pc:picChg>
-        <pc:cxnChg chg="add mod">
-          <ac:chgData name="Casey Khan" userId="c191e01f-1366-46c6-ad67-b01d4850573d" providerId="ADAL" clId="{54D77325-62B4-4C29-8F28-89B67B356B52}" dt="2021-02-26T22:27:56.671" v="4118" actId="208"/>
-          <ac:cxnSpMkLst>
-            <pc:docMk/>
-            <pc:sldMk cId="1049324478" sldId="393"/>
-            <ac:cxnSpMk id="6" creationId="{2FB55F3F-6162-43F3-A22C-8336E28CEECE}"/>
-          </ac:cxnSpMkLst>
-        </pc:cxnChg>
-      </pc:sldChg>
-      <pc:sldChg chg="modSp add">
-        <pc:chgData name="Casey Khan" userId="c191e01f-1366-46c6-ad67-b01d4850573d" providerId="ADAL" clId="{54D77325-62B4-4C29-8F28-89B67B356B52}" dt="2021-02-26T22:25:24.464" v="4050" actId="14100"/>
-        <pc:sldMkLst>
-          <pc:docMk/>
-          <pc:sldMk cId="1342095500" sldId="394"/>
-        </pc:sldMkLst>
-        <pc:spChg chg="mod">
-          <ac:chgData name="Casey Khan" userId="c191e01f-1366-46c6-ad67-b01d4850573d" providerId="ADAL" clId="{54D77325-62B4-4C29-8F28-89B67B356B52}" dt="2021-02-26T22:25:24.464" v="4050" actId="14100"/>
-          <ac:spMkLst>
-            <pc:docMk/>
-            <pc:sldMk cId="1342095500" sldId="394"/>
-            <ac:spMk id="2" creationId="{71C2BC20-6369-4AAC-B013-E6158D2CD419}"/>
-          </ac:spMkLst>
-        </pc:spChg>
-        <pc:spChg chg="mod">
-          <ac:chgData name="Casey Khan" userId="c191e01f-1366-46c6-ad67-b01d4850573d" providerId="ADAL" clId="{54D77325-62B4-4C29-8F28-89B67B356B52}" dt="2021-02-26T18:50:02.160" v="1540" actId="27636"/>
-          <ac:spMkLst>
-            <pc:docMk/>
-            <pc:sldMk cId="1342095500" sldId="394"/>
-            <ac:spMk id="3" creationId="{99534288-8DB3-4846-93D2-142B8D5EF9BF}"/>
-          </ac:spMkLst>
-        </pc:spChg>
-      </pc:sldChg>
-      <pc:sldChg chg="addSp modSp add">
-        <pc:chgData name="Casey Khan" userId="c191e01f-1366-46c6-ad67-b01d4850573d" providerId="ADAL" clId="{54D77325-62B4-4C29-8F28-89B67B356B52}" dt="2021-02-26T22:45:12.177" v="4976" actId="20577"/>
-        <pc:sldMkLst>
-          <pc:docMk/>
-          <pc:sldMk cId="345034900" sldId="395"/>
-        </pc:sldMkLst>
-        <pc:spChg chg="mod">
-          <ac:chgData name="Casey Khan" userId="c191e01f-1366-46c6-ad67-b01d4850573d" providerId="ADAL" clId="{54D77325-62B4-4C29-8F28-89B67B356B52}" dt="2021-02-26T22:38:47.695" v="4889" actId="6549"/>
-          <ac:spMkLst>
-            <pc:docMk/>
-            <pc:sldMk cId="345034900" sldId="395"/>
-            <ac:spMk id="2" creationId="{7840E78D-D15D-4962-BD6D-ADB12FA2F7EA}"/>
-          </ac:spMkLst>
-        </pc:spChg>
-        <pc:spChg chg="mod">
-          <ac:chgData name="Casey Khan" userId="c191e01f-1366-46c6-ad67-b01d4850573d" providerId="ADAL" clId="{54D77325-62B4-4C29-8F28-89B67B356B52}" dt="2021-02-26T18:51:49.404" v="1549" actId="20577"/>
-          <ac:spMkLst>
-            <pc:docMk/>
-            <pc:sldMk cId="345034900" sldId="395"/>
-            <ac:spMk id="3" creationId="{7756C19D-2F49-480B-9881-6A4C21369AE6}"/>
-          </ac:spMkLst>
-        </pc:spChg>
-        <pc:spChg chg="add mod">
-          <ac:chgData name="Casey Khan" userId="c191e01f-1366-46c6-ad67-b01d4850573d" providerId="ADAL" clId="{54D77325-62B4-4C29-8F28-89B67B356B52}" dt="2021-02-26T22:45:12.177" v="4976" actId="20577"/>
-          <ac:spMkLst>
-            <pc:docMk/>
-            <pc:sldMk cId="345034900" sldId="395"/>
-            <ac:spMk id="4" creationId="{57ACB7A8-2396-4556-A212-76239EF1B7DC}"/>
-          </ac:spMkLst>
-        </pc:spChg>
-      </pc:sldChg>
-      <pc:sldChg chg="addSp delSp modSp add">
-        <pc:chgData name="Casey Khan" userId="c191e01f-1366-46c6-ad67-b01d4850573d" providerId="ADAL" clId="{54D77325-62B4-4C29-8F28-89B67B356B52}" dt="2021-02-28T01:00:12.429" v="6690" actId="1076"/>
-        <pc:sldMkLst>
-          <pc:docMk/>
-          <pc:sldMk cId="2799806537" sldId="396"/>
-        </pc:sldMkLst>
-        <pc:spChg chg="del">
-          <ac:chgData name="Casey Khan" userId="c191e01f-1366-46c6-ad67-b01d4850573d" providerId="ADAL" clId="{54D77325-62B4-4C29-8F28-89B67B356B52}" dt="2021-02-26T22:44:01.903" v="4951" actId="478"/>
-          <ac:spMkLst>
-            <pc:docMk/>
-            <pc:sldMk cId="2799806537" sldId="396"/>
-            <ac:spMk id="2" creationId="{F6766FDB-42D1-469A-9CBC-4AE731CBD3CC}"/>
-          </ac:spMkLst>
-        </pc:spChg>
-        <pc:spChg chg="mod">
-          <ac:chgData name="Casey Khan" userId="c191e01f-1366-46c6-ad67-b01d4850573d" providerId="ADAL" clId="{54D77325-62B4-4C29-8F28-89B67B356B52}" dt="2021-02-26T18:52:01.269" v="1564" actId="20577"/>
-          <ac:spMkLst>
-            <pc:docMk/>
-            <pc:sldMk cId="2799806537" sldId="396"/>
-            <ac:spMk id="3" creationId="{76CB8739-F5AF-46E0-B9BC-A9F3BDED53C1}"/>
-          </ac:spMkLst>
-        </pc:spChg>
-        <pc:graphicFrameChg chg="add mod modGraphic">
-          <ac:chgData name="Casey Khan" userId="c191e01f-1366-46c6-ad67-b01d4850573d" providerId="ADAL" clId="{54D77325-62B4-4C29-8F28-89B67B356B52}" dt="2021-02-28T01:00:12.429" v="6690" actId="1076"/>
-          <ac:graphicFrameMkLst>
-            <pc:docMk/>
-            <pc:sldMk cId="2799806537" sldId="396"/>
-            <ac:graphicFrameMk id="4" creationId="{DCEDC38A-58DC-4656-837A-2C953E6C00E3}"/>
-          </ac:graphicFrameMkLst>
-        </pc:graphicFrameChg>
-        <pc:graphicFrameChg chg="add del mod modGraphic">
-          <ac:chgData name="Casey Khan" userId="c191e01f-1366-46c6-ad67-b01d4850573d" providerId="ADAL" clId="{54D77325-62B4-4C29-8F28-89B67B356B52}" dt="2021-02-26T22:50:03.612" v="5043" actId="478"/>
-          <ac:graphicFrameMkLst>
-            <pc:docMk/>
-            <pc:sldMk cId="2799806537" sldId="396"/>
-            <ac:graphicFrameMk id="5" creationId="{46E84A76-82CD-49AB-A9CD-547E56359FB0}"/>
-          </ac:graphicFrameMkLst>
-        </pc:graphicFrameChg>
-        <pc:graphicFrameChg chg="add mod modGraphic">
-          <ac:chgData name="Casey Khan" userId="c191e01f-1366-46c6-ad67-b01d4850573d" providerId="ADAL" clId="{54D77325-62B4-4C29-8F28-89B67B356B52}" dt="2021-02-28T00:59:17.048" v="6682" actId="2166"/>
-          <ac:graphicFrameMkLst>
-            <pc:docMk/>
-            <pc:sldMk cId="2799806537" sldId="396"/>
-            <ac:graphicFrameMk id="6" creationId="{8E03EF3C-A186-4794-B56A-101AA02EE401}"/>
-          </ac:graphicFrameMkLst>
-        </pc:graphicFrameChg>
-        <pc:graphicFrameChg chg="add del mod modGraphic">
-          <ac:chgData name="Casey Khan" userId="c191e01f-1366-46c6-ad67-b01d4850573d" providerId="ADAL" clId="{54D77325-62B4-4C29-8F28-89B67B356B52}" dt="2021-02-28T01:00:05.413" v="6689" actId="1076"/>
-          <ac:graphicFrameMkLst>
-            <pc:docMk/>
-            <pc:sldMk cId="2799806537" sldId="396"/>
-            <ac:graphicFrameMk id="7" creationId="{0368E07E-BFB5-4835-A176-CB98663582B0}"/>
-          </ac:graphicFrameMkLst>
-        </pc:graphicFrameChg>
-      </pc:sldChg>
-      <pc:sldChg chg="modSp add">
-        <pc:chgData name="Casey Khan" userId="c191e01f-1366-46c6-ad67-b01d4850573d" providerId="ADAL" clId="{54D77325-62B4-4C29-8F28-89B67B356B52}" dt="2021-02-27T00:25:36.612" v="5319" actId="20577"/>
-        <pc:sldMkLst>
-          <pc:docMk/>
-          <pc:sldMk cId="2207379177" sldId="397"/>
-        </pc:sldMkLst>
-        <pc:spChg chg="mod">
-          <ac:chgData name="Casey Khan" userId="c191e01f-1366-46c6-ad67-b01d4850573d" providerId="ADAL" clId="{54D77325-62B4-4C29-8F28-89B67B356B52}" dt="2021-02-27T00:25:36.612" v="5319" actId="20577"/>
-          <ac:spMkLst>
-            <pc:docMk/>
-            <pc:sldMk cId="2207379177" sldId="397"/>
-            <ac:spMk id="2" creationId="{FA6C5650-3A49-4A68-BD93-8A85FC25F2C5}"/>
-          </ac:spMkLst>
-        </pc:spChg>
-      </pc:sldChg>
-      <pc:sldChg chg="modSp add">
-        <pc:chgData name="Casey Khan" userId="c191e01f-1366-46c6-ad67-b01d4850573d" providerId="ADAL" clId="{54D77325-62B4-4C29-8F28-89B67B356B52}" dt="2021-02-27T20:21:10.204" v="5582" actId="20577"/>
-        <pc:sldMkLst>
-          <pc:docMk/>
-          <pc:sldMk cId="384757421" sldId="398"/>
-        </pc:sldMkLst>
-        <pc:spChg chg="mod">
-          <ac:chgData name="Casey Khan" userId="c191e01f-1366-46c6-ad67-b01d4850573d" providerId="ADAL" clId="{54D77325-62B4-4C29-8F28-89B67B356B52}" dt="2021-02-27T20:21:10.204" v="5582" actId="20577"/>
-          <ac:spMkLst>
-            <pc:docMk/>
-            <pc:sldMk cId="384757421" sldId="398"/>
-            <ac:spMk id="2" creationId="{AE461E0F-254B-4B71-A2AC-E185D9F0881E}"/>
-          </ac:spMkLst>
-        </pc:spChg>
-        <pc:spChg chg="mod">
-          <ac:chgData name="Casey Khan" userId="c191e01f-1366-46c6-ad67-b01d4850573d" providerId="ADAL" clId="{54D77325-62B4-4C29-8F28-89B67B356B52}" dt="2021-02-27T20:20:29.401" v="5566" actId="313"/>
-          <ac:spMkLst>
-            <pc:docMk/>
-            <pc:sldMk cId="384757421" sldId="398"/>
-            <ac:spMk id="3" creationId="{9E876DD0-2FD1-4F19-B463-6E024B5EE5D5}"/>
-          </ac:spMkLst>
-        </pc:spChg>
-      </pc:sldChg>
-      <pc:sldChg chg="modSp add">
-        <pc:chgData name="Casey Khan" userId="c191e01f-1366-46c6-ad67-b01d4850573d" providerId="ADAL" clId="{54D77325-62B4-4C29-8F28-89B67B356B52}" dt="2021-02-27T20:21:28.660" v="5622" actId="20577"/>
-        <pc:sldMkLst>
-          <pc:docMk/>
-          <pc:sldMk cId="4001885601" sldId="399"/>
-        </pc:sldMkLst>
-        <pc:spChg chg="mod">
-          <ac:chgData name="Casey Khan" userId="c191e01f-1366-46c6-ad67-b01d4850573d" providerId="ADAL" clId="{54D77325-62B4-4C29-8F28-89B67B356B52}" dt="2021-02-27T20:21:28.660" v="5622" actId="20577"/>
-          <ac:spMkLst>
-            <pc:docMk/>
-            <pc:sldMk cId="4001885601" sldId="399"/>
-            <ac:spMk id="2" creationId="{0D2E1F4C-29A5-4542-93C4-94055A39EC19}"/>
-          </ac:spMkLst>
-        </pc:spChg>
-      </pc:sldChg>
-      <pc:sldChg chg="modSp add">
-        <pc:chgData name="Casey Khan" userId="c191e01f-1366-46c6-ad67-b01d4850573d" providerId="ADAL" clId="{54D77325-62B4-4C29-8F28-89B67B356B52}" dt="2021-02-27T20:23:33.973" v="5830" actId="20577"/>
-        <pc:sldMkLst>
-          <pc:docMk/>
-          <pc:sldMk cId="3935701108" sldId="400"/>
-        </pc:sldMkLst>
-        <pc:spChg chg="mod">
-          <ac:chgData name="Casey Khan" userId="c191e01f-1366-46c6-ad67-b01d4850573d" providerId="ADAL" clId="{54D77325-62B4-4C29-8F28-89B67B356B52}" dt="2021-02-27T20:23:33.973" v="5830" actId="20577"/>
-          <ac:spMkLst>
-            <pc:docMk/>
-            <pc:sldMk cId="3935701108" sldId="400"/>
-            <ac:spMk id="2" creationId="{3179DCE4-6E16-496B-BE73-7AAEDDE17B5D}"/>
-          </ac:spMkLst>
-        </pc:spChg>
-      </pc:sldChg>
-      <pc:sldChg chg="addSp delSp modSp add">
-        <pc:chgData name="Casey Khan" userId="c191e01f-1366-46c6-ad67-b01d4850573d" providerId="ADAL" clId="{54D77325-62B4-4C29-8F28-89B67B356B52}" dt="2021-02-27T20:27:35.571" v="5972" actId="208"/>
-        <pc:sldMkLst>
-          <pc:docMk/>
-          <pc:sldMk cId="3195988165" sldId="401"/>
-        </pc:sldMkLst>
-        <pc:spChg chg="del">
-          <ac:chgData name="Casey Khan" userId="c191e01f-1366-46c6-ad67-b01d4850573d" providerId="ADAL" clId="{54D77325-62B4-4C29-8F28-89B67B356B52}" dt="2021-02-27T20:24:02.823" v="5845" actId="478"/>
-          <ac:spMkLst>
-            <pc:docMk/>
-            <pc:sldMk cId="3195988165" sldId="401"/>
-            <ac:spMk id="2" creationId="{E4653B23-F9BD-49D3-AA1C-BBC50C81249F}"/>
-          </ac:spMkLst>
-        </pc:spChg>
-        <pc:spChg chg="mod">
-          <ac:chgData name="Casey Khan" userId="c191e01f-1366-46c6-ad67-b01d4850573d" providerId="ADAL" clId="{54D77325-62B4-4C29-8F28-89B67B356B52}" dt="2021-02-27T20:23:58.429" v="5844" actId="20577"/>
-          <ac:spMkLst>
-            <pc:docMk/>
-            <pc:sldMk cId="3195988165" sldId="401"/>
-            <ac:spMk id="3" creationId="{1F2C2AD9-D6E9-42DA-8734-22AF4B945E81}"/>
-          </ac:spMkLst>
-        </pc:spChg>
-        <pc:spChg chg="add mod">
-          <ac:chgData name="Casey Khan" userId="c191e01f-1366-46c6-ad67-b01d4850573d" providerId="ADAL" clId="{54D77325-62B4-4C29-8F28-89B67B356B52}" dt="2021-02-27T20:27:05.765" v="5961" actId="1076"/>
-          <ac:spMkLst>
-            <pc:docMk/>
-            <pc:sldMk cId="3195988165" sldId="401"/>
-            <ac:spMk id="5" creationId="{17B12783-8690-45FF-80CB-28F8773B5A01}"/>
-          </ac:spMkLst>
-        </pc:spChg>
-        <pc:picChg chg="add mod">
-          <ac:chgData name="Casey Khan" userId="c191e01f-1366-46c6-ad67-b01d4850573d" providerId="ADAL" clId="{54D77325-62B4-4C29-8F28-89B67B356B52}" dt="2021-02-27T20:24:53.861" v="5848" actId="1076"/>
-          <ac:picMkLst>
-            <pc:docMk/>
-            <pc:sldMk cId="3195988165" sldId="401"/>
-            <ac:picMk id="4" creationId="{AFF1A0D5-BEF3-4E41-9A8B-127D8E0E34C8}"/>
-          </ac:picMkLst>
-        </pc:picChg>
-        <pc:cxnChg chg="add mod">
-          <ac:chgData name="Casey Khan" userId="c191e01f-1366-46c6-ad67-b01d4850573d" providerId="ADAL" clId="{54D77325-62B4-4C29-8F28-89B67B356B52}" dt="2021-02-27T20:27:35.571" v="5972" actId="208"/>
-          <ac:cxnSpMkLst>
-            <pc:docMk/>
-            <pc:sldMk cId="3195988165" sldId="401"/>
-            <ac:cxnSpMk id="7" creationId="{9412E220-31B1-4A35-B948-DA3984B56DE1}"/>
-          </ac:cxnSpMkLst>
-        </pc:cxnChg>
-      </pc:sldChg>
-      <pc:sldChg chg="addSp delSp modSp add">
-        <pc:chgData name="Casey Khan" userId="c191e01f-1366-46c6-ad67-b01d4850573d" providerId="ADAL" clId="{54D77325-62B4-4C29-8F28-89B67B356B52}" dt="2021-02-27T21:22:57.109" v="6202" actId="12"/>
-        <pc:sldMkLst>
-          <pc:docMk/>
-          <pc:sldMk cId="3145627235" sldId="402"/>
-        </pc:sldMkLst>
-        <pc:spChg chg="del">
-          <ac:chgData name="Casey Khan" userId="c191e01f-1366-46c6-ad67-b01d4850573d" providerId="ADAL" clId="{54D77325-62B4-4C29-8F28-89B67B356B52}" dt="2021-02-27T21:10:43.782" v="6197" actId="478"/>
-          <ac:spMkLst>
-            <pc:docMk/>
-            <pc:sldMk cId="3145627235" sldId="402"/>
-            <ac:spMk id="2" creationId="{71C2BC20-6369-4AAC-B013-E6158D2CD419}"/>
-          </ac:spMkLst>
-        </pc:spChg>
-        <pc:spChg chg="add mod">
-          <ac:chgData name="Casey Khan" userId="c191e01f-1366-46c6-ad67-b01d4850573d" providerId="ADAL" clId="{54D77325-62B4-4C29-8F28-89B67B356B52}" dt="2021-02-27T21:22:57.109" v="6202" actId="12"/>
-          <ac:spMkLst>
-            <pc:docMk/>
-            <pc:sldMk cId="3145627235" sldId="402"/>
-            <ac:spMk id="4" creationId="{A116CE54-5AEE-439E-9797-2848459A7EE5}"/>
-          </ac:spMkLst>
-        </pc:spChg>
-      </pc:sldChg>
-      <pc:sldChg chg="addSp delSp modSp add">
-        <pc:chgData name="Casey Khan" userId="c191e01f-1366-46c6-ad67-b01d4850573d" providerId="ADAL" clId="{54D77325-62B4-4C29-8F28-89B67B356B52}" dt="2021-02-28T01:04:20.045" v="6804" actId="20577"/>
-        <pc:sldMkLst>
-          <pc:docMk/>
-          <pc:sldMk cId="2289560353" sldId="403"/>
-        </pc:sldMkLst>
-        <pc:spChg chg="mod">
-          <ac:chgData name="Casey Khan" userId="c191e01f-1366-46c6-ad67-b01d4850573d" providerId="ADAL" clId="{54D77325-62B4-4C29-8F28-89B67B356B52}" dt="2021-02-28T01:04:20.045" v="6804" actId="20577"/>
-          <ac:spMkLst>
-            <pc:docMk/>
-            <pc:sldMk cId="2289560353" sldId="403"/>
-            <ac:spMk id="2" creationId="{7840E78D-D15D-4962-BD6D-ADB12FA2F7EA}"/>
-          </ac:spMkLst>
-        </pc:spChg>
-        <pc:spChg chg="mod">
-          <ac:chgData name="Casey Khan" userId="c191e01f-1366-46c6-ad67-b01d4850573d" providerId="ADAL" clId="{54D77325-62B4-4C29-8F28-89B67B356B52}" dt="2021-02-28T01:02:39.055" v="6706" actId="20577"/>
-          <ac:spMkLst>
-            <pc:docMk/>
-            <pc:sldMk cId="2289560353" sldId="403"/>
-            <ac:spMk id="3" creationId="{7756C19D-2F49-480B-9881-6A4C21369AE6}"/>
-          </ac:spMkLst>
-        </pc:spChg>
-        <pc:graphicFrameChg chg="add del mod modGraphic">
-          <ac:chgData name="Casey Khan" userId="c191e01f-1366-46c6-ad67-b01d4850573d" providerId="ADAL" clId="{54D77325-62B4-4C29-8F28-89B67B356B52}" dt="2021-02-28T01:03:20.501" v="6727" actId="478"/>
-          <ac:graphicFrameMkLst>
-            <pc:docMk/>
-            <pc:sldMk cId="2289560353" sldId="403"/>
-            <ac:graphicFrameMk id="4" creationId="{6771CB13-A2D0-40B6-A649-5A9EF310806B}"/>
-          </ac:graphicFrameMkLst>
-        </pc:graphicFrameChg>
-      </pc:sldChg>
-      <pc:sldChg chg="add del">
-        <pc:chgData name="Casey Khan" userId="c191e01f-1366-46c6-ad67-b01d4850573d" providerId="ADAL" clId="{54D77325-62B4-4C29-8F28-89B67B356B52}" dt="2021-02-28T01:02:42.237" v="6708" actId="2696"/>
-        <pc:sldMkLst>
-          <pc:docMk/>
-          <pc:sldMk cId="2901743365" sldId="404"/>
-        </pc:sldMkLst>
-      </pc:sldChg>
-      <pc:sldChg chg="modSp add">
-        <pc:chgData name="Casey Khan" userId="c191e01f-1366-46c6-ad67-b01d4850573d" providerId="ADAL" clId="{54D77325-62B4-4C29-8F28-89B67B356B52}" dt="2021-02-26T21:56:14.908" v="3442" actId="20577"/>
-        <pc:sldMkLst>
-          <pc:docMk/>
-          <pc:sldMk cId="3041068802" sldId="405"/>
-        </pc:sldMkLst>
-        <pc:spChg chg="mod">
-          <ac:chgData name="Casey Khan" userId="c191e01f-1366-46c6-ad67-b01d4850573d" providerId="ADAL" clId="{54D77325-62B4-4C29-8F28-89B67B356B52}" dt="2021-02-26T21:56:14.908" v="3442" actId="20577"/>
-          <ac:spMkLst>
-            <pc:docMk/>
-            <pc:sldMk cId="3041068802" sldId="405"/>
-            <ac:spMk id="2" creationId="{E1315D22-5AD5-4E36-B61E-942CF4B6F91E}"/>
-          </ac:spMkLst>
-        </pc:spChg>
-        <pc:spChg chg="mod">
-          <ac:chgData name="Casey Khan" userId="c191e01f-1366-46c6-ad67-b01d4850573d" providerId="ADAL" clId="{54D77325-62B4-4C29-8F28-89B67B356B52}" dt="2021-02-26T19:36:03.192" v="1626" actId="20577"/>
-          <ac:spMkLst>
-            <pc:docMk/>
-            <pc:sldMk cId="3041068802" sldId="405"/>
-            <ac:spMk id="3" creationId="{D948CBF4-4C68-4E0F-80DC-EEAB7D11C6BE}"/>
-          </ac:spMkLst>
-        </pc:spChg>
-      </pc:sldChg>
-      <pc:sldChg chg="modSp add">
-        <pc:chgData name="Casey Khan" userId="c191e01f-1366-46c6-ad67-b01d4850573d" providerId="ADAL" clId="{54D77325-62B4-4C29-8F28-89B67B356B52}" dt="2021-03-04T00:47:19.391" v="6806" actId="20577"/>
-        <pc:sldMkLst>
-          <pc:docMk/>
-          <pc:sldMk cId="2039042314" sldId="406"/>
-        </pc:sldMkLst>
-        <pc:spChg chg="mod">
-          <ac:chgData name="Casey Khan" userId="c191e01f-1366-46c6-ad67-b01d4850573d" providerId="ADAL" clId="{54D77325-62B4-4C29-8F28-89B67B356B52}" dt="2021-03-04T00:47:19.391" v="6806" actId="20577"/>
-          <ac:spMkLst>
-            <pc:docMk/>
-            <pc:sldMk cId="2039042314" sldId="406"/>
-            <ac:spMk id="2" creationId="{8D163DD8-C28C-43B1-B599-85D6A426420C}"/>
-          </ac:spMkLst>
-        </pc:spChg>
-        <pc:spChg chg="mod">
-          <ac:chgData name="Casey Khan" userId="c191e01f-1366-46c6-ad67-b01d4850573d" providerId="ADAL" clId="{54D77325-62B4-4C29-8F28-89B67B356B52}" dt="2021-02-26T21:06:16.056" v="2721" actId="20577"/>
-          <ac:spMkLst>
-            <pc:docMk/>
-            <pc:sldMk cId="2039042314" sldId="406"/>
-            <ac:spMk id="3" creationId="{30DA7C48-A7C2-4D92-A370-57D5EC9D3FED}"/>
-          </ac:spMkLst>
-        </pc:spChg>
-      </pc:sldChg>
-      <pc:sldChg chg="addSp delSp modSp add">
-        <pc:chgData name="Casey Khan" userId="c191e01f-1366-46c6-ad67-b01d4850573d" providerId="ADAL" clId="{54D77325-62B4-4C29-8F28-89B67B356B52}" dt="2021-02-26T21:02:30.063" v="2616" actId="1076"/>
-        <pc:sldMkLst>
-          <pc:docMk/>
-          <pc:sldMk cId="259584107" sldId="407"/>
-        </pc:sldMkLst>
-        <pc:spChg chg="del">
-          <ac:chgData name="Casey Khan" userId="c191e01f-1366-46c6-ad67-b01d4850573d" providerId="ADAL" clId="{54D77325-62B4-4C29-8F28-89B67B356B52}" dt="2021-02-26T21:01:49.358" v="2612" actId="478"/>
-          <ac:spMkLst>
-            <pc:docMk/>
-            <pc:sldMk cId="259584107" sldId="407"/>
-            <ac:spMk id="2" creationId="{ED022B0C-E666-4DF0-9A92-1E91DECCF0CF}"/>
-          </ac:spMkLst>
-        </pc:spChg>
-        <pc:spChg chg="mod">
-          <ac:chgData name="Casey Khan" userId="c191e01f-1366-46c6-ad67-b01d4850573d" providerId="ADAL" clId="{54D77325-62B4-4C29-8F28-89B67B356B52}" dt="2021-02-26T21:01:32.447" v="2611" actId="20577"/>
-          <ac:spMkLst>
-            <pc:docMk/>
-            <pc:sldMk cId="259584107" sldId="407"/>
-            <ac:spMk id="3" creationId="{A847FEE7-4921-4F2A-87FA-4BB30353D123}"/>
-          </ac:spMkLst>
-        </pc:spChg>
-        <pc:picChg chg="add mod">
-          <ac:chgData name="Casey Khan" userId="c191e01f-1366-46c6-ad67-b01d4850573d" providerId="ADAL" clId="{54D77325-62B4-4C29-8F28-89B67B356B52}" dt="2021-02-26T21:02:30.063" v="2616" actId="1076"/>
-          <ac:picMkLst>
-            <pc:docMk/>
-            <pc:sldMk cId="259584107" sldId="407"/>
-            <ac:picMk id="4" creationId="{7E12F79C-D435-4081-914D-0E1662B61390}"/>
-          </ac:picMkLst>
-        </pc:picChg>
-      </pc:sldChg>
-      <pc:sldChg chg="addSp delSp modSp add">
-        <pc:chgData name="Casey Khan" userId="c191e01f-1366-46c6-ad67-b01d4850573d" providerId="ADAL" clId="{54D77325-62B4-4C29-8F28-89B67B356B52}" dt="2021-02-26T21:05:37.337" v="2690" actId="1035"/>
-        <pc:sldMkLst>
-          <pc:docMk/>
-          <pc:sldMk cId="2493237940" sldId="408"/>
-        </pc:sldMkLst>
-        <pc:spChg chg="del">
-          <ac:chgData name="Casey Khan" userId="c191e01f-1366-46c6-ad67-b01d4850573d" providerId="ADAL" clId="{54D77325-62B4-4C29-8F28-89B67B356B52}" dt="2021-02-26T21:04:23.576" v="2647" actId="478"/>
-          <ac:spMkLst>
-            <pc:docMk/>
-            <pc:sldMk cId="2493237940" sldId="408"/>
-            <ac:spMk id="2" creationId="{A6B11461-2BD6-4ECB-9D4C-7C86F16DE273}"/>
-          </ac:spMkLst>
-        </pc:spChg>
-        <pc:spChg chg="mod">
-          <ac:chgData name="Casey Khan" userId="c191e01f-1366-46c6-ad67-b01d4850573d" providerId="ADAL" clId="{54D77325-62B4-4C29-8F28-89B67B356B52}" dt="2021-02-26T21:02:45.871" v="2646" actId="20577"/>
-          <ac:spMkLst>
-            <pc:docMk/>
-            <pc:sldMk cId="2493237940" sldId="408"/>
-            <ac:spMk id="3" creationId="{D822844A-7482-4F6A-B977-88D2B4B9619D}"/>
-          </ac:spMkLst>
-        </pc:spChg>
-        <pc:spChg chg="add mod">
-          <ac:chgData name="Casey Khan" userId="c191e01f-1366-46c6-ad67-b01d4850573d" providerId="ADAL" clId="{54D77325-62B4-4C29-8F28-89B67B356B52}" dt="2021-02-26T21:05:37.337" v="2690" actId="1035"/>
-          <ac:spMkLst>
-            <pc:docMk/>
-            <pc:sldMk cId="2493237940" sldId="408"/>
-            <ac:spMk id="5" creationId="{FB506A13-EE90-49B6-838F-768AB11AC8B3}"/>
-          </ac:spMkLst>
-        </pc:spChg>
-        <pc:picChg chg="add mod">
-          <ac:chgData name="Casey Khan" userId="c191e01f-1366-46c6-ad67-b01d4850573d" providerId="ADAL" clId="{54D77325-62B4-4C29-8F28-89B67B356B52}" dt="2021-02-26T21:04:42.423" v="2653" actId="1076"/>
-          <ac:picMkLst>
-            <pc:docMk/>
-            <pc:sldMk cId="2493237940" sldId="408"/>
-            <ac:picMk id="4" creationId="{12919F5A-1965-414A-9C0F-2DC0EE8F1609}"/>
-          </ac:picMkLst>
-        </pc:picChg>
-      </pc:sldChg>
-      <pc:sldChg chg="modSp add">
-        <pc:chgData name="Casey Khan" userId="c191e01f-1366-46c6-ad67-b01d4850573d" providerId="ADAL" clId="{54D77325-62B4-4C29-8F28-89B67B356B52}" dt="2021-02-26T21:55:18.540" v="3431" actId="5793"/>
-        <pc:sldMkLst>
-          <pc:docMk/>
-          <pc:sldMk cId="825489428" sldId="409"/>
-        </pc:sldMkLst>
-        <pc:spChg chg="mod">
-          <ac:chgData name="Casey Khan" userId="c191e01f-1366-46c6-ad67-b01d4850573d" providerId="ADAL" clId="{54D77325-62B4-4C29-8F28-89B67B356B52}" dt="2021-02-26T21:55:18.540" v="3431" actId="5793"/>
-          <ac:spMkLst>
-            <pc:docMk/>
-            <pc:sldMk cId="825489428" sldId="409"/>
-            <ac:spMk id="2" creationId="{8577A2FD-2F26-4905-8701-DE6B4801CB0C}"/>
-          </ac:spMkLst>
-        </pc:spChg>
-        <pc:spChg chg="mod">
-          <ac:chgData name="Casey Khan" userId="c191e01f-1366-46c6-ad67-b01d4850573d" providerId="ADAL" clId="{54D77325-62B4-4C29-8F28-89B67B356B52}" dt="2021-02-26T21:39:28.514" v="3361" actId="20577"/>
-          <ac:spMkLst>
-            <pc:docMk/>
-            <pc:sldMk cId="825489428" sldId="409"/>
-            <ac:spMk id="3" creationId="{13F093B7-119E-4545-B768-39CC4D424A74}"/>
-          </ac:spMkLst>
-        </pc:spChg>
-      </pc:sldChg>
-      <pc:sldChg chg="modSp add del">
-        <pc:chgData name="Casey Khan" userId="c191e01f-1366-46c6-ad67-b01d4850573d" providerId="ADAL" clId="{54D77325-62B4-4C29-8F28-89B67B356B52}" dt="2021-02-26T21:59:15.107" v="3456" actId="2696"/>
-        <pc:sldMkLst>
-          <pc:docMk/>
-          <pc:sldMk cId="2759156815" sldId="410"/>
-        </pc:sldMkLst>
-        <pc:spChg chg="mod">
-          <ac:chgData name="Casey Khan" userId="c191e01f-1366-46c6-ad67-b01d4850573d" providerId="ADAL" clId="{54D77325-62B4-4C29-8F28-89B67B356B52}" dt="2021-02-26T21:56:58.171" v="3455" actId="20577"/>
-          <ac:spMkLst>
-            <pc:docMk/>
-            <pc:sldMk cId="2759156815" sldId="410"/>
-            <ac:spMk id="3" creationId="{E763016E-282D-494F-B4E3-63B65150731F}"/>
-          </ac:spMkLst>
-        </pc:spChg>
-      </pc:sldChg>
-      <pc:sldChg chg="addSp delSp modSp add">
-        <pc:chgData name="Casey Khan" userId="c191e01f-1366-46c6-ad67-b01d4850573d" providerId="ADAL" clId="{54D77325-62B4-4C29-8F28-89B67B356B52}" dt="2021-02-26T22:29:45.424" v="4355" actId="313"/>
-        <pc:sldMkLst>
-          <pc:docMk/>
-          <pc:sldMk cId="3412450681" sldId="410"/>
-        </pc:sldMkLst>
-        <pc:spChg chg="mod">
-          <ac:chgData name="Casey Khan" userId="c191e01f-1366-46c6-ad67-b01d4850573d" providerId="ADAL" clId="{54D77325-62B4-4C29-8F28-89B67B356B52}" dt="2021-02-26T22:02:13.298" v="3510" actId="20577"/>
-          <ac:spMkLst>
-            <pc:docMk/>
-            <pc:sldMk cId="3412450681" sldId="410"/>
-            <ac:spMk id="3" creationId="{1F2C2AD9-D6E9-42DA-8734-22AF4B945E81}"/>
-          </ac:spMkLst>
-        </pc:spChg>
-        <pc:spChg chg="add mod">
-          <ac:chgData name="Casey Khan" userId="c191e01f-1366-46c6-ad67-b01d4850573d" providerId="ADAL" clId="{54D77325-62B4-4C29-8F28-89B67B356B52}" dt="2021-02-26T22:29:45.424" v="4355" actId="313"/>
-          <ac:spMkLst>
-            <pc:docMk/>
-            <pc:sldMk cId="3412450681" sldId="410"/>
-            <ac:spMk id="7" creationId="{0DD436F6-C85D-4DC5-9099-BB56C1EC3F6E}"/>
-          </ac:spMkLst>
-        </pc:spChg>
-        <pc:picChg chg="add mod">
-          <ac:chgData name="Casey Khan" userId="c191e01f-1366-46c6-ad67-b01d4850573d" providerId="ADAL" clId="{54D77325-62B4-4C29-8F28-89B67B356B52}" dt="2021-02-26T22:28:19.279" v="4121" actId="1076"/>
-          <ac:picMkLst>
-            <pc:docMk/>
-            <pc:sldMk cId="3412450681" sldId="410"/>
-            <ac:picMk id="2" creationId="{7DDC6515-CE96-43A6-87AE-E5324A4FC07B}"/>
-          </ac:picMkLst>
-        </pc:picChg>
-        <pc:picChg chg="del">
-          <ac:chgData name="Casey Khan" userId="c191e01f-1366-46c6-ad67-b01d4850573d" providerId="ADAL" clId="{54D77325-62B4-4C29-8F28-89B67B356B52}" dt="2021-02-26T22:01:53.971" v="3481" actId="478"/>
-          <ac:picMkLst>
-            <pc:docMk/>
-            <pc:sldMk cId="3412450681" sldId="410"/>
-            <ac:picMk id="4" creationId="{1065369E-BC7F-41CD-82EA-87D9A202BE4E}"/>
-          </ac:picMkLst>
-        </pc:picChg>
-        <pc:picChg chg="del">
-          <ac:chgData name="Casey Khan" userId="c191e01f-1366-46c6-ad67-b01d4850573d" providerId="ADAL" clId="{54D77325-62B4-4C29-8F28-89B67B356B52}" dt="2021-02-26T22:02:25.946" v="3511"/>
-          <ac:picMkLst>
-            <pc:docMk/>
-            <pc:sldMk cId="3412450681" sldId="410"/>
-            <ac:picMk id="5" creationId="{AAEFE1CC-8A3C-404A-B01A-F439BFE81A30}"/>
-          </ac:picMkLst>
-        </pc:picChg>
-        <pc:cxnChg chg="add mod">
-          <ac:chgData name="Casey Khan" userId="c191e01f-1366-46c6-ad67-b01d4850573d" providerId="ADAL" clId="{54D77325-62B4-4C29-8F28-89B67B356B52}" dt="2021-02-26T22:28:48.920" v="4249" actId="1037"/>
-          <ac:cxnSpMkLst>
-            <pc:docMk/>
-            <pc:sldMk cId="3412450681" sldId="410"/>
-            <ac:cxnSpMk id="6" creationId="{90CCCE9C-98BA-4588-883F-C42E9965B840}"/>
-          </ac:cxnSpMkLst>
-        </pc:cxnChg>
-      </pc:sldChg>
-      <pc:sldChg chg="addSp delSp modSp add">
-        <pc:chgData name="Casey Khan" userId="c191e01f-1366-46c6-ad67-b01d4850573d" providerId="ADAL" clId="{54D77325-62B4-4C29-8F28-89B67B356B52}" dt="2021-02-26T22:32:54.810" v="4748" actId="33524"/>
-        <pc:sldMkLst>
-          <pc:docMk/>
-          <pc:sldMk cId="1018111587" sldId="411"/>
-        </pc:sldMkLst>
-        <pc:spChg chg="mod">
-          <ac:chgData name="Casey Khan" userId="c191e01f-1366-46c6-ad67-b01d4850573d" providerId="ADAL" clId="{54D77325-62B4-4C29-8F28-89B67B356B52}" dt="2021-02-26T22:02:43.811" v="3527" actId="20577"/>
-          <ac:spMkLst>
-            <pc:docMk/>
-            <pc:sldMk cId="1018111587" sldId="411"/>
-            <ac:spMk id="3" creationId="{1F2C2AD9-D6E9-42DA-8734-22AF4B945E81}"/>
-          </ac:spMkLst>
-        </pc:spChg>
-        <pc:spChg chg="add mod">
-          <ac:chgData name="Casey Khan" userId="c191e01f-1366-46c6-ad67-b01d4850573d" providerId="ADAL" clId="{54D77325-62B4-4C29-8F28-89B67B356B52}" dt="2021-02-26T22:32:54.810" v="4748" actId="33524"/>
-          <ac:spMkLst>
-            <pc:docMk/>
-            <pc:sldMk cId="1018111587" sldId="411"/>
-            <ac:spMk id="4" creationId="{3DE9ED61-6120-49FA-8D61-5F86DC2452BF}"/>
-          </ac:spMkLst>
-        </pc:spChg>
-        <pc:picChg chg="del mod">
-          <ac:chgData name="Casey Khan" userId="c191e01f-1366-46c6-ad67-b01d4850573d" providerId="ADAL" clId="{54D77325-62B4-4C29-8F28-89B67B356B52}" dt="2021-02-26T22:03:28.387" v="3529" actId="478"/>
-          <ac:picMkLst>
-            <pc:docMk/>
-            <pc:sldMk cId="1018111587" sldId="411"/>
-            <ac:picMk id="2" creationId="{7DDC6515-CE96-43A6-87AE-E5324A4FC07B}"/>
-          </ac:picMkLst>
-        </pc:picChg>
-        <pc:picChg chg="add mod">
-          <ac:chgData name="Casey Khan" userId="c191e01f-1366-46c6-ad67-b01d4850573d" providerId="ADAL" clId="{54D77325-62B4-4C29-8F28-89B67B356B52}" dt="2021-02-26T22:09:00.962" v="3605" actId="1076"/>
-          <ac:picMkLst>
-            <pc:docMk/>
-            <pc:sldMk cId="1018111587" sldId="411"/>
-            <ac:picMk id="5" creationId="{80703969-A4DA-462A-A2FA-D4E89E2238CA}"/>
-          </ac:picMkLst>
-        </pc:picChg>
-      </pc:sldChg>
-      <pc:sldChg chg="addSp delSp modSp add del">
-        <pc:chgData name="Casey Khan" userId="c191e01f-1366-46c6-ad67-b01d4850573d" providerId="ADAL" clId="{54D77325-62B4-4C29-8F28-89B67B356B52}" dt="2021-02-28T00:25:31.770" v="6679" actId="2696"/>
-        <pc:sldMkLst>
-          <pc:docMk/>
-          <pc:sldMk cId="2346242952" sldId="412"/>
-        </pc:sldMkLst>
-        <pc:spChg chg="del">
-          <ac:chgData name="Casey Khan" userId="c191e01f-1366-46c6-ad67-b01d4850573d" providerId="ADAL" clId="{54D77325-62B4-4C29-8F28-89B67B356B52}" dt="2021-02-26T22:14:02.761" v="3939" actId="478"/>
-          <ac:spMkLst>
-            <pc:docMk/>
-            <pc:sldMk cId="2346242952" sldId="412"/>
-            <ac:spMk id="2" creationId="{B413594F-2EE4-4166-BD28-82AE7CD49CF9}"/>
-          </ac:spMkLst>
-        </pc:spChg>
-        <pc:spChg chg="mod">
-          <ac:chgData name="Casey Khan" userId="c191e01f-1366-46c6-ad67-b01d4850573d" providerId="ADAL" clId="{54D77325-62B4-4C29-8F28-89B67B356B52}" dt="2021-02-26T22:14:23.081" v="3953" actId="20577"/>
-          <ac:spMkLst>
-            <pc:docMk/>
-            <pc:sldMk cId="2346242952" sldId="412"/>
-            <ac:spMk id="3" creationId="{28178993-7F38-4359-B2D7-3501AE8D2784}"/>
-          </ac:spMkLst>
-        </pc:spChg>
-        <pc:spChg chg="add mod">
-          <ac:chgData name="Casey Khan" userId="c191e01f-1366-46c6-ad67-b01d4850573d" providerId="ADAL" clId="{54D77325-62B4-4C29-8F28-89B67B356B52}" dt="2021-02-26T22:18:07.313" v="4009" actId="14100"/>
-          <ac:spMkLst>
-            <pc:docMk/>
-            <pc:sldMk cId="2346242952" sldId="412"/>
-            <ac:spMk id="5" creationId="{EEAF7F44-A26F-4495-A8A4-6BD66D07D8E2}"/>
-          </ac:spMkLst>
-        </pc:spChg>
-        <pc:picChg chg="add mod">
-          <ac:chgData name="Casey Khan" userId="c191e01f-1366-46c6-ad67-b01d4850573d" providerId="ADAL" clId="{54D77325-62B4-4C29-8F28-89B67B356B52}" dt="2021-02-26T22:19:33.832" v="4010" actId="1076"/>
-          <ac:picMkLst>
-            <pc:docMk/>
-            <pc:sldMk cId="2346242952" sldId="412"/>
-            <ac:picMk id="4" creationId="{C2642486-42CD-407C-8B9A-3535A993011D}"/>
-          </ac:picMkLst>
-        </pc:picChg>
-      </pc:sldChg>
-      <pc:sldChg chg="modSp add del">
-        <pc:chgData name="Casey Khan" userId="c191e01f-1366-46c6-ad67-b01d4850573d" providerId="ADAL" clId="{54D77325-62B4-4C29-8F28-89B67B356B52}" dt="2021-03-04T00:55:20.444" v="6886" actId="313"/>
-        <pc:sldMkLst>
-          <pc:docMk/>
-          <pc:sldMk cId="1562079426" sldId="413"/>
-        </pc:sldMkLst>
-        <pc:spChg chg="mod">
-          <ac:chgData name="Casey Khan" userId="c191e01f-1366-46c6-ad67-b01d4850573d" providerId="ADAL" clId="{54D77325-62B4-4C29-8F28-89B67B356B52}" dt="2021-03-04T00:55:20.444" v="6886" actId="313"/>
-          <ac:spMkLst>
-            <pc:docMk/>
-            <pc:sldMk cId="1562079426" sldId="413"/>
-            <ac:spMk id="2" creationId="{3E441B4F-9BC0-4F45-BC58-2D71DCE67409}"/>
-          </ac:spMkLst>
-        </pc:spChg>
-        <pc:spChg chg="mod">
-          <ac:chgData name="Casey Khan" userId="c191e01f-1366-46c6-ad67-b01d4850573d" providerId="ADAL" clId="{54D77325-62B4-4C29-8F28-89B67B356B52}" dt="2021-02-27T00:25:50.980" v="5330" actId="20577"/>
-          <ac:spMkLst>
-            <pc:docMk/>
-            <pc:sldMk cId="1562079426" sldId="413"/>
-            <ac:spMk id="3" creationId="{8B4273A3-AC5A-48CD-9544-4C4FB7EB701B}"/>
-          </ac:spMkLst>
-        </pc:spChg>
-      </pc:sldChg>
-      <pc:sldChg chg="add del">
-        <pc:chgData name="Casey Khan" userId="c191e01f-1366-46c6-ad67-b01d4850573d" providerId="ADAL" clId="{54D77325-62B4-4C29-8F28-89B67B356B52}" dt="2021-02-27T21:32:14.252" v="6426" actId="2696"/>
-        <pc:sldMkLst>
-          <pc:docMk/>
-          <pc:sldMk cId="3876852595" sldId="414"/>
-        </pc:sldMkLst>
-      </pc:sldChg>
-      <pc:sldChg chg="addSp delSp modSp add">
-        <pc:chgData name="Casey Khan" userId="c191e01f-1366-46c6-ad67-b01d4850573d" providerId="ADAL" clId="{54D77325-62B4-4C29-8F28-89B67B356B52}" dt="2021-02-27T20:30:59.978" v="6194" actId="20577"/>
-        <pc:sldMkLst>
-          <pc:docMk/>
-          <pc:sldMk cId="1579840689" sldId="415"/>
-        </pc:sldMkLst>
-        <pc:spChg chg="mod">
-          <ac:chgData name="Casey Khan" userId="c191e01f-1366-46c6-ad67-b01d4850573d" providerId="ADAL" clId="{54D77325-62B4-4C29-8F28-89B67B356B52}" dt="2021-02-27T20:30:59.978" v="6194" actId="20577"/>
-          <ac:spMkLst>
-            <pc:docMk/>
-            <pc:sldMk cId="1579840689" sldId="415"/>
-            <ac:spMk id="3" creationId="{1F2C2AD9-D6E9-42DA-8734-22AF4B945E81}"/>
-          </ac:spMkLst>
-        </pc:spChg>
-        <pc:spChg chg="add mod">
-          <ac:chgData name="Casey Khan" userId="c191e01f-1366-46c6-ad67-b01d4850573d" providerId="ADAL" clId="{54D77325-62B4-4C29-8F28-89B67B356B52}" dt="2021-02-27T20:30:03.214" v="6192" actId="313"/>
-          <ac:spMkLst>
-            <pc:docMk/>
-            <pc:sldMk cId="1579840689" sldId="415"/>
-            <ac:spMk id="5" creationId="{C67C2381-0CAB-450F-B48B-8E549D36B958}"/>
-          </ac:spMkLst>
-        </pc:spChg>
-        <pc:picChg chg="add mod">
-          <ac:chgData name="Casey Khan" userId="c191e01f-1366-46c6-ad67-b01d4850573d" providerId="ADAL" clId="{54D77325-62B4-4C29-8F28-89B67B356B52}" dt="2021-02-27T20:28:51.139" v="5985" actId="1076"/>
-          <ac:picMkLst>
-            <pc:docMk/>
-            <pc:sldMk cId="1579840689" sldId="415"/>
-            <ac:picMk id="2" creationId="{D45AE499-9C54-4EDC-A524-78C53B5D448E}"/>
-          </ac:picMkLst>
-        </pc:picChg>
-        <pc:picChg chg="del">
-          <ac:chgData name="Casey Khan" userId="c191e01f-1366-46c6-ad67-b01d4850573d" providerId="ADAL" clId="{54D77325-62B4-4C29-8F28-89B67B356B52}" dt="2021-02-27T20:27:43.124" v="5973" actId="478"/>
-          <ac:picMkLst>
-            <pc:docMk/>
-            <pc:sldMk cId="1579840689" sldId="415"/>
-            <ac:picMk id="4" creationId="{AFF1A0D5-BEF3-4E41-9A8B-127D8E0E34C8}"/>
-          </ac:picMkLst>
-        </pc:picChg>
-        <pc:cxnChg chg="add mod">
-          <ac:chgData name="Casey Khan" userId="c191e01f-1366-46c6-ad67-b01d4850573d" providerId="ADAL" clId="{54D77325-62B4-4C29-8F28-89B67B356B52}" dt="2021-02-27T20:29:05.196" v="6042" actId="1037"/>
-          <ac:cxnSpMkLst>
-            <pc:docMk/>
-            <pc:sldMk cId="1579840689" sldId="415"/>
-            <ac:cxnSpMk id="6" creationId="{68F4D1A8-E451-4400-A6AE-E8CBCBD4D26E}"/>
-          </ac:cxnSpMkLst>
-        </pc:cxnChg>
-      </pc:sldChg>
-      <pc:sldChg chg="add">
-        <pc:chgData name="Casey Khan" userId="c191e01f-1366-46c6-ad67-b01d4850573d" providerId="ADAL" clId="{54D77325-62B4-4C29-8F28-89B67B356B52}" dt="2021-02-27T20:30:55.261" v="6193"/>
-        <pc:sldMkLst>
-          <pc:docMk/>
-          <pc:sldMk cId="2723326660" sldId="416"/>
-        </pc:sldMkLst>
-      </pc:sldChg>
-      <pc:sldChg chg="modSp add">
-        <pc:chgData name="Casey Khan" userId="c191e01f-1366-46c6-ad67-b01d4850573d" providerId="ADAL" clId="{54D77325-62B4-4C29-8F28-89B67B356B52}" dt="2021-02-27T20:31:22.281" v="6196" actId="20577"/>
-        <pc:sldMkLst>
-          <pc:docMk/>
-          <pc:sldMk cId="90121773" sldId="417"/>
-        </pc:sldMkLst>
-        <pc:spChg chg="mod">
-          <ac:chgData name="Casey Khan" userId="c191e01f-1366-46c6-ad67-b01d4850573d" providerId="ADAL" clId="{54D77325-62B4-4C29-8F28-89B67B356B52}" dt="2021-02-27T20:31:22.281" v="6196" actId="20577"/>
-          <ac:spMkLst>
-            <pc:docMk/>
-            <pc:sldMk cId="90121773" sldId="417"/>
-            <ac:spMk id="3" creationId="{1F2C2AD9-D6E9-42DA-8734-22AF4B945E81}"/>
-          </ac:spMkLst>
-        </pc:spChg>
-      </pc:sldChg>
-      <pc:sldChg chg="modSp add">
-        <pc:chgData name="Casey Khan" userId="c191e01f-1366-46c6-ad67-b01d4850573d" providerId="ADAL" clId="{54D77325-62B4-4C29-8F28-89B67B356B52}" dt="2021-02-28T01:02:50.894" v="6726" actId="20577"/>
-        <pc:sldMkLst>
-          <pc:docMk/>
-          <pc:sldMk cId="3054102606" sldId="418"/>
-        </pc:sldMkLst>
-        <pc:spChg chg="mod">
-          <ac:chgData name="Casey Khan" userId="c191e01f-1366-46c6-ad67-b01d4850573d" providerId="ADAL" clId="{54D77325-62B4-4C29-8F28-89B67B356B52}" dt="2021-02-28T01:02:50.894" v="6726" actId="20577"/>
-          <ac:spMkLst>
-            <pc:docMk/>
-            <pc:sldMk cId="3054102606" sldId="418"/>
-            <ac:spMk id="3" creationId="{7756C19D-2F49-480B-9881-6A4C21369AE6}"/>
-          </ac:spMkLst>
-        </pc:spChg>
-      </pc:sldChg>
-      <pc:sldMasterChg chg="modSp modSldLayout">
-        <pc:chgData name="Casey Khan" userId="c191e01f-1366-46c6-ad67-b01d4850573d" providerId="ADAL" clId="{54D77325-62B4-4C29-8F28-89B67B356B52}" dt="2021-02-26T17:20:05.899" v="529"/>
-        <pc:sldMasterMkLst>
-          <pc:docMk/>
-          <pc:sldMasterMk cId="2683340670" sldId="2147483660"/>
-        </pc:sldMasterMkLst>
-        <pc:spChg chg="mod">
-          <ac:chgData name="Casey Khan" userId="c191e01f-1366-46c6-ad67-b01d4850573d" providerId="ADAL" clId="{54D77325-62B4-4C29-8F28-89B67B356B52}" dt="2021-02-26T17:20:05.899" v="529"/>
-          <ac:spMkLst>
-            <pc:docMk/>
-            <pc:sldMasterMk cId="2683340670" sldId="2147483660"/>
-            <ac:spMk id="3" creationId="{00000000-0000-0000-0000-000000000000}"/>
-          </ac:spMkLst>
-        </pc:spChg>
-        <pc:spChg chg="mod">
-          <ac:chgData name="Casey Khan" userId="c191e01f-1366-46c6-ad67-b01d4850573d" providerId="ADAL" clId="{54D77325-62B4-4C29-8F28-89B67B356B52}" dt="2021-02-26T17:20:05.899" v="529"/>
-          <ac:spMkLst>
-            <pc:docMk/>
-            <pc:sldMasterMk cId="2683340670" sldId="2147483660"/>
-            <ac:spMk id="11" creationId="{00000000-0000-0000-0000-000000000000}"/>
-          </ac:spMkLst>
-        </pc:spChg>
-        <pc:spChg chg="mod">
-          <ac:chgData name="Casey Khan" userId="c191e01f-1366-46c6-ad67-b01d4850573d" providerId="ADAL" clId="{54D77325-62B4-4C29-8F28-89B67B356B52}" dt="2021-02-26T17:20:05.899" v="529"/>
-          <ac:spMkLst>
-            <pc:docMk/>
-            <pc:sldMasterMk cId="2683340670" sldId="2147483660"/>
-            <ac:spMk id="13" creationId="{00000000-0000-0000-0000-000000000000}"/>
-          </ac:spMkLst>
-        </pc:spChg>
-        <pc:picChg chg="mod">
-          <ac:chgData name="Casey Khan" userId="c191e01f-1366-46c6-ad67-b01d4850573d" providerId="ADAL" clId="{54D77325-62B4-4C29-8F28-89B67B356B52}" dt="2021-02-26T17:20:05.899" v="529"/>
-          <ac:picMkLst>
-            <pc:docMk/>
-            <pc:sldMasterMk cId="2683340670" sldId="2147483660"/>
-            <ac:picMk id="15" creationId="{00000000-0000-0000-0000-000000000000}"/>
-          </ac:picMkLst>
-        </pc:picChg>
-        <pc:cxnChg chg="mod">
-          <ac:chgData name="Casey Khan" userId="c191e01f-1366-46c6-ad67-b01d4850573d" providerId="ADAL" clId="{54D77325-62B4-4C29-8F28-89B67B356B52}" dt="2021-02-26T17:20:05.899" v="529"/>
-          <ac:cxnSpMkLst>
-            <pc:docMk/>
-            <pc:sldMasterMk cId="2683340670" sldId="2147483660"/>
-            <ac:cxnSpMk id="4" creationId="{00000000-0000-0000-0000-000000000000}"/>
-          </ac:cxnSpMkLst>
-        </pc:cxnChg>
-        <pc:cxnChg chg="mod">
-          <ac:chgData name="Casey Khan" userId="c191e01f-1366-46c6-ad67-b01d4850573d" providerId="ADAL" clId="{54D77325-62B4-4C29-8F28-89B67B356B52}" dt="2021-02-26T17:20:05.899" v="529"/>
-          <ac:cxnSpMkLst>
-            <pc:docMk/>
-            <pc:sldMasterMk cId="2683340670" sldId="2147483660"/>
-            <ac:cxnSpMk id="12" creationId="{00000000-0000-0000-0000-000000000000}"/>
-          </ac:cxnSpMkLst>
-        </pc:cxnChg>
-        <pc:sldLayoutChg chg="modSp">
-          <pc:chgData name="Casey Khan" userId="c191e01f-1366-46c6-ad67-b01d4850573d" providerId="ADAL" clId="{54D77325-62B4-4C29-8F28-89B67B356B52}" dt="2021-02-26T17:20:05.899" v="529"/>
-          <pc:sldLayoutMkLst>
-            <pc:docMk/>
-            <pc:sldMasterMk cId="2683340670" sldId="2147483660"/>
-            <pc:sldLayoutMk cId="2647914573" sldId="2147483661"/>
-          </pc:sldLayoutMkLst>
-          <pc:spChg chg="mod">
-            <ac:chgData name="Casey Khan" userId="c191e01f-1366-46c6-ad67-b01d4850573d" providerId="ADAL" clId="{54D77325-62B4-4C29-8F28-89B67B356B52}" dt="2021-02-26T17:20:05.899" v="529"/>
-            <ac:spMkLst>
-              <pc:docMk/>
-              <pc:sldMasterMk cId="2683340670" sldId="2147483660"/>
-              <pc:sldLayoutMk cId="2647914573" sldId="2147483661"/>
-              <ac:spMk id="2" creationId="{00000000-0000-0000-0000-000000000000}"/>
-            </ac:spMkLst>
-          </pc:spChg>
-          <pc:spChg chg="mod">
-            <ac:chgData name="Casey Khan" userId="c191e01f-1366-46c6-ad67-b01d4850573d" providerId="ADAL" clId="{54D77325-62B4-4C29-8F28-89B67B356B52}" dt="2021-02-26T17:20:05.899" v="529"/>
-            <ac:spMkLst>
-              <pc:docMk/>
-              <pc:sldMasterMk cId="2683340670" sldId="2147483660"/>
-              <pc:sldLayoutMk cId="2647914573" sldId="2147483661"/>
-              <ac:spMk id="3" creationId="{00000000-0000-0000-0000-000000000000}"/>
-            </ac:spMkLst>
-          </pc:spChg>
-          <pc:picChg chg="mod">
-            <ac:chgData name="Casey Khan" userId="c191e01f-1366-46c6-ad67-b01d4850573d" providerId="ADAL" clId="{54D77325-62B4-4C29-8F28-89B67B356B52}" dt="2021-02-26T17:20:05.899" v="529"/>
-            <ac:picMkLst>
-              <pc:docMk/>
-              <pc:sldMasterMk cId="2683340670" sldId="2147483660"/>
-              <pc:sldLayoutMk cId="2647914573" sldId="2147483661"/>
-              <ac:picMk id="8" creationId="{00000000-0000-0000-0000-000000000000}"/>
-            </ac:picMkLst>
-          </pc:picChg>
-          <pc:cxnChg chg="mod">
-            <ac:chgData name="Casey Khan" userId="c191e01f-1366-46c6-ad67-b01d4850573d" providerId="ADAL" clId="{54D77325-62B4-4C29-8F28-89B67B356B52}" dt="2021-02-26T17:20:05.899" v="529"/>
-            <ac:cxnSpMkLst>
-              <pc:docMk/>
-              <pc:sldMasterMk cId="2683340670" sldId="2147483660"/>
-              <pc:sldLayoutMk cId="2647914573" sldId="2147483661"/>
-              <ac:cxnSpMk id="11" creationId="{00000000-0000-0000-0000-000000000000}"/>
-            </ac:cxnSpMkLst>
-          </pc:cxnChg>
-          <pc:cxnChg chg="mod">
-            <ac:chgData name="Casey Khan" userId="c191e01f-1366-46c6-ad67-b01d4850573d" providerId="ADAL" clId="{54D77325-62B4-4C29-8F28-89B67B356B52}" dt="2021-02-26T17:20:05.899" v="529"/>
-            <ac:cxnSpMkLst>
-              <pc:docMk/>
-              <pc:sldMasterMk cId="2683340670" sldId="2147483660"/>
-              <pc:sldLayoutMk cId="2647914573" sldId="2147483661"/>
-              <ac:cxnSpMk id="12" creationId="{00000000-0000-0000-0000-000000000000}"/>
-            </ac:cxnSpMkLst>
-          </pc:cxnChg>
-        </pc:sldLayoutChg>
-        <pc:sldLayoutChg chg="modSp">
-          <pc:chgData name="Casey Khan" userId="c191e01f-1366-46c6-ad67-b01d4850573d" providerId="ADAL" clId="{54D77325-62B4-4C29-8F28-89B67B356B52}" dt="2021-02-26T17:20:05.899" v="529"/>
-          <pc:sldLayoutMkLst>
-            <pc:docMk/>
-            <pc:sldMasterMk cId="2683340670" sldId="2147483660"/>
-            <pc:sldLayoutMk cId="1013643717" sldId="2147483662"/>
-          </pc:sldLayoutMkLst>
-          <pc:spChg chg="mod">
-            <ac:chgData name="Casey Khan" userId="c191e01f-1366-46c6-ad67-b01d4850573d" providerId="ADAL" clId="{54D77325-62B4-4C29-8F28-89B67B356B52}" dt="2021-02-26T17:20:05.899" v="529"/>
-            <ac:spMkLst>
-              <pc:docMk/>
-              <pc:sldMasterMk cId="2683340670" sldId="2147483660"/>
-              <pc:sldLayoutMk cId="1013643717" sldId="2147483662"/>
-              <ac:spMk id="2" creationId="{00000000-0000-0000-0000-000000000000}"/>
-            </ac:spMkLst>
-          </pc:spChg>
-          <pc:spChg chg="mod">
-            <ac:chgData name="Casey Khan" userId="c191e01f-1366-46c6-ad67-b01d4850573d" providerId="ADAL" clId="{54D77325-62B4-4C29-8F28-89B67B356B52}" dt="2021-02-26T17:20:05.899" v="529"/>
-            <ac:spMkLst>
-              <pc:docMk/>
-              <pc:sldMasterMk cId="2683340670" sldId="2147483660"/>
-              <pc:sldLayoutMk cId="1013643717" sldId="2147483662"/>
-              <ac:spMk id="3" creationId="{00000000-0000-0000-0000-000000000000}"/>
-            </ac:spMkLst>
-          </pc:spChg>
-          <pc:picChg chg="mod">
-            <ac:chgData name="Casey Khan" userId="c191e01f-1366-46c6-ad67-b01d4850573d" providerId="ADAL" clId="{54D77325-62B4-4C29-8F28-89B67B356B52}" dt="2021-02-26T17:20:05.899" v="529"/>
-            <ac:picMkLst>
-              <pc:docMk/>
-              <pc:sldMasterMk cId="2683340670" sldId="2147483660"/>
-              <pc:sldLayoutMk cId="1013643717" sldId="2147483662"/>
-              <ac:picMk id="8" creationId="{00000000-0000-0000-0000-000000000000}"/>
-            </ac:picMkLst>
-          </pc:picChg>
-          <pc:cxnChg chg="mod">
-            <ac:chgData name="Casey Khan" userId="c191e01f-1366-46c6-ad67-b01d4850573d" providerId="ADAL" clId="{54D77325-62B4-4C29-8F28-89B67B356B52}" dt="2021-02-26T17:20:05.899" v="529"/>
-            <ac:cxnSpMkLst>
-              <pc:docMk/>
-              <pc:sldMasterMk cId="2683340670" sldId="2147483660"/>
-              <pc:sldLayoutMk cId="1013643717" sldId="2147483662"/>
-              <ac:cxnSpMk id="10" creationId="{00000000-0000-0000-0000-000000000000}"/>
-            </ac:cxnSpMkLst>
-          </pc:cxnChg>
-          <pc:cxnChg chg="mod">
-            <ac:chgData name="Casey Khan" userId="c191e01f-1366-46c6-ad67-b01d4850573d" providerId="ADAL" clId="{54D77325-62B4-4C29-8F28-89B67B356B52}" dt="2021-02-26T17:20:05.899" v="529"/>
-            <ac:cxnSpMkLst>
-              <pc:docMk/>
-              <pc:sldMasterMk cId="2683340670" sldId="2147483660"/>
-              <pc:sldLayoutMk cId="1013643717" sldId="2147483662"/>
-              <ac:cxnSpMk id="11" creationId="{00000000-0000-0000-0000-000000000000}"/>
-            </ac:cxnSpMkLst>
-          </pc:cxnChg>
-        </pc:sldLayoutChg>
-        <pc:sldLayoutChg chg="modSp">
-          <pc:chgData name="Casey Khan" userId="c191e01f-1366-46c6-ad67-b01d4850573d" providerId="ADAL" clId="{54D77325-62B4-4C29-8F28-89B67B356B52}" dt="2021-02-26T17:20:05.899" v="529"/>
-          <pc:sldLayoutMkLst>
-            <pc:docMk/>
-            <pc:sldMasterMk cId="2683340670" sldId="2147483660"/>
-            <pc:sldLayoutMk cId="3520372437" sldId="2147483663"/>
-          </pc:sldLayoutMkLst>
-          <pc:spChg chg="mod">
-            <ac:chgData name="Casey Khan" userId="c191e01f-1366-46c6-ad67-b01d4850573d" providerId="ADAL" clId="{54D77325-62B4-4C29-8F28-89B67B356B52}" dt="2021-02-26T17:20:05.899" v="529"/>
-            <ac:spMkLst>
-              <pc:docMk/>
-              <pc:sldMasterMk cId="2683340670" sldId="2147483660"/>
-              <pc:sldLayoutMk cId="3520372437" sldId="2147483663"/>
-              <ac:spMk id="2" creationId="{00000000-0000-0000-0000-000000000000}"/>
-            </ac:spMkLst>
-          </pc:spChg>
-          <pc:spChg chg="mod">
-            <ac:chgData name="Casey Khan" userId="c191e01f-1366-46c6-ad67-b01d4850573d" providerId="ADAL" clId="{54D77325-62B4-4C29-8F28-89B67B356B52}" dt="2021-02-26T17:20:05.899" v="529"/>
-            <ac:spMkLst>
-              <pc:docMk/>
-              <pc:sldMasterMk cId="2683340670" sldId="2147483660"/>
-              <pc:sldLayoutMk cId="3520372437" sldId="2147483663"/>
-              <ac:spMk id="4" creationId="{00000000-0000-0000-0000-000000000000}"/>
-            </ac:spMkLst>
-          </pc:spChg>
-          <pc:spChg chg="mod">
-            <ac:chgData name="Casey Khan" userId="c191e01f-1366-46c6-ad67-b01d4850573d" providerId="ADAL" clId="{54D77325-62B4-4C29-8F28-89B67B356B52}" dt="2021-02-26T17:20:05.899" v="529"/>
-            <ac:spMkLst>
-              <pc:docMk/>
-              <pc:sldMasterMk cId="2683340670" sldId="2147483660"/>
-              <pc:sldLayoutMk cId="3520372437" sldId="2147483663"/>
-              <ac:spMk id="6" creationId="{00000000-0000-0000-0000-000000000000}"/>
-            </ac:spMkLst>
-          </pc:spChg>
-        </pc:sldLayoutChg>
-        <pc:sldLayoutChg chg="modSp">
-          <pc:chgData name="Casey Khan" userId="c191e01f-1366-46c6-ad67-b01d4850573d" providerId="ADAL" clId="{54D77325-62B4-4C29-8F28-89B67B356B52}" dt="2021-02-26T17:20:05.899" v="529"/>
-          <pc:sldLayoutMkLst>
-            <pc:docMk/>
-            <pc:sldMasterMk cId="2683340670" sldId="2147483660"/>
-            <pc:sldLayoutMk cId="3438777059" sldId="2147483664"/>
-          </pc:sldLayoutMkLst>
-          <pc:spChg chg="mod">
-            <ac:chgData name="Casey Khan" userId="c191e01f-1366-46c6-ad67-b01d4850573d" providerId="ADAL" clId="{54D77325-62B4-4C29-8F28-89B67B356B52}" dt="2021-02-26T17:20:05.899" v="529"/>
-            <ac:spMkLst>
-              <pc:docMk/>
-              <pc:sldMasterMk cId="2683340670" sldId="2147483660"/>
-              <pc:sldLayoutMk cId="3438777059" sldId="2147483664"/>
-              <ac:spMk id="3" creationId="{00000000-0000-0000-0000-000000000000}"/>
-            </ac:spMkLst>
-          </pc:spChg>
-          <pc:spChg chg="mod">
-            <ac:chgData name="Casey Khan" userId="c191e01f-1366-46c6-ad67-b01d4850573d" providerId="ADAL" clId="{54D77325-62B4-4C29-8F28-89B67B356B52}" dt="2021-02-26T17:20:05.899" v="529"/>
-            <ac:spMkLst>
-              <pc:docMk/>
-              <pc:sldMasterMk cId="2683340670" sldId="2147483660"/>
-              <pc:sldLayoutMk cId="3438777059" sldId="2147483664"/>
-              <ac:spMk id="4" creationId="{00000000-0000-0000-0000-000000000000}"/>
-            </ac:spMkLst>
-          </pc:spChg>
-        </pc:sldLayoutChg>
-        <pc:sldLayoutChg chg="modSp">
-          <pc:chgData name="Casey Khan" userId="c191e01f-1366-46c6-ad67-b01d4850573d" providerId="ADAL" clId="{54D77325-62B4-4C29-8F28-89B67B356B52}" dt="2021-02-26T17:20:05.899" v="529"/>
-          <pc:sldLayoutMkLst>
-            <pc:docMk/>
-            <pc:sldMasterMk cId="2683340670" sldId="2147483660"/>
-            <pc:sldLayoutMk cId="194928144" sldId="2147483665"/>
-          </pc:sldLayoutMkLst>
-          <pc:spChg chg="mod">
-            <ac:chgData name="Casey Khan" userId="c191e01f-1366-46c6-ad67-b01d4850573d" providerId="ADAL" clId="{54D77325-62B4-4C29-8F28-89B67B356B52}" dt="2021-02-26T17:20:05.899" v="529"/>
-            <ac:spMkLst>
-              <pc:docMk/>
-              <pc:sldMasterMk cId="2683340670" sldId="2147483660"/>
-              <pc:sldLayoutMk cId="194928144" sldId="2147483665"/>
-              <ac:spMk id="13" creationId="{00000000-0000-0000-0000-000000000000}"/>
-            </ac:spMkLst>
-          </pc:spChg>
-          <pc:spChg chg="mod">
-            <ac:chgData name="Casey Khan" userId="c191e01f-1366-46c6-ad67-b01d4850573d" providerId="ADAL" clId="{54D77325-62B4-4C29-8F28-89B67B356B52}" dt="2021-02-26T17:20:05.899" v="529"/>
-            <ac:spMkLst>
-              <pc:docMk/>
-              <pc:sldMasterMk cId="2683340670" sldId="2147483660"/>
-              <pc:sldLayoutMk cId="194928144" sldId="2147483665"/>
-              <ac:spMk id="14" creationId="{00000000-0000-0000-0000-000000000000}"/>
-            </ac:spMkLst>
-          </pc:spChg>
-          <pc:picChg chg="mod">
-            <ac:chgData name="Casey Khan" userId="c191e01f-1366-46c6-ad67-b01d4850573d" providerId="ADAL" clId="{54D77325-62B4-4C29-8F28-89B67B356B52}" dt="2021-02-26T17:20:05.899" v="529"/>
-            <ac:picMkLst>
-              <pc:docMk/>
-              <pc:sldMasterMk cId="2683340670" sldId="2147483660"/>
-              <pc:sldLayoutMk cId="194928144" sldId="2147483665"/>
-              <ac:picMk id="7" creationId="{00000000-0000-0000-0000-000000000000}"/>
-            </ac:picMkLst>
-          </pc:picChg>
-          <pc:cxnChg chg="mod">
-            <ac:chgData name="Casey Khan" userId="c191e01f-1366-46c6-ad67-b01d4850573d" providerId="ADAL" clId="{54D77325-62B4-4C29-8F28-89B67B356B52}" dt="2021-02-26T17:20:05.899" v="529"/>
-            <ac:cxnSpMkLst>
-              <pc:docMk/>
-              <pc:sldMasterMk cId="2683340670" sldId="2147483660"/>
-              <pc:sldLayoutMk cId="194928144" sldId="2147483665"/>
-              <ac:cxnSpMk id="11" creationId="{00000000-0000-0000-0000-000000000000}"/>
-            </ac:cxnSpMkLst>
-          </pc:cxnChg>
-          <pc:cxnChg chg="mod">
-            <ac:chgData name="Casey Khan" userId="c191e01f-1366-46c6-ad67-b01d4850573d" providerId="ADAL" clId="{54D77325-62B4-4C29-8F28-89B67B356B52}" dt="2021-02-26T17:20:05.899" v="529"/>
-            <ac:cxnSpMkLst>
-              <pc:docMk/>
-              <pc:sldMasterMk cId="2683340670" sldId="2147483660"/>
-              <pc:sldLayoutMk cId="194928144" sldId="2147483665"/>
-              <ac:cxnSpMk id="12" creationId="{00000000-0000-0000-0000-000000000000}"/>
-            </ac:cxnSpMkLst>
-          </pc:cxnChg>
-        </pc:sldLayoutChg>
-        <pc:sldLayoutChg chg="modSp">
-          <pc:chgData name="Casey Khan" userId="c191e01f-1366-46c6-ad67-b01d4850573d" providerId="ADAL" clId="{54D77325-62B4-4C29-8F28-89B67B356B52}" dt="2021-02-26T17:20:05.899" v="529"/>
-          <pc:sldLayoutMkLst>
-            <pc:docMk/>
-            <pc:sldMasterMk cId="2683340670" sldId="2147483660"/>
-            <pc:sldLayoutMk cId="2443951413" sldId="2147483666"/>
-          </pc:sldLayoutMkLst>
-          <pc:spChg chg="mod">
-            <ac:chgData name="Casey Khan" userId="c191e01f-1366-46c6-ad67-b01d4850573d" providerId="ADAL" clId="{54D77325-62B4-4C29-8F28-89B67B356B52}" dt="2021-02-26T17:20:05.899" v="529"/>
-            <ac:spMkLst>
-              <pc:docMk/>
-              <pc:sldMasterMk cId="2683340670" sldId="2147483660"/>
-              <pc:sldLayoutMk cId="2443951413" sldId="2147483666"/>
-              <ac:spMk id="13" creationId="{00000000-0000-0000-0000-000000000000}"/>
-            </ac:spMkLst>
-          </pc:spChg>
-          <pc:spChg chg="mod">
-            <ac:chgData name="Casey Khan" userId="c191e01f-1366-46c6-ad67-b01d4850573d" providerId="ADAL" clId="{54D77325-62B4-4C29-8F28-89B67B356B52}" dt="2021-02-26T17:20:05.899" v="529"/>
-            <ac:spMkLst>
-              <pc:docMk/>
-              <pc:sldMasterMk cId="2683340670" sldId="2147483660"/>
-              <pc:sldLayoutMk cId="2443951413" sldId="2147483666"/>
-              <ac:spMk id="14" creationId="{00000000-0000-0000-0000-000000000000}"/>
-            </ac:spMkLst>
-          </pc:spChg>
-          <pc:picChg chg="mod">
-            <ac:chgData name="Casey Khan" userId="c191e01f-1366-46c6-ad67-b01d4850573d" providerId="ADAL" clId="{54D77325-62B4-4C29-8F28-89B67B356B52}" dt="2021-02-26T17:20:05.899" v="529"/>
-            <ac:picMkLst>
-              <pc:docMk/>
-              <pc:sldMasterMk cId="2683340670" sldId="2147483660"/>
-              <pc:sldLayoutMk cId="2443951413" sldId="2147483666"/>
-              <ac:picMk id="7" creationId="{00000000-0000-0000-0000-000000000000}"/>
-            </ac:picMkLst>
-          </pc:picChg>
-          <pc:cxnChg chg="mod">
-            <ac:chgData name="Casey Khan" userId="c191e01f-1366-46c6-ad67-b01d4850573d" providerId="ADAL" clId="{54D77325-62B4-4C29-8F28-89B67B356B52}" dt="2021-02-26T17:20:05.899" v="529"/>
-            <ac:cxnSpMkLst>
-              <pc:docMk/>
-              <pc:sldMasterMk cId="2683340670" sldId="2147483660"/>
-              <pc:sldLayoutMk cId="2443951413" sldId="2147483666"/>
-              <ac:cxnSpMk id="11" creationId="{00000000-0000-0000-0000-000000000000}"/>
-            </ac:cxnSpMkLst>
-          </pc:cxnChg>
-          <pc:cxnChg chg="mod">
-            <ac:chgData name="Casey Khan" userId="c191e01f-1366-46c6-ad67-b01d4850573d" providerId="ADAL" clId="{54D77325-62B4-4C29-8F28-89B67B356B52}" dt="2021-02-26T17:20:05.899" v="529"/>
-            <ac:cxnSpMkLst>
-              <pc:docMk/>
-              <pc:sldMasterMk cId="2683340670" sldId="2147483660"/>
-              <pc:sldLayoutMk cId="2443951413" sldId="2147483666"/>
-              <ac:cxnSpMk id="12" creationId="{00000000-0000-0000-0000-000000000000}"/>
-            </ac:cxnSpMkLst>
-          </pc:cxnChg>
-        </pc:sldLayoutChg>
-        <pc:sldLayoutChg chg="modSp">
-          <pc:chgData name="Casey Khan" userId="c191e01f-1366-46c6-ad67-b01d4850573d" providerId="ADAL" clId="{54D77325-62B4-4C29-8F28-89B67B356B52}" dt="2021-02-26T17:20:05.899" v="529"/>
-          <pc:sldLayoutMkLst>
-            <pc:docMk/>
-            <pc:sldMasterMk cId="2683340670" sldId="2147483660"/>
-            <pc:sldLayoutMk cId="456970014" sldId="2147483667"/>
-          </pc:sldLayoutMkLst>
-          <pc:spChg chg="mod">
-            <ac:chgData name="Casey Khan" userId="c191e01f-1366-46c6-ad67-b01d4850573d" providerId="ADAL" clId="{54D77325-62B4-4C29-8F28-89B67B356B52}" dt="2021-02-26T17:20:05.899" v="529"/>
-            <ac:spMkLst>
-              <pc:docMk/>
-              <pc:sldMasterMk cId="2683340670" sldId="2147483660"/>
-              <pc:sldLayoutMk cId="456970014" sldId="2147483667"/>
-              <ac:spMk id="13" creationId="{00000000-0000-0000-0000-000000000000}"/>
-            </ac:spMkLst>
-          </pc:spChg>
-          <pc:spChg chg="mod">
-            <ac:chgData name="Casey Khan" userId="c191e01f-1366-46c6-ad67-b01d4850573d" providerId="ADAL" clId="{54D77325-62B4-4C29-8F28-89B67B356B52}" dt="2021-02-26T17:20:05.899" v="529"/>
-            <ac:spMkLst>
-              <pc:docMk/>
-              <pc:sldMasterMk cId="2683340670" sldId="2147483660"/>
-              <pc:sldLayoutMk cId="456970014" sldId="2147483667"/>
-              <ac:spMk id="14" creationId="{00000000-0000-0000-0000-000000000000}"/>
-            </ac:spMkLst>
-          </pc:spChg>
-          <pc:picChg chg="mod">
-            <ac:chgData name="Casey Khan" userId="c191e01f-1366-46c6-ad67-b01d4850573d" providerId="ADAL" clId="{54D77325-62B4-4C29-8F28-89B67B356B52}" dt="2021-02-26T17:20:05.899" v="529"/>
-            <ac:picMkLst>
-              <pc:docMk/>
-              <pc:sldMasterMk cId="2683340670" sldId="2147483660"/>
-              <pc:sldLayoutMk cId="456970014" sldId="2147483667"/>
-              <ac:picMk id="7" creationId="{00000000-0000-0000-0000-000000000000}"/>
-            </ac:picMkLst>
-          </pc:picChg>
-          <pc:cxnChg chg="mod">
-            <ac:chgData name="Casey Khan" userId="c191e01f-1366-46c6-ad67-b01d4850573d" providerId="ADAL" clId="{54D77325-62B4-4C29-8F28-89B67B356B52}" dt="2021-02-26T17:20:05.899" v="529"/>
-            <ac:cxnSpMkLst>
-              <pc:docMk/>
-              <pc:sldMasterMk cId="2683340670" sldId="2147483660"/>
-              <pc:sldLayoutMk cId="456970014" sldId="2147483667"/>
-              <ac:cxnSpMk id="11" creationId="{00000000-0000-0000-0000-000000000000}"/>
-            </ac:cxnSpMkLst>
-          </pc:cxnChg>
-          <pc:cxnChg chg="mod">
-            <ac:chgData name="Casey Khan" userId="c191e01f-1366-46c6-ad67-b01d4850573d" providerId="ADAL" clId="{54D77325-62B4-4C29-8F28-89B67B356B52}" dt="2021-02-26T17:20:05.899" v="529"/>
-            <ac:cxnSpMkLst>
-              <pc:docMk/>
-              <pc:sldMasterMk cId="2683340670" sldId="2147483660"/>
-              <pc:sldLayoutMk cId="456970014" sldId="2147483667"/>
-              <ac:cxnSpMk id="12" creationId="{00000000-0000-0000-0000-000000000000}"/>
-            </ac:cxnSpMkLst>
-          </pc:cxnChg>
-        </pc:sldLayoutChg>
-        <pc:sldLayoutChg chg="modSp">
-          <pc:chgData name="Casey Khan" userId="c191e01f-1366-46c6-ad67-b01d4850573d" providerId="ADAL" clId="{54D77325-62B4-4C29-8F28-89B67B356B52}" dt="2021-02-26T17:20:05.899" v="529"/>
-          <pc:sldLayoutMkLst>
-            <pc:docMk/>
-            <pc:sldMasterMk cId="2683340670" sldId="2147483660"/>
-            <pc:sldLayoutMk cId="3878790235" sldId="2147483668"/>
-          </pc:sldLayoutMkLst>
-          <pc:picChg chg="mod">
-            <ac:chgData name="Casey Khan" userId="c191e01f-1366-46c6-ad67-b01d4850573d" providerId="ADAL" clId="{54D77325-62B4-4C29-8F28-89B67B356B52}" dt="2021-02-26T17:20:05.899" v="529"/>
-            <ac:picMkLst>
-              <pc:docMk/>
-              <pc:sldMasterMk cId="2683340670" sldId="2147483660"/>
-              <pc:sldLayoutMk cId="3878790235" sldId="2147483668"/>
-              <ac:picMk id="6" creationId="{00000000-0000-0000-0000-000000000000}"/>
-            </ac:picMkLst>
-          </pc:picChg>
-          <pc:cxnChg chg="mod">
-            <ac:chgData name="Casey Khan" userId="c191e01f-1366-46c6-ad67-b01d4850573d" providerId="ADAL" clId="{54D77325-62B4-4C29-8F28-89B67B356B52}" dt="2021-02-26T17:20:05.899" v="529"/>
-            <ac:cxnSpMkLst>
-              <pc:docMk/>
-              <pc:sldMasterMk cId="2683340670" sldId="2147483660"/>
-              <pc:sldLayoutMk cId="3878790235" sldId="2147483668"/>
-              <ac:cxnSpMk id="5" creationId="{00000000-0000-0000-0000-000000000000}"/>
-            </ac:cxnSpMkLst>
-          </pc:cxnChg>
-          <pc:cxnChg chg="mod">
-            <ac:chgData name="Casey Khan" userId="c191e01f-1366-46c6-ad67-b01d4850573d" providerId="ADAL" clId="{54D77325-62B4-4C29-8F28-89B67B356B52}" dt="2021-02-26T17:20:05.899" v="529"/>
-            <ac:cxnSpMkLst>
-              <pc:docMk/>
-              <pc:sldMasterMk cId="2683340670" sldId="2147483660"/>
-              <pc:sldLayoutMk cId="3878790235" sldId="2147483668"/>
-              <ac:cxnSpMk id="9" creationId="{00000000-0000-0000-0000-000000000000}"/>
-            </ac:cxnSpMkLst>
-          </pc:cxnChg>
-        </pc:sldLayoutChg>
-        <pc:sldLayoutChg chg="modSp">
-          <pc:chgData name="Casey Khan" userId="c191e01f-1366-46c6-ad67-b01d4850573d" providerId="ADAL" clId="{54D77325-62B4-4C29-8F28-89B67B356B52}" dt="2021-02-26T17:20:05.899" v="529"/>
-          <pc:sldLayoutMkLst>
-            <pc:docMk/>
-            <pc:sldMasterMk cId="2683340670" sldId="2147483660"/>
-            <pc:sldLayoutMk cId="155948378" sldId="2147483669"/>
-          </pc:sldLayoutMkLst>
-          <pc:spChg chg="mod">
-            <ac:chgData name="Casey Khan" userId="c191e01f-1366-46c6-ad67-b01d4850573d" providerId="ADAL" clId="{54D77325-62B4-4C29-8F28-89B67B356B52}" dt="2021-02-26T17:20:05.899" v="529"/>
-            <ac:spMkLst>
-              <pc:docMk/>
-              <pc:sldMasterMk cId="2683340670" sldId="2147483660"/>
-              <pc:sldLayoutMk cId="155948378" sldId="2147483669"/>
-              <ac:spMk id="4" creationId="{00000000-0000-0000-0000-000000000000}"/>
-            </ac:spMkLst>
-          </pc:spChg>
-          <pc:picChg chg="mod">
-            <ac:chgData name="Casey Khan" userId="c191e01f-1366-46c6-ad67-b01d4850573d" providerId="ADAL" clId="{54D77325-62B4-4C29-8F28-89B67B356B52}" dt="2021-02-26T17:20:05.899" v="529"/>
-            <ac:picMkLst>
-              <pc:docMk/>
-              <pc:sldMasterMk cId="2683340670" sldId="2147483660"/>
-              <pc:sldLayoutMk cId="155948378" sldId="2147483669"/>
-              <ac:picMk id="7" creationId="{00000000-0000-0000-0000-000000000000}"/>
-            </ac:picMkLst>
-          </pc:picChg>
-          <pc:cxnChg chg="mod">
-            <ac:chgData name="Casey Khan" userId="c191e01f-1366-46c6-ad67-b01d4850573d" providerId="ADAL" clId="{54D77325-62B4-4C29-8F28-89B67B356B52}" dt="2021-02-26T17:20:05.899" v="529"/>
-            <ac:cxnSpMkLst>
-              <pc:docMk/>
-              <pc:sldMasterMk cId="2683340670" sldId="2147483660"/>
-              <pc:sldLayoutMk cId="155948378" sldId="2147483669"/>
-              <ac:cxnSpMk id="5" creationId="{00000000-0000-0000-0000-000000000000}"/>
-            </ac:cxnSpMkLst>
-          </pc:cxnChg>
-          <pc:cxnChg chg="mod">
-            <ac:chgData name="Casey Khan" userId="c191e01f-1366-46c6-ad67-b01d4850573d" providerId="ADAL" clId="{54D77325-62B4-4C29-8F28-89B67B356B52}" dt="2021-02-26T17:20:05.899" v="529"/>
-            <ac:cxnSpMkLst>
-              <pc:docMk/>
-              <pc:sldMasterMk cId="2683340670" sldId="2147483660"/>
-              <pc:sldLayoutMk cId="155948378" sldId="2147483669"/>
-              <ac:cxnSpMk id="6" creationId="{00000000-0000-0000-0000-000000000000}"/>
-            </ac:cxnSpMkLst>
-          </pc:cxnChg>
-        </pc:sldLayoutChg>
-      </pc:sldMasterChg>
-    </pc:docChg>
-  </pc:docChgLst>
-</pc:chgInfo>
 </file>
 
 <file path=ppt/diagrams/colors1.xml><?xml version="1.0" encoding="utf-8"?>
@@ -4915,7 +3130,7 @@
           <a:p>
             <a:fld id="{C34614AA-13E8-487B-90E3-D7590C2FE62D}" type="datetimeFigureOut">
               <a:rPr lang="en-US" smtClean="0"/>
-              <a:t>3/3/2021</a:t>
+              <a:t>3/7/2021</a:t>
             </a:fld>
             <a:endParaRPr lang="en-US"/>
           </a:p>
@@ -5226,23 +3441,31 @@
             <p:ph type="body" idx="1"/>
           </p:nvPr>
         </p:nvSpPr>
-        <p:spPr/>
+        <p:spPr>
+          <a:xfrm>
+            <a:off x="676894" y="4343400"/>
+            <a:ext cx="5486400" cy="4235335"/>
+          </a:xfrm>
+        </p:spPr>
         <p:txBody>
           <a:bodyPr/>
           <a:lstStyle/>
           <a:p>
-            <a:endParaRPr lang="en-US" dirty="0"/>
+            <a:pPr lvl="0"/>
+            <a:endParaRPr lang="en-US" sz="1000" dirty="0">
+              <a:cs typeface="Arial" panose="020B0604020202020204" pitchFamily="34" charset="0"/>
+            </a:endParaRPr>
           </a:p>
         </p:txBody>
       </p:sp>
       <p:sp>
         <p:nvSpPr>
-          <p:cNvPr id="4" name="Header Placeholder 3"/>
+          <p:cNvPr id="4" name="Slide Number Placeholder 3"/>
           <p:cNvSpPr>
             <a:spLocks noGrp="1"/>
           </p:cNvSpPr>
           <p:nvPr>
-            <p:ph type="hdr" sz="quarter" idx="10"/>
+            <p:ph type="sldNum" sz="quarter" idx="10"/>
           </p:nvPr>
         </p:nvSpPr>
         <p:spPr/>
@@ -5250,97 +3473,18 @@
           <a:bodyPr/>
           <a:lstStyle/>
           <a:p>
-            <a:endParaRPr lang="en-US" dirty="0"/>
-          </a:p>
-        </p:txBody>
-      </p:sp>
-      <p:sp>
-        <p:nvSpPr>
-          <p:cNvPr id="7" name="Slide Number Placeholder 6"/>
-          <p:cNvSpPr>
-            <a:spLocks noGrp="1"/>
-          </p:cNvSpPr>
-          <p:nvPr>
-            <p:ph type="sldNum" sz="quarter" idx="13"/>
-          </p:nvPr>
-        </p:nvSpPr>
-        <p:spPr/>
-        <p:txBody>
-          <a:bodyPr/>
-          <a:lstStyle/>
-          <a:p>
-            <a:fld id="{B4008EB6-D09E-4580-8CD6-DDB14511944F}" type="slidenum">
+            <a:fld id="{8420DB3B-5457-46C7-AF31-3227781C97EA}" type="slidenum">
               <a:rPr lang="en-US" smtClean="0"/>
-              <a:pPr/>
-              <a:t>5</a:t>
+              <a:t>2</a:t>
             </a:fld>
             <a:endParaRPr lang="en-US" dirty="0"/>
-          </a:p>
-        </p:txBody>
-      </p:sp>
-      <p:sp>
-        <p:nvSpPr>
-          <p:cNvPr id="8" name="Date Placeholder 7"/>
-          <p:cNvSpPr>
-            <a:spLocks noGrp="1"/>
-          </p:cNvSpPr>
-          <p:nvPr>
-            <p:ph type="dt" idx="14"/>
-          </p:nvPr>
-        </p:nvSpPr>
-        <p:spPr/>
-        <p:txBody>
-          <a:bodyPr/>
-          <a:lstStyle/>
-          <a:p>
-            <a:fld id="{EF98E8C0-33D8-4565-8456-C2F08F0520F5}" type="datetime8">
-              <a:rPr lang="en-US" smtClean="0"/>
-              <a:t>3/3/2021 5:46 PM</a:t>
-            </a:fld>
-            <a:endParaRPr lang="en-US" dirty="0"/>
-          </a:p>
-        </p:txBody>
-      </p:sp>
-      <p:sp>
-        <p:nvSpPr>
-          <p:cNvPr id="9" name="Footer Placeholder 8"/>
-          <p:cNvSpPr>
-            <a:spLocks noGrp="1"/>
-          </p:cNvSpPr>
-          <p:nvPr>
-            <p:ph type="ftr" sz="quarter" idx="15"/>
-          </p:nvPr>
-        </p:nvSpPr>
-        <p:spPr/>
-        <p:txBody>
-          <a:bodyPr/>
-          <a:lstStyle/>
-          <a:p>
-            <a:pPr defTabSz="932290" eaLnBrk="0" hangingPunct="0"/>
-            <a:r>
-              <a:rPr lang="en-US" sz="500" dirty="0">
-                <a:gradFill>
-                  <a:gsLst>
-                    <a:gs pos="0">
-                      <a:schemeClr val="tx1"/>
-                    </a:gs>
-                    <a:gs pos="100000">
-                      <a:schemeClr val="tx1"/>
-                    </a:gs>
-                  </a:gsLst>
-                  <a:lin ang="5400000" scaled="0"/>
-                </a:gradFill>
-                <a:cs typeface="Arial" panose="020B0604020202020204" pitchFamily="34" charset="0"/>
-              </a:rPr>
-              <a:t>© 2016 Optum, Inc. All rights reserved. </a:t>
-            </a:r>
           </a:p>
         </p:txBody>
       </p:sp>
     </p:spTree>
     <p:extLst>
       <p:ext uri="{BB962C8B-B14F-4D97-AF65-F5344CB8AC3E}">
-        <p14:creationId xmlns:p14="http://schemas.microsoft.com/office/powerpoint/2010/main" val="2870386434"/>
+        <p14:creationId xmlns:p14="http://schemas.microsoft.com/office/powerpoint/2010/main" val="3531230107"/>
       </p:ext>
     </p:extLst>
   </p:cSld>
@@ -5418,6 +3562,506 @@
           <a:bodyPr/>
           <a:lstStyle/>
           <a:p>
+            <a:endParaRPr lang="en-US" dirty="0"/>
+          </a:p>
+        </p:txBody>
+      </p:sp>
+      <p:sp>
+        <p:nvSpPr>
+          <p:cNvPr id="7" name="Slide Number Placeholder 6"/>
+          <p:cNvSpPr>
+            <a:spLocks noGrp="1"/>
+          </p:cNvSpPr>
+          <p:nvPr>
+            <p:ph type="sldNum" sz="quarter" idx="13"/>
+          </p:nvPr>
+        </p:nvSpPr>
+        <p:spPr/>
+        <p:txBody>
+          <a:bodyPr/>
+          <a:lstStyle/>
+          <a:p>
+            <a:fld id="{B4008EB6-D09E-4580-8CD6-DDB14511944F}" type="slidenum">
+              <a:rPr lang="en-US" smtClean="0"/>
+              <a:pPr/>
+              <a:t>6</a:t>
+            </a:fld>
+            <a:endParaRPr lang="en-US" dirty="0"/>
+          </a:p>
+        </p:txBody>
+      </p:sp>
+      <p:sp>
+        <p:nvSpPr>
+          <p:cNvPr id="8" name="Date Placeholder 7"/>
+          <p:cNvSpPr>
+            <a:spLocks noGrp="1"/>
+          </p:cNvSpPr>
+          <p:nvPr>
+            <p:ph type="dt" idx="14"/>
+          </p:nvPr>
+        </p:nvSpPr>
+        <p:spPr/>
+        <p:txBody>
+          <a:bodyPr/>
+          <a:lstStyle/>
+          <a:p>
+            <a:fld id="{EF98E8C0-33D8-4565-8456-C2F08F0520F5}" type="datetime8">
+              <a:rPr lang="en-US" smtClean="0"/>
+              <a:t>3/7/2021 3:59 PM</a:t>
+            </a:fld>
+            <a:endParaRPr lang="en-US" dirty="0"/>
+          </a:p>
+        </p:txBody>
+      </p:sp>
+      <p:sp>
+        <p:nvSpPr>
+          <p:cNvPr id="9" name="Footer Placeholder 8"/>
+          <p:cNvSpPr>
+            <a:spLocks noGrp="1"/>
+          </p:cNvSpPr>
+          <p:nvPr>
+            <p:ph type="ftr" sz="quarter" idx="15"/>
+          </p:nvPr>
+        </p:nvSpPr>
+        <p:spPr/>
+        <p:txBody>
+          <a:bodyPr/>
+          <a:lstStyle/>
+          <a:p>
+            <a:pPr defTabSz="932290" eaLnBrk="0" hangingPunct="0"/>
+            <a:r>
+              <a:rPr lang="en-US" sz="500" dirty="0">
+                <a:gradFill>
+                  <a:gsLst>
+                    <a:gs pos="0">
+                      <a:schemeClr val="tx1"/>
+                    </a:gs>
+                    <a:gs pos="100000">
+                      <a:schemeClr val="tx1"/>
+                    </a:gs>
+                  </a:gsLst>
+                  <a:lin ang="5400000" scaled="0"/>
+                </a:gradFill>
+                <a:cs typeface="Arial" panose="020B0604020202020204" pitchFamily="34" charset="0"/>
+              </a:rPr>
+              <a:t>© 2016 Optum, Inc. All rights reserved. </a:t>
+            </a:r>
+          </a:p>
+        </p:txBody>
+      </p:sp>
+    </p:spTree>
+    <p:extLst>
+      <p:ext uri="{BB962C8B-B14F-4D97-AF65-F5344CB8AC3E}">
+        <p14:creationId xmlns:p14="http://schemas.microsoft.com/office/powerpoint/2010/main" val="2870386434"/>
+      </p:ext>
+    </p:extLst>
+  </p:cSld>
+  <p:clrMapOvr>
+    <a:masterClrMapping/>
+  </p:clrMapOvr>
+</p:notes>
+</file>
+
+<file path=ppt/notesSlides/notesSlide3.xml><?xml version="1.0" encoding="utf-8"?>
+<p:notes xmlns:a="http://schemas.openxmlformats.org/drawingml/2006/main" xmlns:r="http://schemas.openxmlformats.org/officeDocument/2006/relationships" xmlns:p="http://schemas.openxmlformats.org/presentationml/2006/main">
+  <p:cSld>
+    <p:spTree>
+      <p:nvGrpSpPr>
+        <p:cNvPr id="1" name=""/>
+        <p:cNvGrpSpPr/>
+        <p:nvPr/>
+      </p:nvGrpSpPr>
+      <p:grpSpPr>
+        <a:xfrm>
+          <a:off x="0" y="0"/>
+          <a:ext cx="0" cy="0"/>
+          <a:chOff x="0" y="0"/>
+          <a:chExt cx="0" cy="0"/>
+        </a:xfrm>
+      </p:grpSpPr>
+      <p:sp>
+        <p:nvSpPr>
+          <p:cNvPr id="2" name="Slide Image Placeholder 1"/>
+          <p:cNvSpPr>
+            <a:spLocks noGrp="1" noRot="1" noChangeAspect="1"/>
+          </p:cNvSpPr>
+          <p:nvPr>
+            <p:ph type="sldImg"/>
+          </p:nvPr>
+        </p:nvSpPr>
+        <p:spPr/>
+      </p:sp>
+      <p:sp>
+        <p:nvSpPr>
+          <p:cNvPr id="3" name="Notes Placeholder 2"/>
+          <p:cNvSpPr>
+            <a:spLocks noGrp="1"/>
+          </p:cNvSpPr>
+          <p:nvPr>
+            <p:ph type="body" idx="1"/>
+          </p:nvPr>
+        </p:nvSpPr>
+        <p:spPr/>
+        <p:txBody>
+          <a:bodyPr/>
+          <a:lstStyle/>
+          <a:p>
+            <a:r>
+              <a:rPr lang="en-US" dirty="0" err="1"/>
+              <a:t>N_estimators</a:t>
+            </a:r>
+            <a:r>
+              <a:rPr lang="en-US" dirty="0"/>
+              <a:t> = # of trees in the forest</a:t>
+            </a:r>
+          </a:p>
+          <a:p>
+            <a:r>
+              <a:rPr lang="en-US" dirty="0"/>
+              <a:t>Learning rate: Step size at each iteration while moving towards a minimum loss function. If the too big, it can jump over the minimum. If too small it will learn at slow rate or get </a:t>
+            </a:r>
+            <a:r>
+              <a:rPr lang="en-US" dirty="0" err="1"/>
+              <a:t>undersidable</a:t>
+            </a:r>
+            <a:r>
+              <a:rPr lang="en-US" dirty="0"/>
+              <a:t> minimal </a:t>
+            </a:r>
+          </a:p>
+          <a:p>
+            <a:r>
+              <a:rPr lang="en-US" dirty="0"/>
+              <a:t>Max features: number of features when looking for best split. </a:t>
+            </a:r>
+          </a:p>
+          <a:p>
+            <a:r>
+              <a:rPr lang="en-US" dirty="0"/>
+              <a:t>Max </a:t>
+            </a:r>
+            <a:r>
+              <a:rPr lang="en-US" dirty="0" err="1"/>
+              <a:t>depth:</a:t>
+            </a:r>
+            <a:r>
+              <a:rPr lang="en-US" sz="1200" b="0" i="0" kern="1200" dirty="0" err="1">
+                <a:solidFill>
+                  <a:schemeClr val="tx1"/>
+                </a:solidFill>
+                <a:effectLst/>
+                <a:latin typeface="+mn-lt"/>
+                <a:ea typeface="+mn-ea"/>
+                <a:cs typeface="+mn-cs"/>
+              </a:rPr>
+              <a:t>This</a:t>
+            </a:r>
+            <a:r>
+              <a:rPr lang="en-US" sz="1200" b="0" i="0" kern="1200" dirty="0">
+                <a:solidFill>
+                  <a:schemeClr val="tx1"/>
+                </a:solidFill>
+                <a:effectLst/>
+                <a:latin typeface="+mn-lt"/>
+                <a:ea typeface="+mn-ea"/>
+                <a:cs typeface="+mn-cs"/>
+              </a:rPr>
+              <a:t> indicates how deep the built tree can be. The deeper the tree, the more splits it has ,ranging from 1 to 32 and plot the training and test errors.</a:t>
+            </a:r>
+          </a:p>
+          <a:p>
+            <a:r>
+              <a:rPr lang="en-US" sz="1200" b="0" i="0" kern="1200" dirty="0" err="1">
+                <a:solidFill>
+                  <a:schemeClr val="tx1"/>
+                </a:solidFill>
+                <a:effectLst/>
+                <a:latin typeface="+mn-lt"/>
+                <a:ea typeface="+mn-ea"/>
+                <a:cs typeface="+mn-cs"/>
+              </a:rPr>
+              <a:t>Random_state</a:t>
+            </a:r>
+            <a:r>
+              <a:rPr lang="en-US" sz="1200" b="0" i="0" kern="1200" dirty="0">
+                <a:solidFill>
+                  <a:schemeClr val="tx1"/>
+                </a:solidFill>
+                <a:effectLst/>
+                <a:latin typeface="+mn-lt"/>
+                <a:ea typeface="+mn-ea"/>
+                <a:cs typeface="+mn-cs"/>
+              </a:rPr>
+              <a:t>: Controls the random seed given to each Tree estimator at each boosting iteration. In addition, it controls the random permutation of the features at each split (</a:t>
+            </a:r>
+            <a:endParaRPr lang="en-US" dirty="0"/>
+          </a:p>
+        </p:txBody>
+      </p:sp>
+      <p:sp>
+        <p:nvSpPr>
+          <p:cNvPr id="4" name="Slide Number Placeholder 3"/>
+          <p:cNvSpPr>
+            <a:spLocks noGrp="1"/>
+          </p:cNvSpPr>
+          <p:nvPr>
+            <p:ph type="sldNum" sz="quarter" idx="5"/>
+          </p:nvPr>
+        </p:nvSpPr>
+        <p:spPr/>
+        <p:txBody>
+          <a:bodyPr/>
+          <a:lstStyle/>
+          <a:p>
+            <a:fld id="{A90CEE9C-6F50-4D83-808E-E6E9F6EA757B}" type="slidenum">
+              <a:rPr lang="en-US" smtClean="0"/>
+              <a:t>20</a:t>
+            </a:fld>
+            <a:endParaRPr lang="en-US"/>
+          </a:p>
+        </p:txBody>
+      </p:sp>
+    </p:spTree>
+    <p:extLst>
+      <p:ext uri="{BB962C8B-B14F-4D97-AF65-F5344CB8AC3E}">
+        <p14:creationId xmlns:p14="http://schemas.microsoft.com/office/powerpoint/2010/main" val="555213067"/>
+      </p:ext>
+    </p:extLst>
+  </p:cSld>
+  <p:clrMapOvr>
+    <a:masterClrMapping/>
+  </p:clrMapOvr>
+</p:notes>
+</file>
+
+<file path=ppt/notesSlides/notesSlide4.xml><?xml version="1.0" encoding="utf-8"?>
+<p:notes xmlns:a="http://schemas.openxmlformats.org/drawingml/2006/main" xmlns:r="http://schemas.openxmlformats.org/officeDocument/2006/relationships" xmlns:p="http://schemas.openxmlformats.org/presentationml/2006/main">
+  <p:cSld>
+    <p:spTree>
+      <p:nvGrpSpPr>
+        <p:cNvPr id="1" name=""/>
+        <p:cNvGrpSpPr/>
+        <p:nvPr/>
+      </p:nvGrpSpPr>
+      <p:grpSpPr>
+        <a:xfrm>
+          <a:off x="0" y="0"/>
+          <a:ext cx="0" cy="0"/>
+          <a:chOff x="0" y="0"/>
+          <a:chExt cx="0" cy="0"/>
+        </a:xfrm>
+      </p:grpSpPr>
+      <p:sp>
+        <p:nvSpPr>
+          <p:cNvPr id="2" name="Slide Image Placeholder 1"/>
+          <p:cNvSpPr>
+            <a:spLocks noGrp="1" noRot="1" noChangeAspect="1"/>
+          </p:cNvSpPr>
+          <p:nvPr>
+            <p:ph type="sldImg"/>
+          </p:nvPr>
+        </p:nvSpPr>
+        <p:spPr/>
+      </p:sp>
+      <p:sp>
+        <p:nvSpPr>
+          <p:cNvPr id="3" name="Notes Placeholder 2"/>
+          <p:cNvSpPr>
+            <a:spLocks noGrp="1"/>
+          </p:cNvSpPr>
+          <p:nvPr>
+            <p:ph type="body" idx="1"/>
+          </p:nvPr>
+        </p:nvSpPr>
+        <p:spPr/>
+        <p:txBody>
+          <a:bodyPr/>
+          <a:lstStyle/>
+          <a:p>
+            <a:r>
+              <a:rPr lang="en-US" dirty="0"/>
+              <a:t>Precision: TP/TP+FP</a:t>
+            </a:r>
+          </a:p>
+          <a:p>
+            <a:r>
+              <a:rPr lang="en-US" dirty="0"/>
+              <a:t>Recall or Sensitivity: TP/TP+FN</a:t>
+            </a:r>
+          </a:p>
+          <a:p>
+            <a:r>
+              <a:rPr lang="en-US" dirty="0"/>
+              <a:t>Specificity: TN/TN+FP</a:t>
+            </a:r>
+          </a:p>
+          <a:p>
+            <a:r>
+              <a:rPr lang="en-US" dirty="0"/>
+              <a:t>Accuracy: TP+TN/TP+TN+FN+FP</a:t>
+            </a:r>
+          </a:p>
+          <a:p>
+            <a:r>
+              <a:rPr lang="en-US" dirty="0"/>
+              <a:t>F1: 2TP/2TP+FP+FN</a:t>
+            </a:r>
+          </a:p>
+          <a:p>
+            <a:r>
+              <a:rPr lang="en-US" dirty="0"/>
+              <a:t>Type1 error: Reject the null hypothesis incorrectly. False positive error</a:t>
+            </a:r>
+          </a:p>
+          <a:p>
+            <a:r>
+              <a:rPr lang="en-US" dirty="0"/>
+              <a:t>Type 2: </a:t>
+            </a:r>
+            <a:r>
+              <a:rPr lang="en-US" sz="1200" b="0" i="0" kern="1200" dirty="0">
+                <a:solidFill>
+                  <a:schemeClr val="tx1"/>
+                </a:solidFill>
+                <a:effectLst/>
+                <a:latin typeface="+mn-lt"/>
+                <a:ea typeface="+mn-ea"/>
+                <a:cs typeface="+mn-cs"/>
+              </a:rPr>
+              <a:t>A type II error occurs when the null hypothesis is false but not rejected. False –</a:t>
+            </a:r>
+            <a:r>
+              <a:rPr lang="en-US" sz="1200" b="0" i="0" kern="1200" dirty="0" err="1">
+                <a:solidFill>
+                  <a:schemeClr val="tx1"/>
+                </a:solidFill>
+                <a:effectLst/>
+                <a:latin typeface="+mn-lt"/>
+                <a:ea typeface="+mn-ea"/>
+                <a:cs typeface="+mn-cs"/>
+              </a:rPr>
+              <a:t>ive</a:t>
+            </a:r>
+            <a:r>
+              <a:rPr lang="en-US" sz="1200" b="0" i="0" kern="1200" dirty="0">
+                <a:solidFill>
+                  <a:schemeClr val="tx1"/>
+                </a:solidFill>
+                <a:effectLst/>
+                <a:latin typeface="+mn-lt"/>
+                <a:ea typeface="+mn-ea"/>
+                <a:cs typeface="+mn-cs"/>
+              </a:rPr>
+              <a:t> error. </a:t>
+            </a:r>
+            <a:endParaRPr lang="en-US" dirty="0"/>
+          </a:p>
+        </p:txBody>
+      </p:sp>
+      <p:sp>
+        <p:nvSpPr>
+          <p:cNvPr id="4" name="Slide Number Placeholder 3"/>
+          <p:cNvSpPr>
+            <a:spLocks noGrp="1"/>
+          </p:cNvSpPr>
+          <p:nvPr>
+            <p:ph type="sldNum" sz="quarter" idx="5"/>
+          </p:nvPr>
+        </p:nvSpPr>
+        <p:spPr/>
+        <p:txBody>
+          <a:bodyPr/>
+          <a:lstStyle/>
+          <a:p>
+            <a:fld id="{A90CEE9C-6F50-4D83-808E-E6E9F6EA757B}" type="slidenum">
+              <a:rPr lang="en-US" smtClean="0"/>
+              <a:t>21</a:t>
+            </a:fld>
+            <a:endParaRPr lang="en-US"/>
+          </a:p>
+        </p:txBody>
+      </p:sp>
+    </p:spTree>
+    <p:extLst>
+      <p:ext uri="{BB962C8B-B14F-4D97-AF65-F5344CB8AC3E}">
+        <p14:creationId xmlns:p14="http://schemas.microsoft.com/office/powerpoint/2010/main" val="2660399406"/>
+      </p:ext>
+    </p:extLst>
+  </p:cSld>
+  <p:clrMapOvr>
+    <a:masterClrMapping/>
+  </p:clrMapOvr>
+</p:notes>
+</file>
+
+<file path=ppt/notesSlides/notesSlide5.xml><?xml version="1.0" encoding="utf-8"?>
+<p:notes xmlns:a="http://schemas.openxmlformats.org/drawingml/2006/main" xmlns:r="http://schemas.openxmlformats.org/officeDocument/2006/relationships" xmlns:p="http://schemas.openxmlformats.org/presentationml/2006/main">
+  <p:cSld>
+    <p:spTree>
+      <p:nvGrpSpPr>
+        <p:cNvPr id="1" name=""/>
+        <p:cNvGrpSpPr/>
+        <p:nvPr/>
+      </p:nvGrpSpPr>
+      <p:grpSpPr>
+        <a:xfrm>
+          <a:off x="0" y="0"/>
+          <a:ext cx="0" cy="0"/>
+          <a:chOff x="0" y="0"/>
+          <a:chExt cx="0" cy="0"/>
+        </a:xfrm>
+      </p:grpSpPr>
+      <p:sp>
+        <p:nvSpPr>
+          <p:cNvPr id="2" name="Slide Image Placeholder 1"/>
+          <p:cNvSpPr>
+            <a:spLocks noGrp="1" noRot="1" noChangeAspect="1"/>
+          </p:cNvSpPr>
+          <p:nvPr>
+            <p:ph type="sldImg"/>
+          </p:nvPr>
+        </p:nvSpPr>
+        <p:spPr>
+          <a:xfrm>
+            <a:off x="1143000" y="685800"/>
+            <a:ext cx="4572000" cy="3429000"/>
+          </a:xfrm>
+        </p:spPr>
+      </p:sp>
+      <p:sp>
+        <p:nvSpPr>
+          <p:cNvPr id="3" name="Notes Placeholder 2"/>
+          <p:cNvSpPr>
+            <a:spLocks noGrp="1"/>
+          </p:cNvSpPr>
+          <p:nvPr>
+            <p:ph type="body" idx="1"/>
+          </p:nvPr>
+        </p:nvSpPr>
+        <p:spPr/>
+        <p:txBody>
+          <a:bodyPr/>
+          <a:lstStyle/>
+          <a:p>
+            <a:endParaRPr lang="en-US" dirty="0"/>
+          </a:p>
+        </p:txBody>
+      </p:sp>
+      <p:sp>
+        <p:nvSpPr>
+          <p:cNvPr id="4" name="Header Placeholder 3"/>
+          <p:cNvSpPr>
+            <a:spLocks noGrp="1"/>
+          </p:cNvSpPr>
+          <p:nvPr>
+            <p:ph type="hdr" sz="quarter" idx="10"/>
+          </p:nvPr>
+        </p:nvSpPr>
+        <p:spPr/>
+        <p:txBody>
+          <a:bodyPr/>
+          <a:lstStyle/>
+          <a:p>
             <a:pPr marL="0" marR="0" lvl="0" indent="0" algn="l" defTabSz="914400" rtl="0" eaLnBrk="1" fontAlgn="auto" latinLnBrk="0" hangingPunct="1">
               <a:lnSpc>
                 <a:spcPct val="100000"/>
@@ -5516,7 +4160,7 @@
                 <a:tabLst/>
                 <a:defRPr/>
               </a:pPr>
-              <a:t>22</a:t>
+              <a:t>23</a:t>
             </a:fld>
             <a:endParaRPr kumimoji="0" lang="en-US" sz="1200" b="0" i="0" u="none" strike="noStrike" kern="1200" cap="none" spc="0" normalizeH="0" baseline="0" noProof="0" dirty="0">
               <a:ln>
@@ -5599,7 +4243,7 @@
                 <a:tabLst/>
                 <a:defRPr/>
               </a:pPr>
-              <a:t>3/3/2021 5:46 PM</a:t>
+              <a:t>3/7/2021 3:59 PM</a:t>
             </a:fld>
             <a:endParaRPr kumimoji="0" lang="en-US" sz="1200" b="0" i="0" u="none" strike="noStrike" kern="1200" cap="none" spc="0" normalizeH="0" baseline="0" noProof="0" dirty="0">
               <a:ln>
@@ -5682,6 +4326,169 @@
     <p:extLst>
       <p:ext uri="{BB962C8B-B14F-4D97-AF65-F5344CB8AC3E}">
         <p14:creationId xmlns:p14="http://schemas.microsoft.com/office/powerpoint/2010/main" val="2870386434"/>
+      </p:ext>
+    </p:extLst>
+  </p:cSld>
+  <p:clrMapOvr>
+    <a:masterClrMapping/>
+  </p:clrMapOvr>
+</p:notes>
+</file>
+
+<file path=ppt/notesSlides/notesSlide6.xml><?xml version="1.0" encoding="utf-8"?>
+<p:notes xmlns:a="http://schemas.openxmlformats.org/drawingml/2006/main" xmlns:r="http://schemas.openxmlformats.org/officeDocument/2006/relationships" xmlns:p="http://schemas.openxmlformats.org/presentationml/2006/main">
+  <p:cSld>
+    <p:spTree>
+      <p:nvGrpSpPr>
+        <p:cNvPr id="1" name=""/>
+        <p:cNvGrpSpPr/>
+        <p:nvPr/>
+      </p:nvGrpSpPr>
+      <p:grpSpPr>
+        <a:xfrm>
+          <a:off x="0" y="0"/>
+          <a:ext cx="0" cy="0"/>
+          <a:chOff x="0" y="0"/>
+          <a:chExt cx="0" cy="0"/>
+        </a:xfrm>
+      </p:grpSpPr>
+      <p:sp>
+        <p:nvSpPr>
+          <p:cNvPr id="2" name="Slide Image Placeholder 1"/>
+          <p:cNvSpPr>
+            <a:spLocks noGrp="1" noRot="1" noChangeAspect="1"/>
+          </p:cNvSpPr>
+          <p:nvPr>
+            <p:ph type="sldImg"/>
+          </p:nvPr>
+        </p:nvSpPr>
+        <p:spPr/>
+      </p:sp>
+      <p:sp>
+        <p:nvSpPr>
+          <p:cNvPr id="3" name="Notes Placeholder 2"/>
+          <p:cNvSpPr>
+            <a:spLocks noGrp="1"/>
+          </p:cNvSpPr>
+          <p:nvPr>
+            <p:ph type="body" idx="1"/>
+          </p:nvPr>
+        </p:nvSpPr>
+        <p:spPr/>
+        <p:txBody>
+          <a:bodyPr/>
+          <a:lstStyle/>
+          <a:p>
+            <a:r>
+              <a:rPr lang="en-US" dirty="0"/>
+              <a:t>Precision: TP/TP+FP</a:t>
+            </a:r>
+          </a:p>
+          <a:p>
+            <a:r>
+              <a:rPr lang="en-US" dirty="0"/>
+              <a:t>Recall or Sensitivity: TP/TP+FN</a:t>
+            </a:r>
+          </a:p>
+          <a:p>
+            <a:r>
+              <a:rPr lang="en-US" dirty="0"/>
+              <a:t>Specificity: TN/TN+FP</a:t>
+            </a:r>
+          </a:p>
+          <a:p>
+            <a:r>
+              <a:rPr lang="en-US" dirty="0"/>
+              <a:t>Accuracy: TP+TN/TP+TN+FN+FP</a:t>
+            </a:r>
+          </a:p>
+          <a:p>
+            <a:r>
+              <a:rPr lang="en-US" dirty="0"/>
+              <a:t>F1: 2TP/2TP+FP+FN</a:t>
+            </a:r>
+          </a:p>
+          <a:p>
+            <a:r>
+              <a:rPr lang="en-US" dirty="0"/>
+              <a:t>Type1 error: Reject the null hypothesis incorrectly. False positive error</a:t>
+            </a:r>
+          </a:p>
+          <a:p>
+            <a:r>
+              <a:rPr lang="en-US" dirty="0"/>
+              <a:t>Type 2: </a:t>
+            </a:r>
+            <a:r>
+              <a:rPr lang="en-US" sz="1200" b="0" i="0" kern="1200" dirty="0">
+                <a:solidFill>
+                  <a:schemeClr val="tx1"/>
+                </a:solidFill>
+                <a:effectLst/>
+                <a:latin typeface="+mn-lt"/>
+                <a:ea typeface="+mn-ea"/>
+                <a:cs typeface="+mn-cs"/>
+              </a:rPr>
+              <a:t>A type II error occurs when the null hypothesis is false but not rejected. False –</a:t>
+            </a:r>
+            <a:r>
+              <a:rPr lang="en-US" sz="1200" b="0" i="0" kern="1200" dirty="0" err="1">
+                <a:solidFill>
+                  <a:schemeClr val="tx1"/>
+                </a:solidFill>
+                <a:effectLst/>
+                <a:latin typeface="+mn-lt"/>
+                <a:ea typeface="+mn-ea"/>
+                <a:cs typeface="+mn-cs"/>
+              </a:rPr>
+              <a:t>ive</a:t>
+            </a:r>
+            <a:r>
+              <a:rPr lang="en-US" sz="1200" b="0" i="0" kern="1200" dirty="0">
+                <a:solidFill>
+                  <a:schemeClr val="tx1"/>
+                </a:solidFill>
+                <a:effectLst/>
+                <a:latin typeface="+mn-lt"/>
+                <a:ea typeface="+mn-ea"/>
+                <a:cs typeface="+mn-cs"/>
+              </a:rPr>
+              <a:t> error. </a:t>
+            </a:r>
+            <a:endParaRPr lang="en-US" dirty="0"/>
+          </a:p>
+          <a:p>
+            <a:endParaRPr lang="en-US" dirty="0"/>
+          </a:p>
+        </p:txBody>
+      </p:sp>
+      <p:sp>
+        <p:nvSpPr>
+          <p:cNvPr id="4" name="Slide Number Placeholder 3"/>
+          <p:cNvSpPr>
+            <a:spLocks noGrp="1"/>
+          </p:cNvSpPr>
+          <p:nvPr>
+            <p:ph type="sldNum" sz="quarter" idx="5"/>
+          </p:nvPr>
+        </p:nvSpPr>
+        <p:spPr/>
+        <p:txBody>
+          <a:bodyPr/>
+          <a:lstStyle/>
+          <a:p>
+            <a:fld id="{A90CEE9C-6F50-4D83-808E-E6E9F6EA757B}" type="slidenum">
+              <a:rPr lang="en-US" smtClean="0"/>
+              <a:t>34</a:t>
+            </a:fld>
+            <a:endParaRPr lang="en-US"/>
+          </a:p>
+        </p:txBody>
+      </p:sp>
+    </p:spTree>
+    <p:extLst>
+      <p:ext uri="{BB962C8B-B14F-4D97-AF65-F5344CB8AC3E}">
+        <p14:creationId xmlns:p14="http://schemas.microsoft.com/office/powerpoint/2010/main" val="638915175"/>
       </p:ext>
     </p:extLst>
   </p:cSld>
@@ -19920,8 +18727,8 @@
         </p:blipFill>
         <p:spPr>
           <a:xfrm>
-            <a:off x="1485900" y="1885950"/>
-            <a:ext cx="6172200" cy="3286125"/>
+            <a:off x="491490" y="1200150"/>
+            <a:ext cx="8149590" cy="4777740"/>
           </a:xfrm>
           <a:prstGeom prst="rect">
             <a:avLst/>
@@ -19940,7 +18747,7 @@
         </p:nvSpPr>
         <p:spPr>
           <a:xfrm>
-            <a:off x="1413280" y="5461265"/>
+            <a:off x="384580" y="6085930"/>
             <a:ext cx="6126800" cy="425054"/>
           </a:xfrm>
         </p:spPr>
@@ -19967,7 +18774,7 @@
         </p:nvSpPr>
         <p:spPr>
           <a:xfrm>
-            <a:off x="1480257" y="5692667"/>
+            <a:off x="491490" y="6298457"/>
             <a:ext cx="2383083" cy="409575"/>
           </a:xfrm>
         </p:spPr>
@@ -19992,8 +18799,8 @@
         </p:nvSpPr>
         <p:spPr>
           <a:xfrm>
-            <a:off x="1766254" y="2979917"/>
-            <a:ext cx="5885726" cy="425054"/>
+            <a:off x="491490" y="2979917"/>
+            <a:ext cx="7160490" cy="425054"/>
           </a:xfrm>
           <a:prstGeom prst="rect">
             <a:avLst/>
@@ -20029,22 +18836,7 @@
                   <a:srgbClr val="53565A"/>
                 </a:solidFill>
               </a:rPr>
-              <a:t>Title page with </a:t>
-            </a:r>
-            <a:br>
-              <a:rPr lang="en-US" sz="1800" dirty="0">
-                <a:solidFill>
-                  <a:srgbClr val="53565A"/>
-                </a:solidFill>
-              </a:rPr>
-            </a:br>
-            <a:r>
-              <a:rPr lang="en-US" sz="1800" dirty="0">
-                <a:solidFill>
-                  <a:srgbClr val="53565A"/>
-                </a:solidFill>
-              </a:rPr>
-              <a:t>business image</a:t>
+              <a:t>Capstone Walk Through</a:t>
             </a:r>
           </a:p>
         </p:txBody>
@@ -20102,6 +18894,97 @@
 </file>
 
 <file path=ppt/slides/slide10.xml><?xml version="1.0" encoding="utf-8"?>
+<p:sld xmlns:a="http://schemas.openxmlformats.org/drawingml/2006/main" xmlns:r="http://schemas.openxmlformats.org/officeDocument/2006/relationships" xmlns:p="http://schemas.openxmlformats.org/presentationml/2006/main">
+  <p:cSld>
+    <p:spTree>
+      <p:nvGrpSpPr>
+        <p:cNvPr id="1" name=""/>
+        <p:cNvGrpSpPr/>
+        <p:nvPr/>
+      </p:nvGrpSpPr>
+      <p:grpSpPr>
+        <a:xfrm>
+          <a:off x="0" y="0"/>
+          <a:ext cx="0" cy="0"/>
+          <a:chOff x="0" y="0"/>
+          <a:chExt cx="0" cy="0"/>
+        </a:xfrm>
+      </p:grpSpPr>
+      <p:sp>
+        <p:nvSpPr>
+          <p:cNvPr id="3" name="Title 2">
+            <a:extLst>
+              <a:ext uri="{FF2B5EF4-FFF2-40B4-BE49-F238E27FC236}">
+                <a16:creationId xmlns:a16="http://schemas.microsoft.com/office/drawing/2014/main" id="{A847FEE7-4921-4F2A-87FA-4BB30353D123}"/>
+              </a:ext>
+            </a:extLst>
+          </p:cNvPr>
+          <p:cNvSpPr>
+            <a:spLocks noGrp="1"/>
+          </p:cNvSpPr>
+          <p:nvPr>
+            <p:ph type="title"/>
+          </p:nvPr>
+        </p:nvSpPr>
+        <p:spPr/>
+        <p:txBody>
+          <a:bodyPr/>
+          <a:lstStyle/>
+          <a:p>
+            <a:r>
+              <a:rPr lang="en-US" dirty="0"/>
+              <a:t>CITI Course Details </a:t>
+            </a:r>
+          </a:p>
+        </p:txBody>
+      </p:sp>
+      <p:pic>
+        <p:nvPicPr>
+          <p:cNvPr id="4" name="Picture 3">
+            <a:extLst>
+              <a:ext uri="{FF2B5EF4-FFF2-40B4-BE49-F238E27FC236}">
+                <a16:creationId xmlns:a16="http://schemas.microsoft.com/office/drawing/2014/main" id="{7E12F79C-D435-4081-914D-0E1662B61390}"/>
+              </a:ext>
+            </a:extLst>
+          </p:cNvPr>
+          <p:cNvPicPr>
+            <a:picLocks noChangeAspect="1"/>
+          </p:cNvPicPr>
+          <p:nvPr/>
+        </p:nvPicPr>
+        <p:blipFill>
+          <a:blip r:embed="rId2"/>
+          <a:stretch>
+            <a:fillRect/>
+          </a:stretch>
+        </p:blipFill>
+        <p:spPr>
+          <a:xfrm>
+            <a:off x="1711354" y="1256194"/>
+            <a:ext cx="5891562" cy="4345611"/>
+          </a:xfrm>
+          <a:prstGeom prst="rect">
+            <a:avLst/>
+          </a:prstGeom>
+        </p:spPr>
+      </p:pic>
+    </p:spTree>
+    <p:extLst>
+      <p:ext uri="{BB962C8B-B14F-4D97-AF65-F5344CB8AC3E}">
+        <p14:creationId xmlns:p14="http://schemas.microsoft.com/office/powerpoint/2010/main" val="259584107"/>
+      </p:ext>
+    </p:extLst>
+  </p:cSld>
+  <p:clrMapOvr>
+    <a:masterClrMapping/>
+  </p:clrMapOvr>
+  <p:transition>
+    <p:fade/>
+  </p:transition>
+</p:sld>
+</file>
+
+<file path=ppt/slides/slide11.xml><?xml version="1.0" encoding="utf-8"?>
 <p:sld xmlns:a="http://schemas.openxmlformats.org/drawingml/2006/main" xmlns:r="http://schemas.openxmlformats.org/officeDocument/2006/relationships" xmlns:p="http://schemas.openxmlformats.org/presentationml/2006/main">
   <p:cSld>
     <p:spTree>
@@ -20421,7 +19304,7 @@
 </p:sld>
 </file>
 
-<file path=ppt/slides/slide11.xml><?xml version="1.0" encoding="utf-8"?>
+<file path=ppt/slides/slide12.xml><?xml version="1.0" encoding="utf-8"?>
 <p:sld xmlns:a="http://schemas.openxmlformats.org/drawingml/2006/main" xmlns:r="http://schemas.openxmlformats.org/officeDocument/2006/relationships" xmlns:p="http://schemas.openxmlformats.org/presentationml/2006/main">
   <p:cSld>
     <p:spTree>
@@ -20560,7 +19443,7 @@
 </p:sld>
 </file>
 
-<file path=ppt/slides/slide12.xml><?xml version="1.0" encoding="utf-8"?>
+<file path=ppt/slides/slide13.xml><?xml version="1.0" encoding="utf-8"?>
 <p:sld xmlns:a="http://schemas.openxmlformats.org/drawingml/2006/main" xmlns:r="http://schemas.openxmlformats.org/officeDocument/2006/relationships" xmlns:p="http://schemas.openxmlformats.org/presentationml/2006/main">
   <p:cSld>
     <p:spTree>
@@ -21676,7 +20559,7 @@
 </p:sld>
 </file>
 
-<file path=ppt/slides/slide13.xml><?xml version="1.0" encoding="utf-8"?>
+<file path=ppt/slides/slide14.xml><?xml version="1.0" encoding="utf-8"?>
 <p:sld xmlns:a="http://schemas.openxmlformats.org/drawingml/2006/main" xmlns:r="http://schemas.openxmlformats.org/officeDocument/2006/relationships" xmlns:p="http://schemas.openxmlformats.org/presentationml/2006/main">
   <p:cSld>
     <p:spTree>
@@ -21777,7 +20660,7 @@
 </p:sld>
 </file>
 
-<file path=ppt/slides/slide14.xml><?xml version="1.0" encoding="utf-8"?>
+<file path=ppt/slides/slide15.xml><?xml version="1.0" encoding="utf-8"?>
 <p:sld xmlns:a="http://schemas.openxmlformats.org/drawingml/2006/main" xmlns:r="http://schemas.openxmlformats.org/officeDocument/2006/relationships" xmlns:p="http://schemas.openxmlformats.org/presentationml/2006/main">
   <p:cSld>
     <p:spTree>
@@ -21903,7 +20786,7 @@
 </p:sld>
 </file>
 
-<file path=ppt/slides/slide15.xml><?xml version="1.0" encoding="utf-8"?>
+<file path=ppt/slides/slide16.xml><?xml version="1.0" encoding="utf-8"?>
 <p:sld xmlns:a="http://schemas.openxmlformats.org/drawingml/2006/main" xmlns:r="http://schemas.openxmlformats.org/officeDocument/2006/relationships" xmlns:p="http://schemas.openxmlformats.org/presentationml/2006/main">
   <p:cSld>
     <p:spTree>
@@ -22094,7 +20977,7 @@
 </p:sld>
 </file>
 
-<file path=ppt/slides/slide16.xml><?xml version="1.0" encoding="utf-8"?>
+<file path=ppt/slides/slide17.xml><?xml version="1.0" encoding="utf-8"?>
 <p:sld xmlns:a="http://schemas.openxmlformats.org/drawingml/2006/main" xmlns:r="http://schemas.openxmlformats.org/officeDocument/2006/relationships" xmlns:p="http://schemas.openxmlformats.org/presentationml/2006/main">
   <p:cSld>
     <p:spTree>
@@ -22285,7 +21168,7 @@
 </p:sld>
 </file>
 
-<file path=ppt/slides/slide17.xml><?xml version="1.0" encoding="utf-8"?>
+<file path=ppt/slides/slide18.xml><?xml version="1.0" encoding="utf-8"?>
 <p:sld xmlns:a="http://schemas.openxmlformats.org/drawingml/2006/main" xmlns:r="http://schemas.openxmlformats.org/officeDocument/2006/relationships" xmlns:p="http://schemas.openxmlformats.org/presentationml/2006/main">
   <p:cSld>
     <p:spTree>
@@ -22725,7 +21608,7 @@
 </p:sld>
 </file>
 
-<file path=ppt/slides/slide18.xml><?xml version="1.0" encoding="utf-8"?>
+<file path=ppt/slides/slide19.xml><?xml version="1.0" encoding="utf-8"?>
 <p:sld xmlns:a="http://schemas.openxmlformats.org/drawingml/2006/main" xmlns:r="http://schemas.openxmlformats.org/officeDocument/2006/relationships" xmlns:p="http://schemas.openxmlformats.org/presentationml/2006/main">
   <p:cSld>
     <p:spTree>
@@ -22839,7 +21722,1783 @@
 </p:sld>
 </file>
 
-<file path=ppt/slides/slide19.xml><?xml version="1.0" encoding="utf-8"?>
+<file path=ppt/slides/slide2.xml><?xml version="1.0" encoding="utf-8"?>
+<p:sld xmlns:a="http://schemas.openxmlformats.org/drawingml/2006/main" xmlns:r="http://schemas.openxmlformats.org/officeDocument/2006/relationships" xmlns:p="http://schemas.openxmlformats.org/presentationml/2006/main">
+  <p:cSld>
+    <p:spTree>
+      <p:nvGrpSpPr>
+        <p:cNvPr id="1" name=""/>
+        <p:cNvGrpSpPr/>
+        <p:nvPr/>
+      </p:nvGrpSpPr>
+      <p:grpSpPr>
+        <a:xfrm>
+          <a:off x="0" y="0"/>
+          <a:ext cx="0" cy="0"/>
+          <a:chOff x="0" y="0"/>
+          <a:chExt cx="0" cy="0"/>
+        </a:xfrm>
+      </p:grpSpPr>
+      <p:sp>
+        <p:nvSpPr>
+          <p:cNvPr id="2" name="Title 1"/>
+          <p:cNvSpPr>
+            <a:spLocks noGrp="1"/>
+          </p:cNvSpPr>
+          <p:nvPr>
+            <p:ph type="title"/>
+          </p:nvPr>
+        </p:nvSpPr>
+        <p:spPr>
+          <a:xfrm>
+            <a:off x="388166" y="258224"/>
+            <a:ext cx="8486775" cy="925289"/>
+          </a:xfrm>
+        </p:spPr>
+        <p:txBody>
+          <a:bodyPr/>
+          <a:lstStyle/>
+          <a:p>
+            <a:r>
+              <a:rPr lang="en-US" sz="2800" dirty="0"/>
+              <a:t>Our mission</a:t>
+            </a:r>
+          </a:p>
+        </p:txBody>
+      </p:sp>
+      <p:sp>
+        <p:nvSpPr>
+          <p:cNvPr id="4" name="Slide Number Placeholder 3"/>
+          <p:cNvSpPr>
+            <a:spLocks noGrp="1"/>
+          </p:cNvSpPr>
+          <p:nvPr>
+            <p:ph type="sldNum" sz="quarter" idx="12"/>
+          </p:nvPr>
+        </p:nvSpPr>
+        <p:spPr>
+          <a:xfrm>
+            <a:off x="8475385" y="6435183"/>
+            <a:ext cx="386040" cy="164592"/>
+          </a:xfrm>
+          <a:prstGeom prst="rect">
+            <a:avLst/>
+          </a:prstGeom>
+        </p:spPr>
+        <p:txBody>
+          <a:bodyPr vert="horz" lIns="0" tIns="0" rIns="0" bIns="0" rtlCol="0" anchor="ctr"/>
+          <a:lstStyle>
+            <a:defPPr>
+              <a:defRPr lang="en-US"/>
+            </a:defPPr>
+            <a:lvl1pPr marL="0" algn="r" defTabSz="914400" rtl="0" eaLnBrk="1" latinLnBrk="0" hangingPunct="1">
+              <a:defRPr sz="900" kern="1200">
+                <a:solidFill>
+                  <a:schemeClr val="accent4"/>
+                </a:solidFill>
+                <a:latin typeface="+mn-lt"/>
+                <a:ea typeface="+mn-ea"/>
+                <a:cs typeface="+mn-cs"/>
+              </a:defRPr>
+            </a:lvl1pPr>
+            <a:lvl2pPr marL="457200" algn="l" defTabSz="914400" rtl="0" eaLnBrk="1" latinLnBrk="0" hangingPunct="1">
+              <a:defRPr sz="1800" kern="1200">
+                <a:solidFill>
+                  <a:schemeClr val="tx1"/>
+                </a:solidFill>
+                <a:latin typeface="+mn-lt"/>
+                <a:ea typeface="+mn-ea"/>
+                <a:cs typeface="+mn-cs"/>
+              </a:defRPr>
+            </a:lvl2pPr>
+            <a:lvl3pPr marL="914400" algn="l" defTabSz="914400" rtl="0" eaLnBrk="1" latinLnBrk="0" hangingPunct="1">
+              <a:defRPr sz="1800" kern="1200">
+                <a:solidFill>
+                  <a:schemeClr val="tx1"/>
+                </a:solidFill>
+                <a:latin typeface="+mn-lt"/>
+                <a:ea typeface="+mn-ea"/>
+                <a:cs typeface="+mn-cs"/>
+              </a:defRPr>
+            </a:lvl3pPr>
+            <a:lvl4pPr marL="1371600" algn="l" defTabSz="914400" rtl="0" eaLnBrk="1" latinLnBrk="0" hangingPunct="1">
+              <a:defRPr sz="1800" kern="1200">
+                <a:solidFill>
+                  <a:schemeClr val="tx1"/>
+                </a:solidFill>
+                <a:latin typeface="+mn-lt"/>
+                <a:ea typeface="+mn-ea"/>
+                <a:cs typeface="+mn-cs"/>
+              </a:defRPr>
+            </a:lvl4pPr>
+            <a:lvl5pPr marL="1828800" algn="l" defTabSz="914400" rtl="0" eaLnBrk="1" latinLnBrk="0" hangingPunct="1">
+              <a:defRPr sz="1800" kern="1200">
+                <a:solidFill>
+                  <a:schemeClr val="tx1"/>
+                </a:solidFill>
+                <a:latin typeface="+mn-lt"/>
+                <a:ea typeface="+mn-ea"/>
+                <a:cs typeface="+mn-cs"/>
+              </a:defRPr>
+            </a:lvl5pPr>
+            <a:lvl6pPr marL="2286000" algn="l" defTabSz="914400" rtl="0" eaLnBrk="1" latinLnBrk="0" hangingPunct="1">
+              <a:defRPr sz="1800" kern="1200">
+                <a:solidFill>
+                  <a:schemeClr val="tx1"/>
+                </a:solidFill>
+                <a:latin typeface="+mn-lt"/>
+                <a:ea typeface="+mn-ea"/>
+                <a:cs typeface="+mn-cs"/>
+              </a:defRPr>
+            </a:lvl6pPr>
+            <a:lvl7pPr marL="2743200" algn="l" defTabSz="914400" rtl="0" eaLnBrk="1" latinLnBrk="0" hangingPunct="1">
+              <a:defRPr sz="1800" kern="1200">
+                <a:solidFill>
+                  <a:schemeClr val="tx1"/>
+                </a:solidFill>
+                <a:latin typeface="+mn-lt"/>
+                <a:ea typeface="+mn-ea"/>
+                <a:cs typeface="+mn-cs"/>
+              </a:defRPr>
+            </a:lvl7pPr>
+            <a:lvl8pPr marL="3200400" algn="l" defTabSz="914400" rtl="0" eaLnBrk="1" latinLnBrk="0" hangingPunct="1">
+              <a:defRPr sz="1800" kern="1200">
+                <a:solidFill>
+                  <a:schemeClr val="tx1"/>
+                </a:solidFill>
+                <a:latin typeface="+mn-lt"/>
+                <a:ea typeface="+mn-ea"/>
+                <a:cs typeface="+mn-cs"/>
+              </a:defRPr>
+            </a:lvl8pPr>
+            <a:lvl9pPr marL="3657600" algn="l" defTabSz="914400" rtl="0" eaLnBrk="1" latinLnBrk="0" hangingPunct="1">
+              <a:defRPr sz="1800" kern="1200">
+                <a:solidFill>
+                  <a:schemeClr val="tx1"/>
+                </a:solidFill>
+                <a:latin typeface="+mn-lt"/>
+                <a:ea typeface="+mn-ea"/>
+                <a:cs typeface="+mn-cs"/>
+              </a:defRPr>
+            </a:lvl9pPr>
+          </a:lstStyle>
+          <a:p>
+            <a:fld id="{BC151626-B486-4759-B266-03B675213B53}" type="slidenum">
+              <a:rPr lang="en-US" smtClean="0"/>
+              <a:pPr/>
+              <a:t>2</a:t>
+            </a:fld>
+            <a:endParaRPr lang="en-US" dirty="0"/>
+          </a:p>
+        </p:txBody>
+      </p:sp>
+      <p:pic>
+        <p:nvPicPr>
+          <p:cNvPr id="45" name="Picture 44"/>
+          <p:cNvPicPr>
+            <a:picLocks noChangeAspect="1"/>
+          </p:cNvPicPr>
+          <p:nvPr/>
+        </p:nvPicPr>
+        <p:blipFill>
+          <a:blip r:embed="rId3" cstate="print">
+            <a:extLst>
+              <a:ext uri="{28A0092B-C50C-407E-A947-70E740481C1C}">
+                <a14:useLocalDpi xmlns:a14="http://schemas.microsoft.com/office/drawing/2010/main" val="0"/>
+              </a:ext>
+            </a:extLst>
+          </a:blip>
+          <a:stretch>
+            <a:fillRect/>
+          </a:stretch>
+        </p:blipFill>
+        <p:spPr>
+          <a:xfrm>
+            <a:off x="2514600" y="1248617"/>
+            <a:ext cx="3985381" cy="705377"/>
+          </a:xfrm>
+          <a:prstGeom prst="rect">
+            <a:avLst/>
+          </a:prstGeom>
+          <a:solidFill>
+            <a:schemeClr val="bg1"/>
+          </a:solidFill>
+        </p:spPr>
+      </p:pic>
+      <p:sp>
+        <p:nvSpPr>
+          <p:cNvPr id="22" name="Rectangle 21"/>
+          <p:cNvSpPr/>
+          <p:nvPr/>
+        </p:nvSpPr>
+        <p:spPr bwMode="auto">
+          <a:xfrm>
+            <a:off x="4796125" y="1919530"/>
+            <a:ext cx="1842891" cy="523220"/>
+          </a:xfrm>
+          <a:prstGeom prst="rect">
+            <a:avLst/>
+          </a:prstGeom>
+          <a:noFill/>
+          <a:ln>
+            <a:noFill/>
+          </a:ln>
+        </p:spPr>
+        <p:style>
+          <a:lnRef idx="2">
+            <a:schemeClr val="accent6"/>
+          </a:lnRef>
+          <a:fillRef idx="1">
+            <a:schemeClr val="lt1"/>
+          </a:fillRef>
+          <a:effectRef idx="0">
+            <a:schemeClr val="accent6"/>
+          </a:effectRef>
+          <a:fontRef idx="minor">
+            <a:schemeClr val="dk1"/>
+          </a:fontRef>
+        </p:style>
+        <p:txBody>
+          <a:bodyPr wrap="square" lIns="89648" tIns="44824" rIns="44824" bIns="44824" anchor="b" anchorCtr="0">
+            <a:spAutoFit/>
+          </a:bodyPr>
+          <a:lstStyle/>
+          <a:p>
+            <a:pPr>
+              <a:spcBef>
+                <a:spcPts val="600"/>
+              </a:spcBef>
+              <a:defRPr/>
+            </a:pPr>
+            <a:r>
+              <a:rPr lang="en-US" sz="1400" b="1" dirty="0">
+                <a:solidFill>
+                  <a:schemeClr val="accent3"/>
+                </a:solidFill>
+                <a:latin typeface="+mj-lt"/>
+              </a:rPr>
+              <a:t>$332.885B</a:t>
+            </a:r>
+            <a:br>
+              <a:rPr lang="en-US" sz="1400" dirty="0">
+                <a:solidFill>
+                  <a:schemeClr val="accent3"/>
+                </a:solidFill>
+                <a:latin typeface="+mj-lt"/>
+              </a:rPr>
+            </a:br>
+            <a:r>
+              <a:rPr lang="en-US" sz="1400" dirty="0">
+                <a:solidFill>
+                  <a:schemeClr val="accent3"/>
+                </a:solidFill>
+                <a:latin typeface="+mj-lt"/>
+              </a:rPr>
+              <a:t>FY20 revenue</a:t>
+            </a:r>
+          </a:p>
+        </p:txBody>
+      </p:sp>
+      <p:sp>
+        <p:nvSpPr>
+          <p:cNvPr id="24" name="Rectangle 23"/>
+          <p:cNvSpPr/>
+          <p:nvPr/>
+        </p:nvSpPr>
+        <p:spPr bwMode="auto">
+          <a:xfrm>
+            <a:off x="2438400" y="1919530"/>
+            <a:ext cx="1842891" cy="523220"/>
+          </a:xfrm>
+          <a:prstGeom prst="rect">
+            <a:avLst/>
+          </a:prstGeom>
+          <a:noFill/>
+          <a:ln>
+            <a:noFill/>
+          </a:ln>
+        </p:spPr>
+        <p:style>
+          <a:lnRef idx="2">
+            <a:schemeClr val="accent6"/>
+          </a:lnRef>
+          <a:fillRef idx="1">
+            <a:schemeClr val="lt1"/>
+          </a:fillRef>
+          <a:effectRef idx="0">
+            <a:schemeClr val="accent6"/>
+          </a:effectRef>
+          <a:fontRef idx="minor">
+            <a:schemeClr val="dk1"/>
+          </a:fontRef>
+        </p:style>
+        <p:txBody>
+          <a:bodyPr wrap="square" lIns="89648" tIns="44824" rIns="44824" bIns="44824" anchor="b" anchorCtr="0">
+            <a:spAutoFit/>
+          </a:bodyPr>
+          <a:lstStyle/>
+          <a:p>
+            <a:pPr algn="r">
+              <a:spcBef>
+                <a:spcPts val="600"/>
+              </a:spcBef>
+              <a:defRPr/>
+            </a:pPr>
+            <a:r>
+              <a:rPr lang="en-US" sz="1400" dirty="0">
+                <a:solidFill>
+                  <a:schemeClr val="accent3"/>
+                </a:solidFill>
+                <a:latin typeface="+mj-lt"/>
+              </a:rPr>
+              <a:t>Ranked</a:t>
+            </a:r>
+            <a:r>
+              <a:rPr lang="en-US" sz="1400" b="1" dirty="0">
+                <a:solidFill>
+                  <a:schemeClr val="accent3"/>
+                </a:solidFill>
+                <a:latin typeface="+mj-lt"/>
+              </a:rPr>
+              <a:t> 7th</a:t>
+            </a:r>
+            <a:r>
+              <a:rPr lang="en-US" sz="1400" dirty="0">
+                <a:solidFill>
+                  <a:schemeClr val="accent3"/>
+                </a:solidFill>
+                <a:latin typeface="+mj-lt"/>
+              </a:rPr>
+              <a:t> </a:t>
+            </a:r>
+            <a:br>
+              <a:rPr lang="en-US" sz="1400" dirty="0">
+                <a:solidFill>
+                  <a:schemeClr val="accent3"/>
+                </a:solidFill>
+                <a:latin typeface="+mj-lt"/>
+              </a:rPr>
+            </a:br>
+            <a:r>
+              <a:rPr lang="en-US" sz="1400" dirty="0">
+                <a:solidFill>
+                  <a:schemeClr val="accent3"/>
+                </a:solidFill>
+                <a:latin typeface="+mj-lt"/>
+              </a:rPr>
+              <a:t>of the Fortune 500</a:t>
+            </a:r>
+          </a:p>
+        </p:txBody>
+      </p:sp>
+      <p:cxnSp>
+        <p:nvCxnSpPr>
+          <p:cNvPr id="25" name="Straight Connector 24"/>
+          <p:cNvCxnSpPr/>
+          <p:nvPr/>
+        </p:nvCxnSpPr>
+        <p:spPr>
+          <a:xfrm>
+            <a:off x="4550287" y="1894762"/>
+            <a:ext cx="9905" cy="699984"/>
+          </a:xfrm>
+          <a:prstGeom prst="line">
+            <a:avLst/>
+          </a:prstGeom>
+          <a:ln w="12700">
+            <a:solidFill>
+              <a:schemeClr val="accent5"/>
+            </a:solidFill>
+          </a:ln>
+        </p:spPr>
+        <p:style>
+          <a:lnRef idx="1">
+            <a:schemeClr val="accent1"/>
+          </a:lnRef>
+          <a:fillRef idx="0">
+            <a:schemeClr val="accent1"/>
+          </a:fillRef>
+          <a:effectRef idx="0">
+            <a:schemeClr val="accent1"/>
+          </a:effectRef>
+          <a:fontRef idx="minor">
+            <a:schemeClr val="tx1"/>
+          </a:fontRef>
+        </p:style>
+      </p:cxnSp>
+      <p:sp>
+        <p:nvSpPr>
+          <p:cNvPr id="37" name="Rectangle 2"/>
+          <p:cNvSpPr>
+            <a:spLocks noChangeArrowheads="1"/>
+          </p:cNvSpPr>
+          <p:nvPr/>
+        </p:nvSpPr>
+        <p:spPr bwMode="auto">
+          <a:xfrm>
+            <a:off x="257175" y="3648918"/>
+            <a:ext cx="3171825" cy="266700"/>
+          </a:xfrm>
+          <a:prstGeom prst="rect">
+            <a:avLst/>
+          </a:prstGeom>
+          <a:noFill/>
+          <a:ln>
+            <a:noFill/>
+          </a:ln>
+          <a:extLst>
+            <a:ext uri="{909E8E84-426E-40DD-AFC4-6F175D3DCCD1}">
+              <a14:hiddenFill xmlns:a14="http://schemas.microsoft.com/office/drawing/2010/main">
+                <a:solidFill>
+                  <a:srgbClr val="FFFFFF"/>
+                </a:solidFill>
+              </a14:hiddenFill>
+            </a:ext>
+            <a:ext uri="{91240B29-F687-4F45-9708-019B960494DF}">
+              <a14:hiddenLine xmlns:a14="http://schemas.microsoft.com/office/drawing/2010/main" w="9525">
+                <a:solidFill>
+                  <a:srgbClr val="000000"/>
+                </a:solidFill>
+                <a:miter lim="800000"/>
+                <a:headEnd/>
+                <a:tailEnd/>
+              </a14:hiddenLine>
+            </a:ext>
+          </a:extLst>
+        </p:spPr>
+        <p:txBody>
+          <a:bodyPr lIns="81640" tIns="40820" rIns="81640" bIns="40820">
+            <a:spAutoFit/>
+          </a:bodyPr>
+          <a:lstStyle/>
+          <a:p>
+            <a:pPr algn="ctr"/>
+            <a:r>
+              <a:rPr lang="en-US" sz="1200" dirty="0">
+                <a:solidFill>
+                  <a:srgbClr val="003DA1"/>
+                </a:solidFill>
+                <a:cs typeface="Arial" charset="0"/>
+              </a:rPr>
+              <a:t>Health Benefits</a:t>
+            </a:r>
+          </a:p>
+        </p:txBody>
+      </p:sp>
+      <p:sp>
+        <p:nvSpPr>
+          <p:cNvPr id="38" name="Rectangle 37"/>
+          <p:cNvSpPr>
+            <a:spLocks noChangeArrowheads="1"/>
+          </p:cNvSpPr>
+          <p:nvPr/>
+        </p:nvSpPr>
+        <p:spPr bwMode="auto">
+          <a:xfrm>
+            <a:off x="6705600" y="3699647"/>
+            <a:ext cx="2097088" cy="267103"/>
+          </a:xfrm>
+          <a:prstGeom prst="rect">
+            <a:avLst/>
+          </a:prstGeom>
+          <a:noFill/>
+          <a:ln>
+            <a:noFill/>
+          </a:ln>
+          <a:extLst>
+            <a:ext uri="{909E8E84-426E-40DD-AFC4-6F175D3DCCD1}">
+              <a14:hiddenFill xmlns:a14="http://schemas.microsoft.com/office/drawing/2010/main">
+                <a:solidFill>
+                  <a:srgbClr val="FFFFFF"/>
+                </a:solidFill>
+              </a14:hiddenFill>
+            </a:ext>
+            <a:ext uri="{91240B29-F687-4F45-9708-019B960494DF}">
+              <a14:hiddenLine xmlns:a14="http://schemas.microsoft.com/office/drawing/2010/main" w="9525">
+                <a:solidFill>
+                  <a:srgbClr val="000000"/>
+                </a:solidFill>
+                <a:miter lim="800000"/>
+                <a:headEnd/>
+                <a:tailEnd/>
+              </a14:hiddenLine>
+            </a:ext>
+          </a:extLst>
+        </p:spPr>
+        <p:txBody>
+          <a:bodyPr wrap="square" lIns="81640" tIns="40820" rIns="81640" bIns="40820">
+            <a:spAutoFit/>
+          </a:bodyPr>
+          <a:lstStyle/>
+          <a:p>
+            <a:r>
+              <a:rPr lang="en-US" sz="1200" dirty="0">
+                <a:solidFill>
+                  <a:srgbClr val="E87722"/>
+                </a:solidFill>
+                <a:cs typeface="Arial" charset="0"/>
+              </a:rPr>
+              <a:t>Health Services</a:t>
+            </a:r>
+          </a:p>
+        </p:txBody>
+      </p:sp>
+      <p:sp>
+        <p:nvSpPr>
+          <p:cNvPr id="40" name="Rectangle 24"/>
+          <p:cNvSpPr>
+            <a:spLocks noChangeArrowheads="1"/>
+          </p:cNvSpPr>
+          <p:nvPr/>
+        </p:nvSpPr>
+        <p:spPr bwMode="auto">
+          <a:xfrm>
+            <a:off x="3657600" y="3137582"/>
+            <a:ext cx="1981200" cy="600164"/>
+          </a:xfrm>
+          <a:prstGeom prst="rect">
+            <a:avLst/>
+          </a:prstGeom>
+          <a:noFill/>
+          <a:ln>
+            <a:noFill/>
+          </a:ln>
+          <a:effectLst/>
+        </p:spPr>
+        <p:txBody>
+          <a:bodyPr wrap="square">
+            <a:spAutoFit/>
+          </a:bodyPr>
+          <a:lstStyle/>
+          <a:p>
+            <a:pPr algn="ctr" fontAlgn="auto">
+              <a:spcBef>
+                <a:spcPts val="0"/>
+              </a:spcBef>
+              <a:spcAft>
+                <a:spcPts val="0"/>
+              </a:spcAft>
+              <a:defRPr/>
+            </a:pPr>
+            <a:r>
+              <a:rPr lang="en-US" sz="1100" spc="9" dirty="0">
+                <a:solidFill>
+                  <a:schemeClr val="accent4"/>
+                </a:solidFill>
+                <a:cs typeface="+mn-cs"/>
+              </a:rPr>
+              <a:t>A diversified enterprise with </a:t>
+            </a:r>
+            <a:r>
+              <a:rPr lang="en-US" sz="1100" dirty="0">
+                <a:solidFill>
+                  <a:schemeClr val="accent4"/>
+                </a:solidFill>
+                <a:ea typeface="ＭＳ Ｐゴシック" pitchFamily="34" charset="-128"/>
+                <a:cs typeface="+mn-cs"/>
+              </a:rPr>
+              <a:t>complementary but distinct business platforms</a:t>
+            </a:r>
+          </a:p>
+        </p:txBody>
+      </p:sp>
+      <p:pic>
+        <p:nvPicPr>
+          <p:cNvPr id="43" name="Picture 9"/>
+          <p:cNvPicPr>
+            <a:picLocks noChangeAspect="1" noChangeArrowheads="1"/>
+          </p:cNvPicPr>
+          <p:nvPr/>
+        </p:nvPicPr>
+        <p:blipFill>
+          <a:blip r:embed="rId4">
+            <a:extLst>
+              <a:ext uri="{28A0092B-C50C-407E-A947-70E740481C1C}">
+                <a14:useLocalDpi xmlns:a14="http://schemas.microsoft.com/office/drawing/2010/main" val="0"/>
+              </a:ext>
+            </a:extLst>
+          </a:blip>
+          <a:srcRect/>
+          <a:stretch>
+            <a:fillRect/>
+          </a:stretch>
+        </p:blipFill>
+        <p:spPr bwMode="auto">
+          <a:xfrm>
+            <a:off x="533400" y="2983407"/>
+            <a:ext cx="2814185" cy="572938"/>
+          </a:xfrm>
+          <a:prstGeom prst="rect">
+            <a:avLst/>
+          </a:prstGeom>
+          <a:noFill/>
+          <a:ln>
+            <a:noFill/>
+          </a:ln>
+          <a:extLst>
+            <a:ext uri="{909E8E84-426E-40DD-AFC4-6F175D3DCCD1}">
+              <a14:hiddenFill xmlns:a14="http://schemas.microsoft.com/office/drawing/2010/main">
+                <a:solidFill>
+                  <a:srgbClr val="FFFFFF"/>
+                </a:solidFill>
+              </a14:hiddenFill>
+            </a:ext>
+            <a:ext uri="{91240B29-F687-4F45-9708-019B960494DF}">
+              <a14:hiddenLine xmlns:a14="http://schemas.microsoft.com/office/drawing/2010/main" w="9525">
+                <a:solidFill>
+                  <a:srgbClr val="000000"/>
+                </a:solidFill>
+                <a:miter lim="800000"/>
+                <a:headEnd/>
+                <a:tailEnd/>
+              </a14:hiddenLine>
+            </a:ext>
+          </a:extLst>
+        </p:spPr>
+      </p:pic>
+      <p:pic>
+        <p:nvPicPr>
+          <p:cNvPr id="44" name="Picture 2" descr="C:\Users\ckrame6\Desktop\OPTUM_®_RGB C6.png"/>
+          <p:cNvPicPr>
+            <a:picLocks noChangeAspect="1" noChangeArrowheads="1"/>
+          </p:cNvPicPr>
+          <p:nvPr/>
+        </p:nvPicPr>
+        <p:blipFill>
+          <a:blip r:embed="rId5" cstate="print">
+            <a:extLst>
+              <a:ext uri="{28A0092B-C50C-407E-A947-70E740481C1C}">
+                <a14:useLocalDpi xmlns:a14="http://schemas.microsoft.com/office/drawing/2010/main" val="0"/>
+              </a:ext>
+            </a:extLst>
+          </a:blip>
+          <a:srcRect/>
+          <a:stretch>
+            <a:fillRect/>
+          </a:stretch>
+        </p:blipFill>
+        <p:spPr bwMode="auto">
+          <a:xfrm>
+            <a:off x="6096000" y="2909182"/>
+            <a:ext cx="2292203" cy="694417"/>
+          </a:xfrm>
+          <a:prstGeom prst="rect">
+            <a:avLst/>
+          </a:prstGeom>
+          <a:noFill/>
+          <a:ln>
+            <a:noFill/>
+          </a:ln>
+          <a:extLst>
+            <a:ext uri="{909E8E84-426E-40DD-AFC4-6F175D3DCCD1}">
+              <a14:hiddenFill xmlns:a14="http://schemas.microsoft.com/office/drawing/2010/main">
+                <a:solidFill>
+                  <a:srgbClr val="FFFFFF"/>
+                </a:solidFill>
+              </a14:hiddenFill>
+            </a:ext>
+            <a:ext uri="{91240B29-F687-4F45-9708-019B960494DF}">
+              <a14:hiddenLine xmlns:a14="http://schemas.microsoft.com/office/drawing/2010/main" w="9525">
+                <a:solidFill>
+                  <a:srgbClr val="000000"/>
+                </a:solidFill>
+                <a:miter lim="800000"/>
+                <a:headEnd/>
+                <a:tailEnd/>
+              </a14:hiddenLine>
+            </a:ext>
+          </a:extLst>
+        </p:spPr>
+      </p:pic>
+      <p:cxnSp>
+        <p:nvCxnSpPr>
+          <p:cNvPr id="10" name="Straight Connector 9"/>
+          <p:cNvCxnSpPr/>
+          <p:nvPr/>
+        </p:nvCxnSpPr>
+        <p:spPr>
+          <a:xfrm>
+            <a:off x="1828800" y="2594746"/>
+            <a:ext cx="5486400" cy="0"/>
+          </a:xfrm>
+          <a:prstGeom prst="line">
+            <a:avLst/>
+          </a:prstGeom>
+          <a:ln w="12700" cmpd="sng">
+            <a:solidFill>
+              <a:schemeClr val="accent5"/>
+            </a:solidFill>
+          </a:ln>
+        </p:spPr>
+        <p:style>
+          <a:lnRef idx="1">
+            <a:schemeClr val="accent1"/>
+          </a:lnRef>
+          <a:fillRef idx="0">
+            <a:schemeClr val="accent1"/>
+          </a:fillRef>
+          <a:effectRef idx="0">
+            <a:schemeClr val="accent1"/>
+          </a:effectRef>
+          <a:fontRef idx="minor">
+            <a:schemeClr val="tx1"/>
+          </a:fontRef>
+        </p:style>
+      </p:cxnSp>
+      <p:cxnSp>
+        <p:nvCxnSpPr>
+          <p:cNvPr id="49" name="Straight Arrow Connector 48"/>
+          <p:cNvCxnSpPr/>
+          <p:nvPr/>
+        </p:nvCxnSpPr>
+        <p:spPr>
+          <a:xfrm>
+            <a:off x="1828800" y="2594746"/>
+            <a:ext cx="0" cy="279732"/>
+          </a:xfrm>
+          <a:prstGeom prst="straightConnector1">
+            <a:avLst/>
+          </a:prstGeom>
+          <a:ln>
+            <a:solidFill>
+              <a:schemeClr val="accent5"/>
+            </a:solidFill>
+            <a:headEnd type="none"/>
+            <a:tailEnd type="oval"/>
+          </a:ln>
+        </p:spPr>
+        <p:style>
+          <a:lnRef idx="1">
+            <a:schemeClr val="accent1"/>
+          </a:lnRef>
+          <a:fillRef idx="0">
+            <a:schemeClr val="accent1"/>
+          </a:fillRef>
+          <a:effectRef idx="0">
+            <a:schemeClr val="accent1"/>
+          </a:effectRef>
+          <a:fontRef idx="minor">
+            <a:schemeClr val="tx1"/>
+          </a:fontRef>
+        </p:style>
+      </p:cxnSp>
+      <p:cxnSp>
+        <p:nvCxnSpPr>
+          <p:cNvPr id="54" name="Straight Arrow Connector 53"/>
+          <p:cNvCxnSpPr/>
+          <p:nvPr/>
+        </p:nvCxnSpPr>
+        <p:spPr>
+          <a:xfrm>
+            <a:off x="7315200" y="2594746"/>
+            <a:ext cx="0" cy="279732"/>
+          </a:xfrm>
+          <a:prstGeom prst="straightConnector1">
+            <a:avLst/>
+          </a:prstGeom>
+          <a:ln>
+            <a:solidFill>
+              <a:schemeClr val="accent5"/>
+            </a:solidFill>
+            <a:headEnd type="none"/>
+            <a:tailEnd type="oval"/>
+          </a:ln>
+        </p:spPr>
+        <p:style>
+          <a:lnRef idx="1">
+            <a:schemeClr val="accent1"/>
+          </a:lnRef>
+          <a:fillRef idx="0">
+            <a:schemeClr val="accent1"/>
+          </a:fillRef>
+          <a:effectRef idx="0">
+            <a:schemeClr val="accent1"/>
+          </a:effectRef>
+          <a:fontRef idx="minor">
+            <a:schemeClr val="tx1"/>
+          </a:fontRef>
+        </p:style>
+      </p:cxnSp>
+      <p:cxnSp>
+        <p:nvCxnSpPr>
+          <p:cNvPr id="21" name="Straight Connector 20"/>
+          <p:cNvCxnSpPr/>
+          <p:nvPr/>
+        </p:nvCxnSpPr>
+        <p:spPr>
+          <a:xfrm>
+            <a:off x="3581400" y="3128146"/>
+            <a:ext cx="0" cy="620105"/>
+          </a:xfrm>
+          <a:prstGeom prst="line">
+            <a:avLst/>
+          </a:prstGeom>
+          <a:ln w="12700">
+            <a:solidFill>
+              <a:schemeClr val="accent5"/>
+            </a:solidFill>
+          </a:ln>
+        </p:spPr>
+        <p:style>
+          <a:lnRef idx="1">
+            <a:schemeClr val="accent1"/>
+          </a:lnRef>
+          <a:fillRef idx="0">
+            <a:schemeClr val="accent1"/>
+          </a:fillRef>
+          <a:effectRef idx="0">
+            <a:schemeClr val="accent1"/>
+          </a:effectRef>
+          <a:fontRef idx="minor">
+            <a:schemeClr val="tx1"/>
+          </a:fontRef>
+        </p:style>
+      </p:cxnSp>
+      <p:cxnSp>
+        <p:nvCxnSpPr>
+          <p:cNvPr id="23" name="Straight Connector 22"/>
+          <p:cNvCxnSpPr/>
+          <p:nvPr/>
+        </p:nvCxnSpPr>
+        <p:spPr>
+          <a:xfrm>
+            <a:off x="5791200" y="3163071"/>
+            <a:ext cx="0" cy="620105"/>
+          </a:xfrm>
+          <a:prstGeom prst="line">
+            <a:avLst/>
+          </a:prstGeom>
+          <a:ln w="12700">
+            <a:solidFill>
+              <a:schemeClr val="accent5"/>
+            </a:solidFill>
+          </a:ln>
+        </p:spPr>
+        <p:style>
+          <a:lnRef idx="1">
+            <a:schemeClr val="accent1"/>
+          </a:lnRef>
+          <a:fillRef idx="0">
+            <a:schemeClr val="accent1"/>
+          </a:fillRef>
+          <a:effectRef idx="0">
+            <a:schemeClr val="accent1"/>
+          </a:effectRef>
+          <a:fontRef idx="minor">
+            <a:schemeClr val="tx1"/>
+          </a:fontRef>
+        </p:style>
+      </p:cxnSp>
+      <p:graphicFrame>
+        <p:nvGraphicFramePr>
+          <p:cNvPr id="33" name="Table 32"/>
+          <p:cNvGraphicFramePr>
+            <a:graphicFrameLocks noGrp="1"/>
+          </p:cNvGraphicFramePr>
+          <p:nvPr>
+            <p:extLst>
+              <p:ext uri="{D42A27DB-BD31-4B8C-83A1-F6EECF244321}">
+                <p14:modId xmlns:p14="http://schemas.microsoft.com/office/powerpoint/2010/main" val="274828414"/>
+              </p:ext>
+            </p:extLst>
+          </p:nvPr>
+        </p:nvGraphicFramePr>
+        <p:xfrm>
+          <a:off x="1524000" y="5673630"/>
+          <a:ext cx="6096000" cy="274320"/>
+        </p:xfrm>
+        <a:graphic>
+          <a:graphicData uri="http://schemas.openxmlformats.org/drawingml/2006/table">
+            <a:tbl>
+              <a:tblPr firstRow="1" bandRow="1">
+                <a:tableStyleId>{5C22544A-7EE6-4342-B048-85BDC9FD1C3A}</a:tableStyleId>
+              </a:tblPr>
+              <a:tblGrid>
+                <a:gridCol w="1219200">
+                  <a:extLst>
+                    <a:ext uri="{9D8B030D-6E8A-4147-A177-3AD203B41FA5}">
+                      <a16:colId xmlns:a16="http://schemas.microsoft.com/office/drawing/2014/main" val="20000"/>
+                    </a:ext>
+                  </a:extLst>
+                </a:gridCol>
+                <a:gridCol w="1219200">
+                  <a:extLst>
+                    <a:ext uri="{9D8B030D-6E8A-4147-A177-3AD203B41FA5}">
+                      <a16:colId xmlns:a16="http://schemas.microsoft.com/office/drawing/2014/main" val="20001"/>
+                    </a:ext>
+                  </a:extLst>
+                </a:gridCol>
+                <a:gridCol w="1219200">
+                  <a:extLst>
+                    <a:ext uri="{9D8B030D-6E8A-4147-A177-3AD203B41FA5}">
+                      <a16:colId xmlns:a16="http://schemas.microsoft.com/office/drawing/2014/main" val="20002"/>
+                    </a:ext>
+                  </a:extLst>
+                </a:gridCol>
+                <a:gridCol w="1219200">
+                  <a:extLst>
+                    <a:ext uri="{9D8B030D-6E8A-4147-A177-3AD203B41FA5}">
+                      <a16:colId xmlns:a16="http://schemas.microsoft.com/office/drawing/2014/main" val="20003"/>
+                    </a:ext>
+                  </a:extLst>
+                </a:gridCol>
+                <a:gridCol w="1219200">
+                  <a:extLst>
+                    <a:ext uri="{9D8B030D-6E8A-4147-A177-3AD203B41FA5}">
+                      <a16:colId xmlns:a16="http://schemas.microsoft.com/office/drawing/2014/main" val="20004"/>
+                    </a:ext>
+                  </a:extLst>
+                </a:gridCol>
+              </a:tblGrid>
+              <a:tr h="228600">
+                <a:tc>
+                  <a:txBody>
+                    <a:bodyPr/>
+                    <a:lstStyle/>
+                    <a:p>
+                      <a:pPr marL="0" marR="0" indent="0" algn="ctr" defTabSz="699463" rtl="0" eaLnBrk="1" fontAlgn="auto" latinLnBrk="0" hangingPunct="1">
+                        <a:lnSpc>
+                          <a:spcPct val="100000"/>
+                        </a:lnSpc>
+                        <a:spcBef>
+                          <a:spcPts val="0"/>
+                        </a:spcBef>
+                        <a:spcAft>
+                          <a:spcPts val="0"/>
+                        </a:spcAft>
+                        <a:buClrTx/>
+                        <a:buSzTx/>
+                        <a:buFontTx/>
+                        <a:buNone/>
+                        <a:tabLst/>
+                        <a:defRPr/>
+                      </a:pPr>
+                      <a:r>
+                        <a:rPr lang="en-US" sz="1200" b="0" kern="1200" spc="20" dirty="0">
+                          <a:solidFill>
+                            <a:srgbClr val="63666A"/>
+                          </a:solidFill>
+                          <a:latin typeface="+mn-lt"/>
+                          <a:ea typeface="+mn-ea"/>
+                          <a:cs typeface="+mn-cs"/>
+                        </a:rPr>
+                        <a:t>Integrity</a:t>
+                      </a:r>
+                    </a:p>
+                  </a:txBody>
+                  <a:tcPr anchor="ctr">
+                    <a:lnL w="12700" cmpd="sng">
+                      <a:noFill/>
+                    </a:lnL>
+                    <a:lnR w="6350" cap="flat" cmpd="sng" algn="ctr">
+                      <a:solidFill>
+                        <a:srgbClr val="888B8D"/>
+                      </a:solidFill>
+                      <a:prstDash val="solid"/>
+                      <a:round/>
+                      <a:headEnd type="none" w="med" len="med"/>
+                      <a:tailEnd type="none" w="med" len="med"/>
+                    </a:lnR>
+                    <a:lnT w="12700" cmpd="sng">
+                      <a:noFill/>
+                    </a:lnT>
+                    <a:lnB w="38100" cmpd="sng">
+                      <a:noFill/>
+                    </a:lnB>
+                    <a:lnTlToBr w="12700" cmpd="sng">
+                      <a:noFill/>
+                      <a:prstDash val="solid"/>
+                    </a:lnTlToBr>
+                    <a:lnBlToTr w="12700" cmpd="sng">
+                      <a:noFill/>
+                      <a:prstDash val="solid"/>
+                    </a:lnBlToTr>
+                    <a:noFill/>
+                  </a:tcPr>
+                </a:tc>
+                <a:tc>
+                  <a:txBody>
+                    <a:bodyPr/>
+                    <a:lstStyle/>
+                    <a:p>
+                      <a:pPr marL="0" marR="0" lvl="0" indent="0" algn="ctr" defTabSz="699463" rtl="0" eaLnBrk="1" fontAlgn="auto" latinLnBrk="0" hangingPunct="1">
+                        <a:lnSpc>
+                          <a:spcPct val="100000"/>
+                        </a:lnSpc>
+                        <a:spcBef>
+                          <a:spcPts val="0"/>
+                        </a:spcBef>
+                        <a:spcAft>
+                          <a:spcPts val="0"/>
+                        </a:spcAft>
+                        <a:buClrTx/>
+                        <a:buSzTx/>
+                        <a:buFontTx/>
+                        <a:buNone/>
+                        <a:tabLst/>
+                        <a:defRPr/>
+                      </a:pPr>
+                      <a:r>
+                        <a:rPr lang="en-US" sz="1200" b="0" spc="20" dirty="0">
+                          <a:solidFill>
+                            <a:srgbClr val="63666A"/>
+                          </a:solidFill>
+                        </a:rPr>
+                        <a:t>Compassion</a:t>
+                      </a:r>
+                      <a:endParaRPr kumimoji="0" lang="en-US" sz="1200" b="0" i="0" u="none" strike="noStrike" kern="1200" cap="none" spc="0" normalizeH="0" baseline="0" noProof="0" dirty="0">
+                        <a:ln>
+                          <a:noFill/>
+                        </a:ln>
+                        <a:solidFill>
+                          <a:srgbClr val="63666A"/>
+                        </a:solidFill>
+                        <a:effectLst/>
+                        <a:uLnTx/>
+                        <a:uFillTx/>
+                        <a:latin typeface="+mn-lt"/>
+                        <a:ea typeface="+mn-ea"/>
+                        <a:cs typeface="+mn-cs"/>
+                      </a:endParaRPr>
+                    </a:p>
+                  </a:txBody>
+                  <a:tcPr anchor="ctr">
+                    <a:lnL w="6350" cap="flat" cmpd="sng" algn="ctr">
+                      <a:solidFill>
+                        <a:srgbClr val="888B8D"/>
+                      </a:solidFill>
+                      <a:prstDash val="solid"/>
+                      <a:round/>
+                      <a:headEnd type="none" w="med" len="med"/>
+                      <a:tailEnd type="none" w="med" len="med"/>
+                    </a:lnL>
+                    <a:lnR w="6350" cap="flat" cmpd="sng" algn="ctr">
+                      <a:solidFill>
+                        <a:srgbClr val="888B8D"/>
+                      </a:solidFill>
+                      <a:prstDash val="solid"/>
+                      <a:round/>
+                      <a:headEnd type="none" w="med" len="med"/>
+                      <a:tailEnd type="none" w="med" len="med"/>
+                    </a:lnR>
+                    <a:lnT w="12700" cmpd="sng">
+                      <a:noFill/>
+                    </a:lnT>
+                    <a:lnB w="38100" cmpd="sng">
+                      <a:noFill/>
+                    </a:lnB>
+                    <a:lnTlToBr w="12700" cmpd="sng">
+                      <a:noFill/>
+                      <a:prstDash val="solid"/>
+                    </a:lnTlToBr>
+                    <a:lnBlToTr w="12700" cmpd="sng">
+                      <a:noFill/>
+                      <a:prstDash val="solid"/>
+                    </a:lnBlToTr>
+                    <a:noFill/>
+                  </a:tcPr>
+                </a:tc>
+                <a:tc>
+                  <a:txBody>
+                    <a:bodyPr/>
+                    <a:lstStyle/>
+                    <a:p>
+                      <a:pPr marL="0" marR="0" lvl="0" indent="0" algn="ctr" defTabSz="699463" rtl="0" eaLnBrk="1" fontAlgn="auto" latinLnBrk="0" hangingPunct="1">
+                        <a:lnSpc>
+                          <a:spcPct val="100000"/>
+                        </a:lnSpc>
+                        <a:spcBef>
+                          <a:spcPts val="0"/>
+                        </a:spcBef>
+                        <a:spcAft>
+                          <a:spcPts val="0"/>
+                        </a:spcAft>
+                        <a:buClrTx/>
+                        <a:buSzTx/>
+                        <a:buFontTx/>
+                        <a:buNone/>
+                        <a:tabLst/>
+                        <a:defRPr/>
+                      </a:pPr>
+                      <a:r>
+                        <a:rPr lang="en-US" sz="1200" b="0" dirty="0">
+                          <a:solidFill>
+                            <a:srgbClr val="63666A"/>
+                          </a:solidFill>
+                          <a:cs typeface="Arial" pitchFamily="34" charset="0"/>
+                        </a:rPr>
+                        <a:t>Relationships</a:t>
+                      </a:r>
+                      <a:endParaRPr kumimoji="0" lang="en-US" sz="1200" b="0" i="0" u="none" strike="noStrike" kern="1200" cap="none" spc="0" normalizeH="0" baseline="0" noProof="0" dirty="0">
+                        <a:ln>
+                          <a:noFill/>
+                        </a:ln>
+                        <a:solidFill>
+                          <a:srgbClr val="63666A"/>
+                        </a:solidFill>
+                        <a:effectLst/>
+                        <a:uLnTx/>
+                        <a:uFillTx/>
+                        <a:latin typeface="+mn-lt"/>
+                        <a:ea typeface="+mn-ea"/>
+                        <a:cs typeface="+mn-cs"/>
+                      </a:endParaRPr>
+                    </a:p>
+                  </a:txBody>
+                  <a:tcPr anchor="ctr">
+                    <a:lnL w="6350" cap="flat" cmpd="sng" algn="ctr">
+                      <a:solidFill>
+                        <a:srgbClr val="888B8D"/>
+                      </a:solidFill>
+                      <a:prstDash val="solid"/>
+                      <a:round/>
+                      <a:headEnd type="none" w="med" len="med"/>
+                      <a:tailEnd type="none" w="med" len="med"/>
+                    </a:lnL>
+                    <a:lnR w="6350" cap="flat" cmpd="sng" algn="ctr">
+                      <a:solidFill>
+                        <a:srgbClr val="888B8D"/>
+                      </a:solidFill>
+                      <a:prstDash val="solid"/>
+                      <a:round/>
+                      <a:headEnd type="none" w="med" len="med"/>
+                      <a:tailEnd type="none" w="med" len="med"/>
+                    </a:lnR>
+                    <a:lnT w="12700" cmpd="sng">
+                      <a:noFill/>
+                    </a:lnT>
+                    <a:lnB w="38100" cmpd="sng">
+                      <a:noFill/>
+                    </a:lnB>
+                    <a:lnTlToBr w="12700" cmpd="sng">
+                      <a:noFill/>
+                      <a:prstDash val="solid"/>
+                    </a:lnTlToBr>
+                    <a:lnBlToTr w="12700" cmpd="sng">
+                      <a:noFill/>
+                      <a:prstDash val="solid"/>
+                    </a:lnBlToTr>
+                    <a:noFill/>
+                  </a:tcPr>
+                </a:tc>
+                <a:tc>
+                  <a:txBody>
+                    <a:bodyPr/>
+                    <a:lstStyle/>
+                    <a:p>
+                      <a:pPr marL="0" marR="0" lvl="0" indent="0" algn="ctr" defTabSz="699463" rtl="0" eaLnBrk="1" fontAlgn="auto" latinLnBrk="0" hangingPunct="1">
+                        <a:lnSpc>
+                          <a:spcPct val="100000"/>
+                        </a:lnSpc>
+                        <a:spcBef>
+                          <a:spcPts val="0"/>
+                        </a:spcBef>
+                        <a:spcAft>
+                          <a:spcPts val="0"/>
+                        </a:spcAft>
+                        <a:buClrTx/>
+                        <a:buSzTx/>
+                        <a:buFontTx/>
+                        <a:buNone/>
+                        <a:tabLst/>
+                        <a:defRPr/>
+                      </a:pPr>
+                      <a:r>
+                        <a:rPr lang="en-US" sz="1200" b="0" kern="1200" spc="20" dirty="0">
+                          <a:solidFill>
+                            <a:srgbClr val="63666A"/>
+                          </a:solidFill>
+                          <a:latin typeface="+mn-lt"/>
+                          <a:ea typeface="+mn-ea"/>
+                          <a:cs typeface="+mn-cs"/>
+                        </a:rPr>
+                        <a:t>Innovation</a:t>
+                      </a:r>
+                      <a:endParaRPr kumimoji="0" lang="en-US" sz="1200" b="0" i="0" u="none" strike="noStrike" kern="1200" cap="none" spc="0" normalizeH="0" baseline="0" noProof="0" dirty="0">
+                        <a:ln>
+                          <a:noFill/>
+                        </a:ln>
+                        <a:solidFill>
+                          <a:srgbClr val="63666A"/>
+                        </a:solidFill>
+                        <a:effectLst/>
+                        <a:uLnTx/>
+                        <a:uFillTx/>
+                        <a:latin typeface="+mn-lt"/>
+                        <a:ea typeface="+mn-ea"/>
+                        <a:cs typeface="+mn-cs"/>
+                      </a:endParaRPr>
+                    </a:p>
+                  </a:txBody>
+                  <a:tcPr anchor="ctr">
+                    <a:lnL w="6350" cap="flat" cmpd="sng" algn="ctr">
+                      <a:solidFill>
+                        <a:srgbClr val="888B8D"/>
+                      </a:solidFill>
+                      <a:prstDash val="solid"/>
+                      <a:round/>
+                      <a:headEnd type="none" w="med" len="med"/>
+                      <a:tailEnd type="none" w="med" len="med"/>
+                    </a:lnL>
+                    <a:lnR w="6350" cap="flat" cmpd="sng" algn="ctr">
+                      <a:solidFill>
+                        <a:srgbClr val="888B8D"/>
+                      </a:solidFill>
+                      <a:prstDash val="solid"/>
+                      <a:round/>
+                      <a:headEnd type="none" w="med" len="med"/>
+                      <a:tailEnd type="none" w="med" len="med"/>
+                    </a:lnR>
+                    <a:lnT w="12700" cmpd="sng">
+                      <a:noFill/>
+                    </a:lnT>
+                    <a:lnB w="38100" cmpd="sng">
+                      <a:noFill/>
+                    </a:lnB>
+                    <a:lnTlToBr w="12700" cmpd="sng">
+                      <a:noFill/>
+                      <a:prstDash val="solid"/>
+                    </a:lnTlToBr>
+                    <a:lnBlToTr w="12700" cmpd="sng">
+                      <a:noFill/>
+                      <a:prstDash val="solid"/>
+                    </a:lnBlToTr>
+                    <a:noFill/>
+                  </a:tcPr>
+                </a:tc>
+                <a:tc>
+                  <a:txBody>
+                    <a:bodyPr/>
+                    <a:lstStyle/>
+                    <a:p>
+                      <a:pPr marL="0" marR="0" lvl="0" indent="0" algn="ctr" defTabSz="699463" rtl="0" eaLnBrk="1" fontAlgn="auto" latinLnBrk="0" hangingPunct="1">
+                        <a:lnSpc>
+                          <a:spcPct val="100000"/>
+                        </a:lnSpc>
+                        <a:spcBef>
+                          <a:spcPts val="0"/>
+                        </a:spcBef>
+                        <a:spcAft>
+                          <a:spcPts val="0"/>
+                        </a:spcAft>
+                        <a:buClrTx/>
+                        <a:buSzTx/>
+                        <a:buFontTx/>
+                        <a:buNone/>
+                        <a:tabLst/>
+                        <a:defRPr/>
+                      </a:pPr>
+                      <a:r>
+                        <a:rPr lang="en-US" sz="1200" b="0" dirty="0">
+                          <a:solidFill>
+                            <a:srgbClr val="63666A"/>
+                          </a:solidFill>
+                        </a:rPr>
+                        <a:t>Performance</a:t>
+                      </a:r>
+                      <a:endParaRPr kumimoji="0" lang="en-US" sz="1200" b="0" i="0" u="none" strike="noStrike" kern="1200" cap="none" spc="0" normalizeH="0" baseline="0" noProof="0" dirty="0">
+                        <a:ln>
+                          <a:noFill/>
+                        </a:ln>
+                        <a:solidFill>
+                          <a:srgbClr val="63666A"/>
+                        </a:solidFill>
+                        <a:effectLst/>
+                        <a:uLnTx/>
+                        <a:uFillTx/>
+                        <a:latin typeface="+mn-lt"/>
+                        <a:ea typeface="+mn-ea"/>
+                        <a:cs typeface="+mn-cs"/>
+                      </a:endParaRPr>
+                    </a:p>
+                  </a:txBody>
+                  <a:tcPr anchor="ctr">
+                    <a:lnL w="6350" cap="flat" cmpd="sng" algn="ctr">
+                      <a:solidFill>
+                        <a:srgbClr val="888B8D"/>
+                      </a:solidFill>
+                      <a:prstDash val="solid"/>
+                      <a:round/>
+                      <a:headEnd type="none" w="med" len="med"/>
+                      <a:tailEnd type="none" w="med" len="med"/>
+                    </a:lnL>
+                    <a:lnR w="12700" cap="flat" cmpd="sng" algn="ctr">
+                      <a:noFill/>
+                      <a:prstDash val="solid"/>
+                      <a:round/>
+                      <a:headEnd type="none" w="med" len="med"/>
+                      <a:tailEnd type="none" w="med" len="med"/>
+                    </a:lnR>
+                    <a:lnT w="12700" cmpd="sng">
+                      <a:noFill/>
+                    </a:lnT>
+                    <a:lnB w="38100" cmpd="sng">
+                      <a:noFill/>
+                    </a:lnB>
+                    <a:lnTlToBr w="12700" cmpd="sng">
+                      <a:noFill/>
+                      <a:prstDash val="solid"/>
+                    </a:lnTlToBr>
+                    <a:lnBlToTr w="12700" cmpd="sng">
+                      <a:noFill/>
+                      <a:prstDash val="solid"/>
+                    </a:lnBlToTr>
+                    <a:noFill/>
+                  </a:tcPr>
+                </a:tc>
+                <a:extLst>
+                  <a:ext uri="{0D108BD9-81ED-4DB2-BD59-A6C34878D82A}">
+                    <a16:rowId xmlns:a16="http://schemas.microsoft.com/office/drawing/2014/main" val="10000"/>
+                  </a:ext>
+                </a:extLst>
+              </a:tr>
+            </a:tbl>
+          </a:graphicData>
+        </a:graphic>
+      </p:graphicFrame>
+      <p:sp>
+        <p:nvSpPr>
+          <p:cNvPr id="34" name="TextBox 33"/>
+          <p:cNvSpPr txBox="1"/>
+          <p:nvPr/>
+        </p:nvSpPr>
+        <p:spPr>
+          <a:xfrm>
+            <a:off x="3733800" y="5338350"/>
+            <a:ext cx="1839778" cy="258296"/>
+          </a:xfrm>
+          <a:prstGeom prst="rect">
+            <a:avLst/>
+          </a:prstGeom>
+          <a:solidFill>
+            <a:schemeClr val="bg1"/>
+          </a:solidFill>
+        </p:spPr>
+        <p:txBody>
+          <a:bodyPr wrap="square" lIns="0" tIns="0" rIns="0" bIns="0" rtlCol="0" anchor="ctr">
+            <a:noAutofit/>
+          </a:bodyPr>
+          <a:lstStyle/>
+          <a:p>
+            <a:pPr algn="ctr"/>
+            <a:r>
+              <a:rPr lang="en-US" sz="1200" spc="150" dirty="0">
+                <a:solidFill>
+                  <a:srgbClr val="63666A"/>
+                </a:solidFill>
+              </a:rPr>
+              <a:t>OUR VALUES</a:t>
+            </a:r>
+            <a:endParaRPr lang="en-US" sz="1200" cap="all" spc="150" dirty="0">
+              <a:solidFill>
+                <a:srgbClr val="63666A"/>
+              </a:solidFill>
+              <a:latin typeface="Arial"/>
+              <a:cs typeface="Arial" pitchFamily="34" charset="0"/>
+            </a:endParaRPr>
+          </a:p>
+        </p:txBody>
+      </p:sp>
+      <p:pic>
+        <p:nvPicPr>
+          <p:cNvPr id="35" name="Picture 34" descr="spike_for_PPT.png"/>
+          <p:cNvPicPr>
+            <a:picLocks noChangeAspect="1"/>
+          </p:cNvPicPr>
+          <p:nvPr/>
+        </p:nvPicPr>
+        <p:blipFill>
+          <a:blip r:embed="rId6" cstate="print">
+            <a:alphaModFix amt="30000"/>
+            <a:extLst>
+              <a:ext uri="{28A0092B-C50C-407E-A947-70E740481C1C}">
+                <a14:useLocalDpi xmlns:a14="http://schemas.microsoft.com/office/drawing/2010/main" val="0"/>
+              </a:ext>
+            </a:extLst>
+          </a:blip>
+          <a:stretch>
+            <a:fillRect/>
+          </a:stretch>
+        </p:blipFill>
+        <p:spPr>
+          <a:xfrm>
+            <a:off x="-152400" y="4223159"/>
+            <a:ext cx="9525000" cy="381000"/>
+          </a:xfrm>
+          <a:prstGeom prst="rect">
+            <a:avLst/>
+          </a:prstGeom>
+        </p:spPr>
+      </p:pic>
+      <p:pic>
+        <p:nvPicPr>
+          <p:cNvPr id="36" name="Picture 35" descr="spike_for_PPT.png"/>
+          <p:cNvPicPr>
+            <a:picLocks noChangeAspect="1"/>
+          </p:cNvPicPr>
+          <p:nvPr/>
+        </p:nvPicPr>
+        <p:blipFill>
+          <a:blip r:embed="rId6" cstate="print">
+            <a:alphaModFix amt="30000"/>
+            <a:extLst>
+              <a:ext uri="{28A0092B-C50C-407E-A947-70E740481C1C}">
+                <a14:useLocalDpi xmlns:a14="http://schemas.microsoft.com/office/drawing/2010/main" val="0"/>
+              </a:ext>
+            </a:extLst>
+          </a:blip>
+          <a:stretch>
+            <a:fillRect/>
+          </a:stretch>
+        </p:blipFill>
+        <p:spPr>
+          <a:xfrm flipV="1">
+            <a:off x="-152400" y="5795550"/>
+            <a:ext cx="9525000" cy="381000"/>
+          </a:xfrm>
+          <a:prstGeom prst="rect">
+            <a:avLst/>
+          </a:prstGeom>
+        </p:spPr>
+      </p:pic>
+      <p:pic>
+        <p:nvPicPr>
+          <p:cNvPr id="41" name="Picture 40" descr="spike_for_PPT.png"/>
+          <p:cNvPicPr>
+            <a:picLocks noChangeAspect="1"/>
+          </p:cNvPicPr>
+          <p:nvPr/>
+        </p:nvPicPr>
+        <p:blipFill>
+          <a:blip r:embed="rId6" cstate="print">
+            <a:alphaModFix amt="30000"/>
+            <a:extLst>
+              <a:ext uri="{28A0092B-C50C-407E-A947-70E740481C1C}">
+                <a14:useLocalDpi xmlns:a14="http://schemas.microsoft.com/office/drawing/2010/main" val="0"/>
+              </a:ext>
+            </a:extLst>
+          </a:blip>
+          <a:stretch>
+            <a:fillRect/>
+          </a:stretch>
+        </p:blipFill>
+        <p:spPr>
+          <a:xfrm>
+            <a:off x="-152400" y="5185950"/>
+            <a:ext cx="9525000" cy="238125"/>
+          </a:xfrm>
+          <a:prstGeom prst="rect">
+            <a:avLst/>
+          </a:prstGeom>
+        </p:spPr>
+      </p:pic>
+      <p:sp>
+        <p:nvSpPr>
+          <p:cNvPr id="42" name="TextBox 41"/>
+          <p:cNvSpPr txBox="1"/>
+          <p:nvPr/>
+        </p:nvSpPr>
+        <p:spPr>
+          <a:xfrm>
+            <a:off x="914400" y="4728750"/>
+            <a:ext cx="7595453" cy="276991"/>
+          </a:xfrm>
+          <a:prstGeom prst="rect">
+            <a:avLst/>
+          </a:prstGeom>
+          <a:noFill/>
+          <a:ln>
+            <a:noFill/>
+          </a:ln>
+          <a:effectLst/>
+        </p:spPr>
+        <p:txBody>
+          <a:bodyPr wrap="square" lIns="91432" tIns="45716" rIns="91432" bIns="45716">
+            <a:spAutoFit/>
+          </a:bodyPr>
+          <a:lstStyle>
+            <a:defPPr>
+              <a:defRPr lang="en-US"/>
+            </a:defPPr>
+            <a:lvl1pPr algn="ctr">
+              <a:defRPr>
+                <a:solidFill>
+                  <a:srgbClr val="475057"/>
+                </a:solidFill>
+                <a:latin typeface="Arial" pitchFamily="34" charset="0"/>
+                <a:ea typeface="ＭＳ Ｐゴシック" pitchFamily="34" charset="-128"/>
+              </a:defRPr>
+            </a:lvl1pPr>
+            <a:lvl2pPr marL="742950" indent="-285750" eaLnBrk="0" hangingPunct="0">
+              <a:defRPr sz="1300">
+                <a:latin typeface="Arial" pitchFamily="34" charset="0"/>
+                <a:ea typeface="ＭＳ Ｐゴシック" pitchFamily="34" charset="-128"/>
+              </a:defRPr>
+            </a:lvl2pPr>
+            <a:lvl3pPr marL="1143000" indent="-228600" eaLnBrk="0" hangingPunct="0">
+              <a:defRPr sz="1300">
+                <a:latin typeface="Arial" pitchFamily="34" charset="0"/>
+                <a:ea typeface="ＭＳ Ｐゴシック" pitchFamily="34" charset="-128"/>
+              </a:defRPr>
+            </a:lvl3pPr>
+            <a:lvl4pPr marL="1600200" indent="-228600" eaLnBrk="0" hangingPunct="0">
+              <a:defRPr sz="1300">
+                <a:latin typeface="Arial" pitchFamily="34" charset="0"/>
+                <a:ea typeface="ＭＳ Ｐゴシック" pitchFamily="34" charset="-128"/>
+              </a:defRPr>
+            </a:lvl4pPr>
+            <a:lvl5pPr marL="2057400" indent="-228600" eaLnBrk="0" hangingPunct="0">
+              <a:defRPr sz="1300">
+                <a:latin typeface="Arial" pitchFamily="34" charset="0"/>
+                <a:ea typeface="ＭＳ Ｐゴシック" pitchFamily="34" charset="-128"/>
+              </a:defRPr>
+            </a:lvl5pPr>
+            <a:lvl6pPr marL="2514600" indent="-228600" algn="ctr" eaLnBrk="0" fontAlgn="base" hangingPunct="0">
+              <a:spcBef>
+                <a:spcPct val="0"/>
+              </a:spcBef>
+              <a:spcAft>
+                <a:spcPct val="0"/>
+              </a:spcAft>
+              <a:defRPr sz="1300">
+                <a:latin typeface="Arial" pitchFamily="34" charset="0"/>
+                <a:ea typeface="ＭＳ Ｐゴシック" pitchFamily="34" charset="-128"/>
+              </a:defRPr>
+            </a:lvl6pPr>
+            <a:lvl7pPr marL="2971800" indent="-228600" algn="ctr" eaLnBrk="0" fontAlgn="base" hangingPunct="0">
+              <a:spcBef>
+                <a:spcPct val="0"/>
+              </a:spcBef>
+              <a:spcAft>
+                <a:spcPct val="0"/>
+              </a:spcAft>
+              <a:defRPr sz="1300">
+                <a:latin typeface="Arial" pitchFamily="34" charset="0"/>
+                <a:ea typeface="ＭＳ Ｐゴシック" pitchFamily="34" charset="-128"/>
+              </a:defRPr>
+            </a:lvl7pPr>
+            <a:lvl8pPr marL="3429000" indent="-228600" algn="ctr" eaLnBrk="0" fontAlgn="base" hangingPunct="0">
+              <a:spcBef>
+                <a:spcPct val="0"/>
+              </a:spcBef>
+              <a:spcAft>
+                <a:spcPct val="0"/>
+              </a:spcAft>
+              <a:defRPr sz="1300">
+                <a:latin typeface="Arial" pitchFamily="34" charset="0"/>
+                <a:ea typeface="ＭＳ Ｐゴシック" pitchFamily="34" charset="-128"/>
+              </a:defRPr>
+            </a:lvl8pPr>
+            <a:lvl9pPr marL="3886200" indent="-228600" algn="ctr" eaLnBrk="0" fontAlgn="base" hangingPunct="0">
+              <a:spcBef>
+                <a:spcPct val="0"/>
+              </a:spcBef>
+              <a:spcAft>
+                <a:spcPct val="0"/>
+              </a:spcAft>
+              <a:defRPr sz="1300">
+                <a:latin typeface="Arial" pitchFamily="34" charset="0"/>
+                <a:ea typeface="ＭＳ Ｐゴシック" pitchFamily="34" charset="-128"/>
+              </a:defRPr>
+            </a:lvl9pPr>
+          </a:lstStyle>
+          <a:p>
+            <a:r>
+              <a:rPr lang="en-US" sz="1200" spc="10" dirty="0">
+                <a:solidFill>
+                  <a:schemeClr val="accent3"/>
+                </a:solidFill>
+                <a:latin typeface="+mn-lt"/>
+                <a:ea typeface="+mn-ea"/>
+              </a:rPr>
+              <a:t>Helping people live healthier lives and helping make the health system work better for everyone</a:t>
+            </a:r>
+          </a:p>
+        </p:txBody>
+      </p:sp>
+      <p:sp>
+        <p:nvSpPr>
+          <p:cNvPr id="46" name="TextBox 45"/>
+          <p:cNvSpPr txBox="1"/>
+          <p:nvPr/>
+        </p:nvSpPr>
+        <p:spPr>
+          <a:xfrm>
+            <a:off x="3690211" y="4423950"/>
+            <a:ext cx="1839778" cy="258296"/>
+          </a:xfrm>
+          <a:prstGeom prst="rect">
+            <a:avLst/>
+          </a:prstGeom>
+          <a:noFill/>
+        </p:spPr>
+        <p:txBody>
+          <a:bodyPr wrap="square" lIns="0" tIns="0" rIns="0" bIns="0" rtlCol="0" anchor="ctr">
+            <a:noAutofit/>
+          </a:bodyPr>
+          <a:lstStyle/>
+          <a:p>
+            <a:pPr algn="ctr"/>
+            <a:r>
+              <a:rPr lang="en-US" sz="1200" spc="150" dirty="0">
+                <a:solidFill>
+                  <a:schemeClr val="accent3"/>
+                </a:solidFill>
+              </a:rPr>
+              <a:t>OUR MISSION</a:t>
+            </a:r>
+            <a:endParaRPr lang="en-US" sz="1200" cap="all" spc="150" dirty="0">
+              <a:solidFill>
+                <a:schemeClr val="accent3"/>
+              </a:solidFill>
+              <a:latin typeface="Arial"/>
+              <a:cs typeface="Arial" pitchFamily="34" charset="0"/>
+            </a:endParaRPr>
+          </a:p>
+        </p:txBody>
+      </p:sp>
+      <p:sp>
+        <p:nvSpPr>
+          <p:cNvPr id="27" name="Footer Placeholder 1"/>
+          <p:cNvSpPr>
+            <a:spLocks noGrp="1"/>
+          </p:cNvSpPr>
+          <p:nvPr>
+            <p:ph type="ftr" sz="quarter" idx="11"/>
+          </p:nvPr>
+        </p:nvSpPr>
+        <p:spPr bwMode="gray">
+          <a:xfrm>
+            <a:off x="3100388" y="7240302"/>
+            <a:ext cx="5314950" cy="365125"/>
+          </a:xfrm>
+          <a:prstGeom prst="rect">
+            <a:avLst/>
+          </a:prstGeom>
+        </p:spPr>
+        <p:txBody>
+          <a:bodyPr vert="horz" lIns="0" tIns="0" rIns="0" bIns="0" rtlCol="0" anchor="ctr"/>
+          <a:lstStyle>
+            <a:defPPr>
+              <a:defRPr lang="en-US"/>
+            </a:defPPr>
+            <a:lvl1pPr marL="0" algn="ctr" defTabSz="914400" rtl="0" eaLnBrk="1" latinLnBrk="0" hangingPunct="1">
+              <a:defRPr sz="900" kern="1200">
+                <a:solidFill>
+                  <a:schemeClr val="tx1">
+                    <a:tint val="75000"/>
+                  </a:schemeClr>
+                </a:solidFill>
+                <a:latin typeface="+mn-lt"/>
+                <a:ea typeface="+mn-ea"/>
+                <a:cs typeface="+mn-cs"/>
+              </a:defRPr>
+            </a:lvl1pPr>
+            <a:lvl2pPr marL="457200" algn="l" defTabSz="914400" rtl="0" eaLnBrk="1" latinLnBrk="0" hangingPunct="1">
+              <a:defRPr sz="1800" kern="1200">
+                <a:solidFill>
+                  <a:schemeClr val="tx1"/>
+                </a:solidFill>
+                <a:latin typeface="+mn-lt"/>
+                <a:ea typeface="+mn-ea"/>
+                <a:cs typeface="+mn-cs"/>
+              </a:defRPr>
+            </a:lvl2pPr>
+            <a:lvl3pPr marL="914400" algn="l" defTabSz="914400" rtl="0" eaLnBrk="1" latinLnBrk="0" hangingPunct="1">
+              <a:defRPr sz="1800" kern="1200">
+                <a:solidFill>
+                  <a:schemeClr val="tx1"/>
+                </a:solidFill>
+                <a:latin typeface="+mn-lt"/>
+                <a:ea typeface="+mn-ea"/>
+                <a:cs typeface="+mn-cs"/>
+              </a:defRPr>
+            </a:lvl3pPr>
+            <a:lvl4pPr marL="1371600" algn="l" defTabSz="914400" rtl="0" eaLnBrk="1" latinLnBrk="0" hangingPunct="1">
+              <a:defRPr sz="1800" kern="1200">
+                <a:solidFill>
+                  <a:schemeClr val="tx1"/>
+                </a:solidFill>
+                <a:latin typeface="+mn-lt"/>
+                <a:ea typeface="+mn-ea"/>
+                <a:cs typeface="+mn-cs"/>
+              </a:defRPr>
+            </a:lvl4pPr>
+            <a:lvl5pPr marL="1828800" algn="l" defTabSz="914400" rtl="0" eaLnBrk="1" latinLnBrk="0" hangingPunct="1">
+              <a:defRPr sz="1800" kern="1200">
+                <a:solidFill>
+                  <a:schemeClr val="tx1"/>
+                </a:solidFill>
+                <a:latin typeface="+mn-lt"/>
+                <a:ea typeface="+mn-ea"/>
+                <a:cs typeface="+mn-cs"/>
+              </a:defRPr>
+            </a:lvl5pPr>
+            <a:lvl6pPr marL="2286000" algn="l" defTabSz="914400" rtl="0" eaLnBrk="1" latinLnBrk="0" hangingPunct="1">
+              <a:defRPr sz="1800" kern="1200">
+                <a:solidFill>
+                  <a:schemeClr val="tx1"/>
+                </a:solidFill>
+                <a:latin typeface="+mn-lt"/>
+                <a:ea typeface="+mn-ea"/>
+                <a:cs typeface="+mn-cs"/>
+              </a:defRPr>
+            </a:lvl6pPr>
+            <a:lvl7pPr marL="2743200" algn="l" defTabSz="914400" rtl="0" eaLnBrk="1" latinLnBrk="0" hangingPunct="1">
+              <a:defRPr sz="1800" kern="1200">
+                <a:solidFill>
+                  <a:schemeClr val="tx1"/>
+                </a:solidFill>
+                <a:latin typeface="+mn-lt"/>
+                <a:ea typeface="+mn-ea"/>
+                <a:cs typeface="+mn-cs"/>
+              </a:defRPr>
+            </a:lvl7pPr>
+            <a:lvl8pPr marL="3200400" algn="l" defTabSz="914400" rtl="0" eaLnBrk="1" latinLnBrk="0" hangingPunct="1">
+              <a:defRPr sz="1800" kern="1200">
+                <a:solidFill>
+                  <a:schemeClr val="tx1"/>
+                </a:solidFill>
+                <a:latin typeface="+mn-lt"/>
+                <a:ea typeface="+mn-ea"/>
+                <a:cs typeface="+mn-cs"/>
+              </a:defRPr>
+            </a:lvl8pPr>
+            <a:lvl9pPr marL="3657600" algn="l" defTabSz="914400" rtl="0" eaLnBrk="1" latinLnBrk="0" hangingPunct="1">
+              <a:defRPr sz="1800" kern="1200">
+                <a:solidFill>
+                  <a:schemeClr val="tx1"/>
+                </a:solidFill>
+                <a:latin typeface="+mn-lt"/>
+                <a:ea typeface="+mn-ea"/>
+                <a:cs typeface="+mn-cs"/>
+              </a:defRPr>
+            </a:lvl9pPr>
+          </a:lstStyle>
+          <a:p>
+            <a:pPr algn="l"/>
+            <a:r>
+              <a:rPr lang="en-US"/>
+              <a:t>As of Q3 2017. </a:t>
+            </a:r>
+            <a:endParaRPr lang="en-US" dirty="0"/>
+          </a:p>
+        </p:txBody>
+      </p:sp>
+    </p:spTree>
+    <p:extLst>
+      <p:ext uri="{BB962C8B-B14F-4D97-AF65-F5344CB8AC3E}">
+        <p14:creationId xmlns:p14="http://schemas.microsoft.com/office/powerpoint/2010/main" val="2122371390"/>
+      </p:ext>
+    </p:extLst>
+  </p:cSld>
+  <p:clrMapOvr>
+    <a:masterClrMapping/>
+  </p:clrMapOvr>
+</p:sld>
+</file>
+
+<file path=ppt/slides/slide20.xml><?xml version="1.0" encoding="utf-8"?>
 <p:sld xmlns:a="http://schemas.openxmlformats.org/drawingml/2006/main" xmlns:r="http://schemas.openxmlformats.org/officeDocument/2006/relationships" xmlns:p="http://schemas.openxmlformats.org/presentationml/2006/main">
   <p:cSld>
     <p:spTree>
@@ -22874,8 +23533,8 @@
         </p:nvSpPr>
         <p:spPr>
           <a:xfrm>
-            <a:off x="457199" y="1525884"/>
-            <a:ext cx="3628240" cy="3821629"/>
+            <a:off x="457198" y="1525884"/>
+            <a:ext cx="4292083" cy="3111429"/>
           </a:xfrm>
         </p:spPr>
         <p:txBody>
@@ -22941,6 +23600,15 @@
               <a:rPr lang="en-US" dirty="0"/>
               <a:t>=0 </a:t>
             </a:r>
+          </a:p>
+          <a:p>
+            <a:r>
+              <a:rPr lang="en-US" dirty="0">
+                <a:hlinkClick r:id="rId3"/>
+              </a:rPr>
+              <a:t>Model</a:t>
+            </a:r>
+            <a:endParaRPr lang="en-US" dirty="0"/>
           </a:p>
         </p:txBody>
       </p:sp>
@@ -23222,584 +23890,7 @@
 </p:sld>
 </file>
 
-<file path=ppt/slides/slide2.xml><?xml version="1.0" encoding="utf-8"?>
-<p:sld xmlns:a="http://schemas.openxmlformats.org/drawingml/2006/main" xmlns:r="http://schemas.openxmlformats.org/officeDocument/2006/relationships" xmlns:p="http://schemas.openxmlformats.org/presentationml/2006/main">
-  <p:cSld>
-    <p:spTree>
-      <p:nvGrpSpPr>
-        <p:cNvPr id="1" name=""/>
-        <p:cNvGrpSpPr/>
-        <p:nvPr/>
-      </p:nvGrpSpPr>
-      <p:grpSpPr>
-        <a:xfrm>
-          <a:off x="0" y="0"/>
-          <a:ext cx="0" cy="0"/>
-          <a:chOff x="0" y="0"/>
-          <a:chExt cx="0" cy="0"/>
-        </a:xfrm>
-      </p:grpSpPr>
-      <p:sp>
-        <p:nvSpPr>
-          <p:cNvPr id="2" name="Content Placeholder 1">
-            <a:extLst>
-              <a:ext uri="{FF2B5EF4-FFF2-40B4-BE49-F238E27FC236}">
-                <a16:creationId xmlns:a16="http://schemas.microsoft.com/office/drawing/2014/main" id="{255095B8-D46E-4650-B530-03A4A6635A9D}"/>
-              </a:ext>
-            </a:extLst>
-          </p:cNvPr>
-          <p:cNvSpPr>
-            <a:spLocks noGrp="1"/>
-          </p:cNvSpPr>
-          <p:nvPr>
-            <p:ph idx="1"/>
-          </p:nvPr>
-        </p:nvSpPr>
-        <p:spPr>
-          <a:xfrm>
-            <a:off x="457199" y="1722728"/>
-            <a:ext cx="3837964" cy="3545557"/>
-          </a:xfrm>
-        </p:spPr>
-        <p:txBody>
-          <a:bodyPr/>
-          <a:lstStyle/>
-          <a:p>
-            <a:r>
-              <a:rPr lang="en-US" sz="1600" dirty="0"/>
-              <a:t>20 years of technology experience</a:t>
-            </a:r>
-          </a:p>
-          <a:p>
-            <a:r>
-              <a:rPr lang="en-US" sz="1600" dirty="0"/>
-              <a:t>Over 10 years of Product Management </a:t>
-            </a:r>
-          </a:p>
-          <a:p>
-            <a:pPr lvl="1"/>
-            <a:r>
-              <a:rPr lang="en-US" sz="1600" dirty="0"/>
-              <a:t>Launched over 10 products </a:t>
-            </a:r>
-          </a:p>
-          <a:p>
-            <a:pPr lvl="1"/>
-            <a:r>
-              <a:rPr lang="en-US" sz="1600" dirty="0"/>
-              <a:t>Entrepreneur</a:t>
-            </a:r>
-          </a:p>
-          <a:p>
-            <a:r>
-              <a:rPr lang="en-US" sz="1600" dirty="0"/>
-              <a:t>Education</a:t>
-            </a:r>
-          </a:p>
-          <a:p>
-            <a:pPr lvl="1"/>
-            <a:r>
-              <a:rPr lang="en-US" sz="1600" dirty="0"/>
-              <a:t>MBA</a:t>
-            </a:r>
-          </a:p>
-          <a:p>
-            <a:pPr lvl="1"/>
-            <a:r>
-              <a:rPr lang="en-US" sz="1600" dirty="0"/>
-              <a:t>BS in Computer Science </a:t>
-            </a:r>
-          </a:p>
-          <a:p>
-            <a:pPr lvl="1"/>
-            <a:r>
-              <a:rPr lang="en-US" sz="1600" dirty="0"/>
-              <a:t>AIPMM Product Manager</a:t>
-            </a:r>
-          </a:p>
-          <a:p>
-            <a:pPr lvl="1"/>
-            <a:r>
-              <a:rPr lang="en-US" sz="1600" dirty="0"/>
-              <a:t>Systems Engineer</a:t>
-            </a:r>
-          </a:p>
-          <a:p>
-            <a:r>
-              <a:rPr lang="en-US" sz="1600" dirty="0"/>
-              <a:t>Passion</a:t>
-            </a:r>
-          </a:p>
-          <a:p>
-            <a:pPr lvl="1"/>
-            <a:r>
-              <a:rPr lang="en-US" sz="1600" dirty="0"/>
-              <a:t>Healthcare Technology Products </a:t>
-            </a:r>
-          </a:p>
-          <a:p>
-            <a:r>
-              <a:rPr lang="en-US" sz="1600" dirty="0"/>
-              <a:t>Domains</a:t>
-            </a:r>
-          </a:p>
-          <a:p>
-            <a:pPr lvl="1">
-              <a:buFont typeface="Arial" panose="020B0604020202020204" pitchFamily="34" charset="0"/>
-              <a:buChar char="•"/>
-            </a:pPr>
-            <a:r>
-              <a:rPr lang="en-US" sz="1450" dirty="0"/>
-              <a:t>Healthcare</a:t>
-            </a:r>
-          </a:p>
-          <a:p>
-            <a:pPr lvl="1">
-              <a:buFont typeface="Arial" panose="020B0604020202020204" pitchFamily="34" charset="0"/>
-              <a:buChar char="•"/>
-            </a:pPr>
-            <a:r>
-              <a:rPr lang="en-US" sz="1450" dirty="0"/>
-              <a:t>P&amp;C</a:t>
-            </a:r>
-          </a:p>
-          <a:p>
-            <a:pPr marL="171450" lvl="1" indent="0">
-              <a:buNone/>
-            </a:pPr>
-            <a:endParaRPr lang="en-US" sz="1450" dirty="0"/>
-          </a:p>
-        </p:txBody>
-      </p:sp>
-      <p:sp>
-        <p:nvSpPr>
-          <p:cNvPr id="3" name="Title 2">
-            <a:extLst>
-              <a:ext uri="{FF2B5EF4-FFF2-40B4-BE49-F238E27FC236}">
-                <a16:creationId xmlns:a16="http://schemas.microsoft.com/office/drawing/2014/main" id="{FFBB5360-32DD-4703-A742-50064C46734F}"/>
-              </a:ext>
-            </a:extLst>
-          </p:cNvPr>
-          <p:cNvSpPr>
-            <a:spLocks noGrp="1"/>
-          </p:cNvSpPr>
-          <p:nvPr>
-            <p:ph type="title"/>
-          </p:nvPr>
-        </p:nvSpPr>
-        <p:spPr/>
-        <p:txBody>
-          <a:bodyPr>
-            <a:noAutofit/>
-          </a:bodyPr>
-          <a:lstStyle/>
-          <a:p>
-            <a:r>
-              <a:rPr lang="en-US" sz="2000" dirty="0"/>
-              <a:t>Introduction</a:t>
-            </a:r>
-          </a:p>
-        </p:txBody>
-      </p:sp>
-      <p:sp>
-        <p:nvSpPr>
-          <p:cNvPr id="4" name="Content Placeholder 1">
-            <a:extLst>
-              <a:ext uri="{FF2B5EF4-FFF2-40B4-BE49-F238E27FC236}">
-                <a16:creationId xmlns:a16="http://schemas.microsoft.com/office/drawing/2014/main" id="{612A8F2A-FB45-4F9E-BB0B-3501AD1EBA4C}"/>
-              </a:ext>
-            </a:extLst>
-          </p:cNvPr>
-          <p:cNvSpPr txBox="1">
-            <a:spLocks/>
-          </p:cNvSpPr>
-          <p:nvPr/>
-        </p:nvSpPr>
-        <p:spPr>
-          <a:xfrm>
-            <a:off x="5060658" y="1722729"/>
-            <a:ext cx="3626142" cy="3361000"/>
-          </a:xfrm>
-          <a:prstGeom prst="rect">
-            <a:avLst/>
-          </a:prstGeom>
-        </p:spPr>
-        <p:txBody>
-          <a:bodyPr vert="horz" lIns="0" tIns="0" rIns="0" bIns="0" rtlCol="0">
-            <a:noAutofit/>
-          </a:bodyPr>
-          <a:lstStyle>
-            <a:lvl1pPr marL="171450" indent="-171450" algn="l" defTabSz="914400" rtl="0" eaLnBrk="1" latinLnBrk="0" hangingPunct="1">
-              <a:lnSpc>
-                <a:spcPct val="95000"/>
-              </a:lnSpc>
-              <a:spcBef>
-                <a:spcPts val="600"/>
-              </a:spcBef>
-              <a:spcAft>
-                <a:spcPts val="300"/>
-              </a:spcAft>
-              <a:buClr>
-                <a:schemeClr val="accent1"/>
-              </a:buClr>
-              <a:buFont typeface="Arial" pitchFamily="34" charset="0"/>
-              <a:buChar char="•"/>
-              <a:defRPr sz="1800" kern="1200">
-                <a:solidFill>
-                  <a:schemeClr val="tx1"/>
-                </a:solidFill>
-                <a:latin typeface="Arial" pitchFamily="34" charset="0"/>
-                <a:ea typeface="+mn-ea"/>
-                <a:cs typeface="Arial" pitchFamily="34" charset="0"/>
-              </a:defRPr>
-            </a:lvl1pPr>
-            <a:lvl2pPr marL="400050" indent="-171450" algn="l" defTabSz="914400" rtl="0" eaLnBrk="1" latinLnBrk="0" hangingPunct="1">
-              <a:lnSpc>
-                <a:spcPct val="95000"/>
-              </a:lnSpc>
-              <a:spcBef>
-                <a:spcPts val="300"/>
-              </a:spcBef>
-              <a:spcAft>
-                <a:spcPts val="300"/>
-              </a:spcAft>
-              <a:buFont typeface="Arial" pitchFamily="34" charset="0"/>
-              <a:buChar char="–"/>
-              <a:defRPr sz="1600" kern="1200">
-                <a:solidFill>
-                  <a:schemeClr val="tx1"/>
-                </a:solidFill>
-                <a:latin typeface="Arial" pitchFamily="34" charset="0"/>
-                <a:ea typeface="+mn-ea"/>
-                <a:cs typeface="Arial" pitchFamily="34" charset="0"/>
-              </a:defRPr>
-            </a:lvl2pPr>
-            <a:lvl3pPr marL="571500" indent="-114300" algn="l" defTabSz="914400" rtl="0" eaLnBrk="1" latinLnBrk="0" hangingPunct="1">
-              <a:lnSpc>
-                <a:spcPct val="95000"/>
-              </a:lnSpc>
-              <a:spcBef>
-                <a:spcPts val="300"/>
-              </a:spcBef>
-              <a:spcAft>
-                <a:spcPts val="300"/>
-              </a:spcAft>
-              <a:buClr>
-                <a:schemeClr val="accent1"/>
-              </a:buClr>
-              <a:buFont typeface="Arial" pitchFamily="34" charset="0"/>
-              <a:buChar char="•"/>
-              <a:defRPr sz="1400" kern="1200">
-                <a:solidFill>
-                  <a:schemeClr val="tx1"/>
-                </a:solidFill>
-                <a:latin typeface="Arial" pitchFamily="34" charset="0"/>
-                <a:ea typeface="+mn-ea"/>
-                <a:cs typeface="Arial" pitchFamily="34" charset="0"/>
-              </a:defRPr>
-            </a:lvl3pPr>
-            <a:lvl4pPr marL="857250" indent="-171450" algn="l" defTabSz="914400" rtl="0" eaLnBrk="1" latinLnBrk="0" hangingPunct="1">
-              <a:lnSpc>
-                <a:spcPct val="95000"/>
-              </a:lnSpc>
-              <a:spcBef>
-                <a:spcPts val="300"/>
-              </a:spcBef>
-              <a:spcAft>
-                <a:spcPts val="300"/>
-              </a:spcAft>
-              <a:buFont typeface="Arial" pitchFamily="34" charset="0"/>
-              <a:buChar char="–"/>
-              <a:defRPr sz="1400" kern="1200">
-                <a:solidFill>
-                  <a:schemeClr val="tx1"/>
-                </a:solidFill>
-                <a:latin typeface="Arial" pitchFamily="34" charset="0"/>
-                <a:ea typeface="+mn-ea"/>
-                <a:cs typeface="Arial" pitchFamily="34" charset="0"/>
-              </a:defRPr>
-            </a:lvl4pPr>
-            <a:lvl5pPr marL="1028700" indent="-114300" algn="l" defTabSz="914400" rtl="0" eaLnBrk="1" latinLnBrk="0" hangingPunct="1">
-              <a:lnSpc>
-                <a:spcPct val="95000"/>
-              </a:lnSpc>
-              <a:spcBef>
-                <a:spcPts val="300"/>
-              </a:spcBef>
-              <a:spcAft>
-                <a:spcPts val="300"/>
-              </a:spcAft>
-              <a:buClr>
-                <a:schemeClr val="accent1"/>
-              </a:buClr>
-              <a:buFont typeface="Arial" pitchFamily="34" charset="0"/>
-              <a:buChar char="•"/>
-              <a:tabLst/>
-              <a:defRPr sz="1400" kern="1200">
-                <a:solidFill>
-                  <a:schemeClr val="tx1"/>
-                </a:solidFill>
-                <a:latin typeface="Arial" pitchFamily="34" charset="0"/>
-                <a:ea typeface="+mn-ea"/>
-                <a:cs typeface="Arial" pitchFamily="34" charset="0"/>
-              </a:defRPr>
-            </a:lvl5pPr>
-            <a:lvl6pPr marL="2514600" indent="-228600" algn="l" defTabSz="914400" rtl="0" eaLnBrk="1" latinLnBrk="0" hangingPunct="1">
-              <a:spcBef>
-                <a:spcPct val="20000"/>
-              </a:spcBef>
-              <a:buFont typeface="Arial" pitchFamily="34" charset="0"/>
-              <a:buChar char="•"/>
-              <a:defRPr sz="2000" kern="1200">
-                <a:solidFill>
-                  <a:schemeClr val="tx1"/>
-                </a:solidFill>
-                <a:latin typeface="+mn-lt"/>
-                <a:ea typeface="+mn-ea"/>
-                <a:cs typeface="+mn-cs"/>
-              </a:defRPr>
-            </a:lvl6pPr>
-            <a:lvl7pPr marL="2971800" indent="-228600" algn="l" defTabSz="914400" rtl="0" eaLnBrk="1" latinLnBrk="0" hangingPunct="1">
-              <a:spcBef>
-                <a:spcPct val="20000"/>
-              </a:spcBef>
-              <a:buFont typeface="Arial" pitchFamily="34" charset="0"/>
-              <a:buChar char="•"/>
-              <a:defRPr sz="2000" kern="1200">
-                <a:solidFill>
-                  <a:schemeClr val="tx1"/>
-                </a:solidFill>
-                <a:latin typeface="+mn-lt"/>
-                <a:ea typeface="+mn-ea"/>
-                <a:cs typeface="+mn-cs"/>
-              </a:defRPr>
-            </a:lvl7pPr>
-            <a:lvl8pPr marL="3429000" indent="-228600" algn="l" defTabSz="914400" rtl="0" eaLnBrk="1" latinLnBrk="0" hangingPunct="1">
-              <a:spcBef>
-                <a:spcPct val="20000"/>
-              </a:spcBef>
-              <a:buFont typeface="Arial" pitchFamily="34" charset="0"/>
-              <a:buChar char="•"/>
-              <a:defRPr sz="2000" kern="1200">
-                <a:solidFill>
-                  <a:schemeClr val="tx1"/>
-                </a:solidFill>
-                <a:latin typeface="+mn-lt"/>
-                <a:ea typeface="+mn-ea"/>
-                <a:cs typeface="+mn-cs"/>
-              </a:defRPr>
-            </a:lvl8pPr>
-            <a:lvl9pPr marL="3886200" indent="-228600" algn="l" defTabSz="914400" rtl="0" eaLnBrk="1" latinLnBrk="0" hangingPunct="1">
-              <a:spcBef>
-                <a:spcPct val="20000"/>
-              </a:spcBef>
-              <a:buFont typeface="Arial" pitchFamily="34" charset="0"/>
-              <a:buChar char="•"/>
-              <a:defRPr sz="2000" kern="1200">
-                <a:solidFill>
-                  <a:schemeClr val="tx1"/>
-                </a:solidFill>
-                <a:latin typeface="+mn-lt"/>
-                <a:ea typeface="+mn-ea"/>
-                <a:cs typeface="+mn-cs"/>
-              </a:defRPr>
-            </a:lvl9pPr>
-          </a:lstStyle>
-          <a:p>
-            <a:r>
-              <a:rPr lang="en-US" sz="1600" dirty="0"/>
-              <a:t>Goals</a:t>
-            </a:r>
-          </a:p>
-          <a:p>
-            <a:pPr lvl="1"/>
-            <a:r>
-              <a:rPr lang="en-US" dirty="0"/>
-              <a:t>Learn Data Science to  </a:t>
-            </a:r>
-          </a:p>
-          <a:p>
-            <a:pPr lvl="1"/>
-            <a:r>
-              <a:rPr lang="en-US" dirty="0"/>
-              <a:t>Launch DS based products </a:t>
-            </a:r>
-          </a:p>
-          <a:p>
-            <a:pPr lvl="1"/>
-            <a:r>
-              <a:rPr lang="en-US" dirty="0"/>
-              <a:t>Personal Growth </a:t>
-            </a:r>
-          </a:p>
-          <a:p>
-            <a:r>
-              <a:rPr lang="en-US" sz="1600" dirty="0"/>
-              <a:t>NOT the Goal </a:t>
-            </a:r>
-          </a:p>
-          <a:p>
-            <a:pPr lvl="1"/>
-            <a:r>
-              <a:rPr lang="en-US" dirty="0"/>
-              <a:t>Become a data scientist</a:t>
-            </a:r>
-          </a:p>
-          <a:p>
-            <a:r>
-              <a:rPr lang="en-US" sz="1600" dirty="0"/>
-              <a:t>Passion</a:t>
-            </a:r>
-          </a:p>
-          <a:p>
-            <a:pPr lvl="1"/>
-            <a:r>
-              <a:rPr lang="en-US" dirty="0"/>
-              <a:t>Healthcare Technology Products </a:t>
-            </a:r>
-          </a:p>
-          <a:p>
-            <a:pPr lvl="1"/>
-            <a:r>
-              <a:rPr lang="en-US" dirty="0"/>
-              <a:t>Business Insider Track</a:t>
-            </a:r>
-          </a:p>
-        </p:txBody>
-      </p:sp>
-      <p:sp>
-        <p:nvSpPr>
-          <p:cNvPr id="5" name="Rectangle 4">
-            <a:extLst>
-              <a:ext uri="{FF2B5EF4-FFF2-40B4-BE49-F238E27FC236}">
-                <a16:creationId xmlns:a16="http://schemas.microsoft.com/office/drawing/2014/main" id="{6A7D235E-4429-4C69-A9C0-28CF55141855}"/>
-              </a:ext>
-            </a:extLst>
-          </p:cNvPr>
-          <p:cNvSpPr/>
-          <p:nvPr/>
-        </p:nvSpPr>
-        <p:spPr>
-          <a:xfrm>
-            <a:off x="457199" y="1202449"/>
-            <a:ext cx="2462170" cy="369332"/>
-          </a:xfrm>
-          <a:prstGeom prst="rect">
-            <a:avLst/>
-          </a:prstGeom>
-        </p:spPr>
-        <p:txBody>
-          <a:bodyPr wrap="square">
-            <a:spAutoFit/>
-          </a:bodyPr>
-          <a:lstStyle/>
-          <a:p>
-            <a:r>
-              <a:rPr lang="en-US" dirty="0"/>
-              <a:t>Background</a:t>
-            </a:r>
-          </a:p>
-        </p:txBody>
-      </p:sp>
-      <p:sp>
-        <p:nvSpPr>
-          <p:cNvPr id="6" name="Rectangle 5">
-            <a:extLst>
-              <a:ext uri="{FF2B5EF4-FFF2-40B4-BE49-F238E27FC236}">
-                <a16:creationId xmlns:a16="http://schemas.microsoft.com/office/drawing/2014/main" id="{F366C897-8F87-44FE-AC36-4F565566BF34}"/>
-              </a:ext>
-            </a:extLst>
-          </p:cNvPr>
-          <p:cNvSpPr/>
-          <p:nvPr/>
-        </p:nvSpPr>
-        <p:spPr>
-          <a:xfrm>
-            <a:off x="5060658" y="1196359"/>
-            <a:ext cx="2583811" cy="369332"/>
-          </a:xfrm>
-          <a:prstGeom prst="rect">
-            <a:avLst/>
-          </a:prstGeom>
-        </p:spPr>
-        <p:txBody>
-          <a:bodyPr wrap="square">
-            <a:spAutoFit/>
-          </a:bodyPr>
-          <a:lstStyle/>
-          <a:p>
-            <a:r>
-              <a:rPr lang="en-US" dirty="0"/>
-              <a:t>Goals for the course</a:t>
-            </a:r>
-          </a:p>
-        </p:txBody>
-      </p:sp>
-      <p:sp>
-        <p:nvSpPr>
-          <p:cNvPr id="9" name="Rectangle 8">
-            <a:extLst>
-              <a:ext uri="{FF2B5EF4-FFF2-40B4-BE49-F238E27FC236}">
-                <a16:creationId xmlns:a16="http://schemas.microsoft.com/office/drawing/2014/main" id="{7D9A1F0F-B851-4B75-B46D-98EABE28C483}"/>
-              </a:ext>
-            </a:extLst>
-          </p:cNvPr>
-          <p:cNvSpPr/>
-          <p:nvPr/>
-        </p:nvSpPr>
-        <p:spPr>
-          <a:xfrm>
-            <a:off x="2151777" y="5225428"/>
-            <a:ext cx="1589714" cy="538609"/>
-          </a:xfrm>
-          <a:prstGeom prst="rect">
-            <a:avLst/>
-          </a:prstGeom>
-        </p:spPr>
-        <p:txBody>
-          <a:bodyPr wrap="square">
-            <a:spAutoFit/>
-          </a:bodyPr>
-          <a:lstStyle/>
-          <a:p>
-            <a:pPr marL="285750" indent="-285750">
-              <a:buFont typeface="Arial" panose="020B0604020202020204" pitchFamily="34" charset="0"/>
-              <a:buChar char="•"/>
-            </a:pPr>
-            <a:r>
-              <a:rPr lang="en-US" sz="1450" dirty="0"/>
-              <a:t>DoD/DHS</a:t>
-            </a:r>
-          </a:p>
-          <a:p>
-            <a:pPr marL="285750" indent="-285750">
-              <a:buFont typeface="Arial" panose="020B0604020202020204" pitchFamily="34" charset="0"/>
-              <a:buChar char="•"/>
-            </a:pPr>
-            <a:r>
-              <a:rPr lang="en-US" sz="1450" dirty="0"/>
-              <a:t>Mass Transit</a:t>
-            </a:r>
-          </a:p>
-        </p:txBody>
-      </p:sp>
-    </p:spTree>
-    <p:extLst>
-      <p:ext uri="{BB962C8B-B14F-4D97-AF65-F5344CB8AC3E}">
-        <p14:creationId xmlns:p14="http://schemas.microsoft.com/office/powerpoint/2010/main" val="91448165"/>
-      </p:ext>
-    </p:extLst>
-  </p:cSld>
-  <p:clrMapOvr>
-    <a:masterClrMapping/>
-  </p:clrMapOvr>
-  <p:transition>
-    <p:fade/>
-  </p:transition>
-</p:sld>
-</file>
-
-<file path=ppt/slides/slide20.xml><?xml version="1.0" encoding="utf-8"?>
+<file path=ppt/slides/slide21.xml><?xml version="1.0" encoding="utf-8"?>
 <p:sld xmlns:a="http://schemas.openxmlformats.org/drawingml/2006/main" xmlns:r="http://schemas.openxmlformats.org/officeDocument/2006/relationships" xmlns:p="http://schemas.openxmlformats.org/presentationml/2006/main">
   <p:cSld>
     <p:spTree>
@@ -24801,7 +24892,7 @@
 </p:sld>
 </file>
 
-<file path=ppt/slides/slide21.xml><?xml version="1.0" encoding="utf-8"?>
+<file path=ppt/slides/slide22.xml><?xml version="1.0" encoding="utf-8"?>
 <p:sld xmlns:a="http://schemas.openxmlformats.org/drawingml/2006/main" xmlns:r="http://schemas.openxmlformats.org/officeDocument/2006/relationships" xmlns:p="http://schemas.openxmlformats.org/presentationml/2006/main">
   <p:cSld>
     <p:spTree>
@@ -24936,7 +25027,7 @@
 </p:sld>
 </file>
 
-<file path=ppt/slides/slide22.xml><?xml version="1.0" encoding="utf-8"?>
+<file path=ppt/slides/slide23.xml><?xml version="1.0" encoding="utf-8"?>
 <p:sld xmlns:a="http://schemas.openxmlformats.org/drawingml/2006/main" xmlns:r="http://schemas.openxmlformats.org/officeDocument/2006/relationships" xmlns:p="http://schemas.openxmlformats.org/presentationml/2006/main">
   <p:cSld>
     <p:spTree>
@@ -25061,7 +25152,7 @@
                 <a:tabLst/>
                 <a:defRPr/>
               </a:pPr>
-              <a:t>22</a:t>
+              <a:t>23</a:t>
             </a:fld>
             <a:endParaRPr kumimoji="0" lang="en-US" sz="800" b="0" i="0" u="none" strike="noStrike" kern="1200" cap="none" spc="0" normalizeH="0" baseline="0" noProof="0" dirty="0">
               <a:ln>
@@ -25105,7 +25196,7 @@
 </p:sld>
 </file>
 
-<file path=ppt/slides/slide23.xml><?xml version="1.0" encoding="utf-8"?>
+<file path=ppt/slides/slide24.xml><?xml version="1.0" encoding="utf-8"?>
 <p:sld xmlns:a="http://schemas.openxmlformats.org/drawingml/2006/main" xmlns:r="http://schemas.openxmlformats.org/officeDocument/2006/relationships" xmlns:p="http://schemas.openxmlformats.org/presentationml/2006/main">
   <p:cSld>
     <p:spTree>
@@ -25200,7 +25291,7 @@
 </p:sld>
 </file>
 
-<file path=ppt/slides/slide24.xml><?xml version="1.0" encoding="utf-8"?>
+<file path=ppt/slides/slide25.xml><?xml version="1.0" encoding="utf-8"?>
 <p:sld xmlns:a="http://schemas.openxmlformats.org/drawingml/2006/main" xmlns:r="http://schemas.openxmlformats.org/officeDocument/2006/relationships" xmlns:p="http://schemas.openxmlformats.org/presentationml/2006/main">
   <p:cSld>
     <p:spTree>
@@ -25307,7 +25398,7 @@
 </p:sld>
 </file>
 
-<file path=ppt/slides/slide25.xml><?xml version="1.0" encoding="utf-8"?>
+<file path=ppt/slides/slide26.xml><?xml version="1.0" encoding="utf-8"?>
 <p:sld xmlns:a="http://schemas.openxmlformats.org/drawingml/2006/main" xmlns:r="http://schemas.openxmlformats.org/officeDocument/2006/relationships" xmlns:p="http://schemas.openxmlformats.org/presentationml/2006/main">
   <p:cSld>
     <p:spTree>
@@ -25396,7 +25487,7 @@
 </p:sld>
 </file>
 
-<file path=ppt/slides/slide26.xml><?xml version="1.0" encoding="utf-8"?>
+<file path=ppt/slides/slide27.xml><?xml version="1.0" encoding="utf-8"?>
 <p:sld xmlns:a="http://schemas.openxmlformats.org/drawingml/2006/main" xmlns:r="http://schemas.openxmlformats.org/officeDocument/2006/relationships" xmlns:p="http://schemas.openxmlformats.org/presentationml/2006/main">
   <p:cSld>
     <p:spTree>
@@ -25512,7 +25603,7 @@
 </p:sld>
 </file>
 
-<file path=ppt/slides/slide27.xml><?xml version="1.0" encoding="utf-8"?>
+<file path=ppt/slides/slide28.xml><?xml version="1.0" encoding="utf-8"?>
 <p:sld xmlns:a="http://schemas.openxmlformats.org/drawingml/2006/main" xmlns:r="http://schemas.openxmlformats.org/officeDocument/2006/relationships" xmlns:p="http://schemas.openxmlformats.org/presentationml/2006/main">
   <p:cSld>
     <p:spTree>
@@ -25683,7 +25774,7 @@
 </p:sld>
 </file>
 
-<file path=ppt/slides/slide28.xml><?xml version="1.0" encoding="utf-8"?>
+<file path=ppt/slides/slide29.xml><?xml version="1.0" encoding="utf-8"?>
 <p:sld xmlns:a="http://schemas.openxmlformats.org/drawingml/2006/main" xmlns:r="http://schemas.openxmlformats.org/officeDocument/2006/relationships" xmlns:p="http://schemas.openxmlformats.org/presentationml/2006/main">
   <p:cSld>
     <p:spTree>
@@ -25854,7 +25945,584 @@
 </p:sld>
 </file>
 
-<file path=ppt/slides/slide29.xml><?xml version="1.0" encoding="utf-8"?>
+<file path=ppt/slides/slide3.xml><?xml version="1.0" encoding="utf-8"?>
+<p:sld xmlns:a="http://schemas.openxmlformats.org/drawingml/2006/main" xmlns:r="http://schemas.openxmlformats.org/officeDocument/2006/relationships" xmlns:p="http://schemas.openxmlformats.org/presentationml/2006/main">
+  <p:cSld>
+    <p:spTree>
+      <p:nvGrpSpPr>
+        <p:cNvPr id="1" name=""/>
+        <p:cNvGrpSpPr/>
+        <p:nvPr/>
+      </p:nvGrpSpPr>
+      <p:grpSpPr>
+        <a:xfrm>
+          <a:off x="0" y="0"/>
+          <a:ext cx="0" cy="0"/>
+          <a:chOff x="0" y="0"/>
+          <a:chExt cx="0" cy="0"/>
+        </a:xfrm>
+      </p:grpSpPr>
+      <p:sp>
+        <p:nvSpPr>
+          <p:cNvPr id="2" name="Content Placeholder 1">
+            <a:extLst>
+              <a:ext uri="{FF2B5EF4-FFF2-40B4-BE49-F238E27FC236}">
+                <a16:creationId xmlns:a16="http://schemas.microsoft.com/office/drawing/2014/main" id="{255095B8-D46E-4650-B530-03A4A6635A9D}"/>
+              </a:ext>
+            </a:extLst>
+          </p:cNvPr>
+          <p:cNvSpPr>
+            <a:spLocks noGrp="1"/>
+          </p:cNvSpPr>
+          <p:nvPr>
+            <p:ph idx="1"/>
+          </p:nvPr>
+        </p:nvSpPr>
+        <p:spPr>
+          <a:xfrm>
+            <a:off x="457199" y="1722728"/>
+            <a:ext cx="3837964" cy="3545557"/>
+          </a:xfrm>
+        </p:spPr>
+        <p:txBody>
+          <a:bodyPr/>
+          <a:lstStyle/>
+          <a:p>
+            <a:r>
+              <a:rPr lang="en-US" sz="1600" dirty="0"/>
+              <a:t>20 years of technology experience</a:t>
+            </a:r>
+          </a:p>
+          <a:p>
+            <a:r>
+              <a:rPr lang="en-US" sz="1600" dirty="0"/>
+              <a:t>Over 10 years of Product Management </a:t>
+            </a:r>
+          </a:p>
+          <a:p>
+            <a:pPr lvl="1"/>
+            <a:r>
+              <a:rPr lang="en-US" sz="1600" dirty="0"/>
+              <a:t>Launched over 10 products </a:t>
+            </a:r>
+          </a:p>
+          <a:p>
+            <a:pPr lvl="1"/>
+            <a:r>
+              <a:rPr lang="en-US" sz="1600" dirty="0"/>
+              <a:t>Entrepreneur</a:t>
+            </a:r>
+          </a:p>
+          <a:p>
+            <a:r>
+              <a:rPr lang="en-US" sz="1600" dirty="0"/>
+              <a:t>Education</a:t>
+            </a:r>
+          </a:p>
+          <a:p>
+            <a:pPr lvl="1"/>
+            <a:r>
+              <a:rPr lang="en-US" sz="1600" dirty="0"/>
+              <a:t>MBA</a:t>
+            </a:r>
+          </a:p>
+          <a:p>
+            <a:pPr lvl="1"/>
+            <a:r>
+              <a:rPr lang="en-US" sz="1600" dirty="0"/>
+              <a:t>BS in Computer Science </a:t>
+            </a:r>
+          </a:p>
+          <a:p>
+            <a:pPr lvl="1"/>
+            <a:r>
+              <a:rPr lang="en-US" sz="1600" dirty="0"/>
+              <a:t>AIPMM Product Manager</a:t>
+            </a:r>
+          </a:p>
+          <a:p>
+            <a:pPr lvl="1"/>
+            <a:r>
+              <a:rPr lang="en-US" sz="1600" dirty="0"/>
+              <a:t>Systems Engineer</a:t>
+            </a:r>
+          </a:p>
+          <a:p>
+            <a:r>
+              <a:rPr lang="en-US" sz="1600" dirty="0"/>
+              <a:t>Passion</a:t>
+            </a:r>
+          </a:p>
+          <a:p>
+            <a:pPr lvl="1"/>
+            <a:r>
+              <a:rPr lang="en-US" sz="1600" dirty="0"/>
+              <a:t>Healthcare Technology Products </a:t>
+            </a:r>
+          </a:p>
+          <a:p>
+            <a:r>
+              <a:rPr lang="en-US" sz="1600" dirty="0"/>
+              <a:t>Domains</a:t>
+            </a:r>
+          </a:p>
+          <a:p>
+            <a:pPr lvl="1">
+              <a:buFont typeface="Arial" panose="020B0604020202020204" pitchFamily="34" charset="0"/>
+              <a:buChar char="•"/>
+            </a:pPr>
+            <a:r>
+              <a:rPr lang="en-US" sz="1450" dirty="0"/>
+              <a:t>Healthcare</a:t>
+            </a:r>
+          </a:p>
+          <a:p>
+            <a:pPr lvl="1">
+              <a:buFont typeface="Arial" panose="020B0604020202020204" pitchFamily="34" charset="0"/>
+              <a:buChar char="•"/>
+            </a:pPr>
+            <a:r>
+              <a:rPr lang="en-US" sz="1450" dirty="0"/>
+              <a:t>P&amp;C</a:t>
+            </a:r>
+          </a:p>
+          <a:p>
+            <a:pPr marL="171450" lvl="1" indent="0">
+              <a:buNone/>
+            </a:pPr>
+            <a:endParaRPr lang="en-US" sz="1450" dirty="0"/>
+          </a:p>
+        </p:txBody>
+      </p:sp>
+      <p:sp>
+        <p:nvSpPr>
+          <p:cNvPr id="3" name="Title 2">
+            <a:extLst>
+              <a:ext uri="{FF2B5EF4-FFF2-40B4-BE49-F238E27FC236}">
+                <a16:creationId xmlns:a16="http://schemas.microsoft.com/office/drawing/2014/main" id="{FFBB5360-32DD-4703-A742-50064C46734F}"/>
+              </a:ext>
+            </a:extLst>
+          </p:cNvPr>
+          <p:cNvSpPr>
+            <a:spLocks noGrp="1"/>
+          </p:cNvSpPr>
+          <p:nvPr>
+            <p:ph type="title"/>
+          </p:nvPr>
+        </p:nvSpPr>
+        <p:spPr/>
+        <p:txBody>
+          <a:bodyPr>
+            <a:noAutofit/>
+          </a:bodyPr>
+          <a:lstStyle/>
+          <a:p>
+            <a:r>
+              <a:rPr lang="en-US" sz="2000" dirty="0"/>
+              <a:t>Introduction</a:t>
+            </a:r>
+          </a:p>
+        </p:txBody>
+      </p:sp>
+      <p:sp>
+        <p:nvSpPr>
+          <p:cNvPr id="4" name="Content Placeholder 1">
+            <a:extLst>
+              <a:ext uri="{FF2B5EF4-FFF2-40B4-BE49-F238E27FC236}">
+                <a16:creationId xmlns:a16="http://schemas.microsoft.com/office/drawing/2014/main" id="{612A8F2A-FB45-4F9E-BB0B-3501AD1EBA4C}"/>
+              </a:ext>
+            </a:extLst>
+          </p:cNvPr>
+          <p:cNvSpPr txBox="1">
+            <a:spLocks/>
+          </p:cNvSpPr>
+          <p:nvPr/>
+        </p:nvSpPr>
+        <p:spPr>
+          <a:xfrm>
+            <a:off x="5060658" y="1722729"/>
+            <a:ext cx="3626142" cy="3361000"/>
+          </a:xfrm>
+          <a:prstGeom prst="rect">
+            <a:avLst/>
+          </a:prstGeom>
+        </p:spPr>
+        <p:txBody>
+          <a:bodyPr vert="horz" lIns="0" tIns="0" rIns="0" bIns="0" rtlCol="0">
+            <a:noAutofit/>
+          </a:bodyPr>
+          <a:lstStyle>
+            <a:lvl1pPr marL="171450" indent="-171450" algn="l" defTabSz="914400" rtl="0" eaLnBrk="1" latinLnBrk="0" hangingPunct="1">
+              <a:lnSpc>
+                <a:spcPct val="95000"/>
+              </a:lnSpc>
+              <a:spcBef>
+                <a:spcPts val="600"/>
+              </a:spcBef>
+              <a:spcAft>
+                <a:spcPts val="300"/>
+              </a:spcAft>
+              <a:buClr>
+                <a:schemeClr val="accent1"/>
+              </a:buClr>
+              <a:buFont typeface="Arial" pitchFamily="34" charset="0"/>
+              <a:buChar char="•"/>
+              <a:defRPr sz="1800" kern="1200">
+                <a:solidFill>
+                  <a:schemeClr val="tx1"/>
+                </a:solidFill>
+                <a:latin typeface="Arial" pitchFamily="34" charset="0"/>
+                <a:ea typeface="+mn-ea"/>
+                <a:cs typeface="Arial" pitchFamily="34" charset="0"/>
+              </a:defRPr>
+            </a:lvl1pPr>
+            <a:lvl2pPr marL="400050" indent="-171450" algn="l" defTabSz="914400" rtl="0" eaLnBrk="1" latinLnBrk="0" hangingPunct="1">
+              <a:lnSpc>
+                <a:spcPct val="95000"/>
+              </a:lnSpc>
+              <a:spcBef>
+                <a:spcPts val="300"/>
+              </a:spcBef>
+              <a:spcAft>
+                <a:spcPts val="300"/>
+              </a:spcAft>
+              <a:buFont typeface="Arial" pitchFamily="34" charset="0"/>
+              <a:buChar char="–"/>
+              <a:defRPr sz="1600" kern="1200">
+                <a:solidFill>
+                  <a:schemeClr val="tx1"/>
+                </a:solidFill>
+                <a:latin typeface="Arial" pitchFamily="34" charset="0"/>
+                <a:ea typeface="+mn-ea"/>
+                <a:cs typeface="Arial" pitchFamily="34" charset="0"/>
+              </a:defRPr>
+            </a:lvl2pPr>
+            <a:lvl3pPr marL="571500" indent="-114300" algn="l" defTabSz="914400" rtl="0" eaLnBrk="1" latinLnBrk="0" hangingPunct="1">
+              <a:lnSpc>
+                <a:spcPct val="95000"/>
+              </a:lnSpc>
+              <a:spcBef>
+                <a:spcPts val="300"/>
+              </a:spcBef>
+              <a:spcAft>
+                <a:spcPts val="300"/>
+              </a:spcAft>
+              <a:buClr>
+                <a:schemeClr val="accent1"/>
+              </a:buClr>
+              <a:buFont typeface="Arial" pitchFamily="34" charset="0"/>
+              <a:buChar char="•"/>
+              <a:defRPr sz="1400" kern="1200">
+                <a:solidFill>
+                  <a:schemeClr val="tx1"/>
+                </a:solidFill>
+                <a:latin typeface="Arial" pitchFamily="34" charset="0"/>
+                <a:ea typeface="+mn-ea"/>
+                <a:cs typeface="Arial" pitchFamily="34" charset="0"/>
+              </a:defRPr>
+            </a:lvl3pPr>
+            <a:lvl4pPr marL="857250" indent="-171450" algn="l" defTabSz="914400" rtl="0" eaLnBrk="1" latinLnBrk="0" hangingPunct="1">
+              <a:lnSpc>
+                <a:spcPct val="95000"/>
+              </a:lnSpc>
+              <a:spcBef>
+                <a:spcPts val="300"/>
+              </a:spcBef>
+              <a:spcAft>
+                <a:spcPts val="300"/>
+              </a:spcAft>
+              <a:buFont typeface="Arial" pitchFamily="34" charset="0"/>
+              <a:buChar char="–"/>
+              <a:defRPr sz="1400" kern="1200">
+                <a:solidFill>
+                  <a:schemeClr val="tx1"/>
+                </a:solidFill>
+                <a:latin typeface="Arial" pitchFamily="34" charset="0"/>
+                <a:ea typeface="+mn-ea"/>
+                <a:cs typeface="Arial" pitchFamily="34" charset="0"/>
+              </a:defRPr>
+            </a:lvl4pPr>
+            <a:lvl5pPr marL="1028700" indent="-114300" algn="l" defTabSz="914400" rtl="0" eaLnBrk="1" latinLnBrk="0" hangingPunct="1">
+              <a:lnSpc>
+                <a:spcPct val="95000"/>
+              </a:lnSpc>
+              <a:spcBef>
+                <a:spcPts val="300"/>
+              </a:spcBef>
+              <a:spcAft>
+                <a:spcPts val="300"/>
+              </a:spcAft>
+              <a:buClr>
+                <a:schemeClr val="accent1"/>
+              </a:buClr>
+              <a:buFont typeface="Arial" pitchFamily="34" charset="0"/>
+              <a:buChar char="•"/>
+              <a:tabLst/>
+              <a:defRPr sz="1400" kern="1200">
+                <a:solidFill>
+                  <a:schemeClr val="tx1"/>
+                </a:solidFill>
+                <a:latin typeface="Arial" pitchFamily="34" charset="0"/>
+                <a:ea typeface="+mn-ea"/>
+                <a:cs typeface="Arial" pitchFamily="34" charset="0"/>
+              </a:defRPr>
+            </a:lvl5pPr>
+            <a:lvl6pPr marL="2514600" indent="-228600" algn="l" defTabSz="914400" rtl="0" eaLnBrk="1" latinLnBrk="0" hangingPunct="1">
+              <a:spcBef>
+                <a:spcPct val="20000"/>
+              </a:spcBef>
+              <a:buFont typeface="Arial" pitchFamily="34" charset="0"/>
+              <a:buChar char="•"/>
+              <a:defRPr sz="2000" kern="1200">
+                <a:solidFill>
+                  <a:schemeClr val="tx1"/>
+                </a:solidFill>
+                <a:latin typeface="+mn-lt"/>
+                <a:ea typeface="+mn-ea"/>
+                <a:cs typeface="+mn-cs"/>
+              </a:defRPr>
+            </a:lvl6pPr>
+            <a:lvl7pPr marL="2971800" indent="-228600" algn="l" defTabSz="914400" rtl="0" eaLnBrk="1" latinLnBrk="0" hangingPunct="1">
+              <a:spcBef>
+                <a:spcPct val="20000"/>
+              </a:spcBef>
+              <a:buFont typeface="Arial" pitchFamily="34" charset="0"/>
+              <a:buChar char="•"/>
+              <a:defRPr sz="2000" kern="1200">
+                <a:solidFill>
+                  <a:schemeClr val="tx1"/>
+                </a:solidFill>
+                <a:latin typeface="+mn-lt"/>
+                <a:ea typeface="+mn-ea"/>
+                <a:cs typeface="+mn-cs"/>
+              </a:defRPr>
+            </a:lvl7pPr>
+            <a:lvl8pPr marL="3429000" indent="-228600" algn="l" defTabSz="914400" rtl="0" eaLnBrk="1" latinLnBrk="0" hangingPunct="1">
+              <a:spcBef>
+                <a:spcPct val="20000"/>
+              </a:spcBef>
+              <a:buFont typeface="Arial" pitchFamily="34" charset="0"/>
+              <a:buChar char="•"/>
+              <a:defRPr sz="2000" kern="1200">
+                <a:solidFill>
+                  <a:schemeClr val="tx1"/>
+                </a:solidFill>
+                <a:latin typeface="+mn-lt"/>
+                <a:ea typeface="+mn-ea"/>
+                <a:cs typeface="+mn-cs"/>
+              </a:defRPr>
+            </a:lvl8pPr>
+            <a:lvl9pPr marL="3886200" indent="-228600" algn="l" defTabSz="914400" rtl="0" eaLnBrk="1" latinLnBrk="0" hangingPunct="1">
+              <a:spcBef>
+                <a:spcPct val="20000"/>
+              </a:spcBef>
+              <a:buFont typeface="Arial" pitchFamily="34" charset="0"/>
+              <a:buChar char="•"/>
+              <a:defRPr sz="2000" kern="1200">
+                <a:solidFill>
+                  <a:schemeClr val="tx1"/>
+                </a:solidFill>
+                <a:latin typeface="+mn-lt"/>
+                <a:ea typeface="+mn-ea"/>
+                <a:cs typeface="+mn-cs"/>
+              </a:defRPr>
+            </a:lvl9pPr>
+          </a:lstStyle>
+          <a:p>
+            <a:r>
+              <a:rPr lang="en-US" sz="1600" dirty="0"/>
+              <a:t>Goals</a:t>
+            </a:r>
+          </a:p>
+          <a:p>
+            <a:pPr lvl="1"/>
+            <a:r>
+              <a:rPr lang="en-US" dirty="0"/>
+              <a:t>Learn Data Science to  </a:t>
+            </a:r>
+          </a:p>
+          <a:p>
+            <a:pPr lvl="1"/>
+            <a:r>
+              <a:rPr lang="en-US" dirty="0"/>
+              <a:t>Launch DS based products </a:t>
+            </a:r>
+          </a:p>
+          <a:p>
+            <a:pPr lvl="1"/>
+            <a:r>
+              <a:rPr lang="en-US" dirty="0"/>
+              <a:t>Personal Growth </a:t>
+            </a:r>
+          </a:p>
+          <a:p>
+            <a:r>
+              <a:rPr lang="en-US" sz="1600" dirty="0"/>
+              <a:t>NOT the Goal </a:t>
+            </a:r>
+          </a:p>
+          <a:p>
+            <a:pPr lvl="1"/>
+            <a:r>
+              <a:rPr lang="en-US" dirty="0"/>
+              <a:t>Become a data scientist</a:t>
+            </a:r>
+          </a:p>
+          <a:p>
+            <a:r>
+              <a:rPr lang="en-US" sz="1600" dirty="0"/>
+              <a:t>Passion</a:t>
+            </a:r>
+          </a:p>
+          <a:p>
+            <a:pPr lvl="1"/>
+            <a:r>
+              <a:rPr lang="en-US" dirty="0"/>
+              <a:t>Healthcare Technology Products </a:t>
+            </a:r>
+          </a:p>
+          <a:p>
+            <a:pPr lvl="1"/>
+            <a:r>
+              <a:rPr lang="en-US" dirty="0"/>
+              <a:t>Business Insider Track</a:t>
+            </a:r>
+          </a:p>
+        </p:txBody>
+      </p:sp>
+      <p:sp>
+        <p:nvSpPr>
+          <p:cNvPr id="5" name="Rectangle 4">
+            <a:extLst>
+              <a:ext uri="{FF2B5EF4-FFF2-40B4-BE49-F238E27FC236}">
+                <a16:creationId xmlns:a16="http://schemas.microsoft.com/office/drawing/2014/main" id="{6A7D235E-4429-4C69-A9C0-28CF55141855}"/>
+              </a:ext>
+            </a:extLst>
+          </p:cNvPr>
+          <p:cNvSpPr/>
+          <p:nvPr/>
+        </p:nvSpPr>
+        <p:spPr>
+          <a:xfrm>
+            <a:off x="457199" y="1202449"/>
+            <a:ext cx="2462170" cy="369332"/>
+          </a:xfrm>
+          <a:prstGeom prst="rect">
+            <a:avLst/>
+          </a:prstGeom>
+        </p:spPr>
+        <p:txBody>
+          <a:bodyPr wrap="square">
+            <a:spAutoFit/>
+          </a:bodyPr>
+          <a:lstStyle/>
+          <a:p>
+            <a:r>
+              <a:rPr lang="en-US" dirty="0"/>
+              <a:t>Background</a:t>
+            </a:r>
+          </a:p>
+        </p:txBody>
+      </p:sp>
+      <p:sp>
+        <p:nvSpPr>
+          <p:cNvPr id="6" name="Rectangle 5">
+            <a:extLst>
+              <a:ext uri="{FF2B5EF4-FFF2-40B4-BE49-F238E27FC236}">
+                <a16:creationId xmlns:a16="http://schemas.microsoft.com/office/drawing/2014/main" id="{F366C897-8F87-44FE-AC36-4F565566BF34}"/>
+              </a:ext>
+            </a:extLst>
+          </p:cNvPr>
+          <p:cNvSpPr/>
+          <p:nvPr/>
+        </p:nvSpPr>
+        <p:spPr>
+          <a:xfrm>
+            <a:off x="5060658" y="1196359"/>
+            <a:ext cx="2583811" cy="369332"/>
+          </a:xfrm>
+          <a:prstGeom prst="rect">
+            <a:avLst/>
+          </a:prstGeom>
+        </p:spPr>
+        <p:txBody>
+          <a:bodyPr wrap="square">
+            <a:spAutoFit/>
+          </a:bodyPr>
+          <a:lstStyle/>
+          <a:p>
+            <a:r>
+              <a:rPr lang="en-US" dirty="0"/>
+              <a:t>Goals for the course</a:t>
+            </a:r>
+          </a:p>
+        </p:txBody>
+      </p:sp>
+      <p:sp>
+        <p:nvSpPr>
+          <p:cNvPr id="9" name="Rectangle 8">
+            <a:extLst>
+              <a:ext uri="{FF2B5EF4-FFF2-40B4-BE49-F238E27FC236}">
+                <a16:creationId xmlns:a16="http://schemas.microsoft.com/office/drawing/2014/main" id="{7D9A1F0F-B851-4B75-B46D-98EABE28C483}"/>
+              </a:ext>
+            </a:extLst>
+          </p:cNvPr>
+          <p:cNvSpPr/>
+          <p:nvPr/>
+        </p:nvSpPr>
+        <p:spPr>
+          <a:xfrm>
+            <a:off x="2151777" y="5225428"/>
+            <a:ext cx="1589714" cy="538609"/>
+          </a:xfrm>
+          <a:prstGeom prst="rect">
+            <a:avLst/>
+          </a:prstGeom>
+        </p:spPr>
+        <p:txBody>
+          <a:bodyPr wrap="square">
+            <a:spAutoFit/>
+          </a:bodyPr>
+          <a:lstStyle/>
+          <a:p>
+            <a:pPr marL="285750" indent="-285750">
+              <a:buFont typeface="Arial" panose="020B0604020202020204" pitchFamily="34" charset="0"/>
+              <a:buChar char="•"/>
+            </a:pPr>
+            <a:r>
+              <a:rPr lang="en-US" sz="1450" dirty="0"/>
+              <a:t>DoD/DHS</a:t>
+            </a:r>
+          </a:p>
+          <a:p>
+            <a:pPr marL="285750" indent="-285750">
+              <a:buFont typeface="Arial" panose="020B0604020202020204" pitchFamily="34" charset="0"/>
+              <a:buChar char="•"/>
+            </a:pPr>
+            <a:r>
+              <a:rPr lang="en-US" sz="1450" dirty="0"/>
+              <a:t>Mass Transit</a:t>
+            </a:r>
+          </a:p>
+        </p:txBody>
+      </p:sp>
+    </p:spTree>
+    <p:extLst>
+      <p:ext uri="{BB962C8B-B14F-4D97-AF65-F5344CB8AC3E}">
+        <p14:creationId xmlns:p14="http://schemas.microsoft.com/office/powerpoint/2010/main" val="91448165"/>
+      </p:ext>
+    </p:extLst>
+  </p:cSld>
+  <p:clrMapOvr>
+    <a:masterClrMapping/>
+  </p:clrMapOvr>
+  <p:transition>
+    <p:fade/>
+  </p:transition>
+</p:sld>
+</file>
+
+<file path=ppt/slides/slide30.xml><?xml version="1.0" encoding="utf-8"?>
 <p:sld xmlns:a="http://schemas.openxmlformats.org/drawingml/2006/main" xmlns:r="http://schemas.openxmlformats.org/officeDocument/2006/relationships" xmlns:p="http://schemas.openxmlformats.org/presentationml/2006/main">
   <p:cSld>
     <p:spTree>
@@ -26025,757 +26693,7 @@
 </p:sld>
 </file>
 
-<file path=ppt/slides/slide3.xml><?xml version="1.0" encoding="utf-8"?>
-<p:sld xmlns:a="http://schemas.openxmlformats.org/drawingml/2006/main" xmlns:r="http://schemas.openxmlformats.org/officeDocument/2006/relationships" xmlns:p="http://schemas.openxmlformats.org/presentationml/2006/main">
-  <p:cSld>
-    <p:spTree>
-      <p:nvGrpSpPr>
-        <p:cNvPr id="1" name=""/>
-        <p:cNvGrpSpPr/>
-        <p:nvPr/>
-      </p:nvGrpSpPr>
-      <p:grpSpPr>
-        <a:xfrm>
-          <a:off x="0" y="0"/>
-          <a:ext cx="0" cy="0"/>
-          <a:chOff x="0" y="0"/>
-          <a:chExt cx="0" cy="0"/>
-        </a:xfrm>
-      </p:grpSpPr>
-      <p:sp>
-        <p:nvSpPr>
-          <p:cNvPr id="2" name="Title 1"/>
-          <p:cNvSpPr>
-            <a:spLocks noGrp="1"/>
-          </p:cNvSpPr>
-          <p:nvPr>
-            <p:ph type="title"/>
-          </p:nvPr>
-        </p:nvSpPr>
-        <p:spPr>
-          <a:xfrm>
-            <a:off x="457200" y="339954"/>
-            <a:ext cx="8229600" cy="434975"/>
-          </a:xfrm>
-        </p:spPr>
-        <p:txBody>
-          <a:bodyPr/>
-          <a:lstStyle/>
-          <a:p>
-            <a:r>
-              <a:rPr lang="en-US" dirty="0"/>
-              <a:t>Capstone Overviews</a:t>
-            </a:r>
-          </a:p>
-        </p:txBody>
-      </p:sp>
-      <p:sp>
-        <p:nvSpPr>
-          <p:cNvPr id="3" name="Content Placeholder 2"/>
-          <p:cNvSpPr>
-            <a:spLocks noGrp="1"/>
-          </p:cNvSpPr>
-          <p:nvPr>
-            <p:ph idx="1"/>
-          </p:nvPr>
-        </p:nvSpPr>
-        <p:spPr/>
-        <p:txBody>
-          <a:bodyPr/>
-          <a:lstStyle/>
-          <a:p>
-            <a:r>
-              <a:rPr lang="en-US" dirty="0"/>
-              <a:t>Closely related to work projects &amp; natural interest</a:t>
-            </a:r>
-          </a:p>
-        </p:txBody>
-      </p:sp>
-      <p:sp>
-        <p:nvSpPr>
-          <p:cNvPr id="4" name="Content Placeholder 2"/>
-          <p:cNvSpPr txBox="1">
-            <a:spLocks/>
-          </p:cNvSpPr>
-          <p:nvPr/>
-        </p:nvSpPr>
-        <p:spPr>
-          <a:xfrm>
-            <a:off x="988060" y="2055813"/>
-            <a:ext cx="3383280" cy="2432050"/>
-          </a:xfrm>
-          <a:prstGeom prst="rect">
-            <a:avLst/>
-          </a:prstGeom>
-          <a:ln w="12700">
-            <a:solidFill>
-              <a:srgbClr val="D45D00"/>
-            </a:solidFill>
-          </a:ln>
-        </p:spPr>
-        <p:txBody>
-          <a:bodyPr vert="horz" lIns="182880" tIns="822960" rIns="182880" bIns="45720" rtlCol="0">
-            <a:noAutofit/>
-          </a:bodyPr>
-          <a:lstStyle>
-            <a:lvl1pPr marL="171450" indent="-171450" algn="l" defTabSz="914400" rtl="0" eaLnBrk="1" latinLnBrk="0" hangingPunct="1">
-              <a:lnSpc>
-                <a:spcPct val="95000"/>
-              </a:lnSpc>
-              <a:spcBef>
-                <a:spcPts val="600"/>
-              </a:spcBef>
-              <a:spcAft>
-                <a:spcPts val="300"/>
-              </a:spcAft>
-              <a:buClr>
-                <a:schemeClr val="accent1"/>
-              </a:buClr>
-              <a:buFont typeface="Arial" pitchFamily="34" charset="0"/>
-              <a:buChar char="•"/>
-              <a:defRPr sz="1800" kern="1200">
-                <a:solidFill>
-                  <a:schemeClr val="tx1"/>
-                </a:solidFill>
-                <a:latin typeface="Arial" pitchFamily="34" charset="0"/>
-                <a:ea typeface="+mn-ea"/>
-                <a:cs typeface="Arial" pitchFamily="34" charset="0"/>
-              </a:defRPr>
-            </a:lvl1pPr>
-            <a:lvl2pPr marL="400050" indent="-171450" algn="l" defTabSz="914400" rtl="0" eaLnBrk="1" latinLnBrk="0" hangingPunct="1">
-              <a:lnSpc>
-                <a:spcPct val="95000"/>
-              </a:lnSpc>
-              <a:spcBef>
-                <a:spcPts val="300"/>
-              </a:spcBef>
-              <a:spcAft>
-                <a:spcPts val="300"/>
-              </a:spcAft>
-              <a:buFont typeface="Arial" pitchFamily="34" charset="0"/>
-              <a:buChar char="–"/>
-              <a:defRPr sz="1600" kern="1200">
-                <a:solidFill>
-                  <a:schemeClr val="tx1"/>
-                </a:solidFill>
-                <a:latin typeface="Arial" pitchFamily="34" charset="0"/>
-                <a:ea typeface="+mn-ea"/>
-                <a:cs typeface="Arial" pitchFamily="34" charset="0"/>
-              </a:defRPr>
-            </a:lvl2pPr>
-            <a:lvl3pPr marL="571500" indent="-114300" algn="l" defTabSz="914400" rtl="0" eaLnBrk="1" latinLnBrk="0" hangingPunct="1">
-              <a:lnSpc>
-                <a:spcPct val="95000"/>
-              </a:lnSpc>
-              <a:spcBef>
-                <a:spcPts val="300"/>
-              </a:spcBef>
-              <a:spcAft>
-                <a:spcPts val="300"/>
-              </a:spcAft>
-              <a:buClr>
-                <a:schemeClr val="accent1"/>
-              </a:buClr>
-              <a:buFont typeface="Arial" pitchFamily="34" charset="0"/>
-              <a:buChar char="•"/>
-              <a:defRPr sz="1400" kern="1200">
-                <a:solidFill>
-                  <a:schemeClr val="tx1"/>
-                </a:solidFill>
-                <a:latin typeface="Arial" pitchFamily="34" charset="0"/>
-                <a:ea typeface="+mn-ea"/>
-                <a:cs typeface="Arial" pitchFamily="34" charset="0"/>
-              </a:defRPr>
-            </a:lvl3pPr>
-            <a:lvl4pPr marL="857250" indent="-171450" algn="l" defTabSz="914400" rtl="0" eaLnBrk="1" latinLnBrk="0" hangingPunct="1">
-              <a:lnSpc>
-                <a:spcPct val="95000"/>
-              </a:lnSpc>
-              <a:spcBef>
-                <a:spcPts val="300"/>
-              </a:spcBef>
-              <a:spcAft>
-                <a:spcPts val="300"/>
-              </a:spcAft>
-              <a:buFont typeface="Arial" pitchFamily="34" charset="0"/>
-              <a:buChar char="–"/>
-              <a:defRPr sz="1400" kern="1200">
-                <a:solidFill>
-                  <a:schemeClr val="tx1"/>
-                </a:solidFill>
-                <a:latin typeface="Arial" pitchFamily="34" charset="0"/>
-                <a:ea typeface="+mn-ea"/>
-                <a:cs typeface="Arial" pitchFamily="34" charset="0"/>
-              </a:defRPr>
-            </a:lvl4pPr>
-            <a:lvl5pPr marL="1028700" indent="-114300" algn="l" defTabSz="914400" rtl="0" eaLnBrk="1" latinLnBrk="0" hangingPunct="1">
-              <a:lnSpc>
-                <a:spcPct val="95000"/>
-              </a:lnSpc>
-              <a:spcBef>
-                <a:spcPts val="300"/>
-              </a:spcBef>
-              <a:spcAft>
-                <a:spcPts val="300"/>
-              </a:spcAft>
-              <a:buClr>
-                <a:schemeClr val="accent1"/>
-              </a:buClr>
-              <a:buFont typeface="Arial" pitchFamily="34" charset="0"/>
-              <a:buChar char="•"/>
-              <a:tabLst/>
-              <a:defRPr sz="1400" kern="1200">
-                <a:solidFill>
-                  <a:schemeClr val="tx1"/>
-                </a:solidFill>
-                <a:latin typeface="Arial" pitchFamily="34" charset="0"/>
-                <a:ea typeface="+mn-ea"/>
-                <a:cs typeface="Arial" pitchFamily="34" charset="0"/>
-              </a:defRPr>
-            </a:lvl5pPr>
-            <a:lvl6pPr marL="2514600" indent="-228600" algn="l" defTabSz="914400" rtl="0" eaLnBrk="1" latinLnBrk="0" hangingPunct="1">
-              <a:spcBef>
-                <a:spcPct val="20000"/>
-              </a:spcBef>
-              <a:buFont typeface="Arial" pitchFamily="34" charset="0"/>
-              <a:buChar char="•"/>
-              <a:defRPr sz="2000" kern="1200">
-                <a:solidFill>
-                  <a:schemeClr val="tx1"/>
-                </a:solidFill>
-                <a:latin typeface="+mn-lt"/>
-                <a:ea typeface="+mn-ea"/>
-                <a:cs typeface="+mn-cs"/>
-              </a:defRPr>
-            </a:lvl6pPr>
-            <a:lvl7pPr marL="2971800" indent="-228600" algn="l" defTabSz="914400" rtl="0" eaLnBrk="1" latinLnBrk="0" hangingPunct="1">
-              <a:spcBef>
-                <a:spcPct val="20000"/>
-              </a:spcBef>
-              <a:buFont typeface="Arial" pitchFamily="34" charset="0"/>
-              <a:buChar char="•"/>
-              <a:defRPr sz="2000" kern="1200">
-                <a:solidFill>
-                  <a:schemeClr val="tx1"/>
-                </a:solidFill>
-                <a:latin typeface="+mn-lt"/>
-                <a:ea typeface="+mn-ea"/>
-                <a:cs typeface="+mn-cs"/>
-              </a:defRPr>
-            </a:lvl7pPr>
-            <a:lvl8pPr marL="3429000" indent="-228600" algn="l" defTabSz="914400" rtl="0" eaLnBrk="1" latinLnBrk="0" hangingPunct="1">
-              <a:spcBef>
-                <a:spcPct val="20000"/>
-              </a:spcBef>
-              <a:buFont typeface="Arial" pitchFamily="34" charset="0"/>
-              <a:buChar char="•"/>
-              <a:defRPr sz="2000" kern="1200">
-                <a:solidFill>
-                  <a:schemeClr val="tx1"/>
-                </a:solidFill>
-                <a:latin typeface="+mn-lt"/>
-                <a:ea typeface="+mn-ea"/>
-                <a:cs typeface="+mn-cs"/>
-              </a:defRPr>
-            </a:lvl8pPr>
-            <a:lvl9pPr marL="3886200" indent="-228600" algn="l" defTabSz="914400" rtl="0" eaLnBrk="1" latinLnBrk="0" hangingPunct="1">
-              <a:spcBef>
-                <a:spcPct val="20000"/>
-              </a:spcBef>
-              <a:buFont typeface="Arial" pitchFamily="34" charset="0"/>
-              <a:buChar char="•"/>
-              <a:defRPr sz="2000" kern="1200">
-                <a:solidFill>
-                  <a:schemeClr val="tx1"/>
-                </a:solidFill>
-                <a:latin typeface="+mn-lt"/>
-                <a:ea typeface="+mn-ea"/>
-                <a:cs typeface="+mn-cs"/>
-              </a:defRPr>
-            </a:lvl9pPr>
-          </a:lstStyle>
-          <a:p>
-            <a:pPr marL="114300" marR="0" lvl="0" indent="-114300" algn="l" defTabSz="914400" rtl="0" eaLnBrk="1" fontAlgn="auto" latinLnBrk="0" hangingPunct="1">
-              <a:lnSpc>
-                <a:spcPct val="95000"/>
-              </a:lnSpc>
-              <a:spcBef>
-                <a:spcPts val="600"/>
-              </a:spcBef>
-              <a:spcAft>
-                <a:spcPts val="300"/>
-              </a:spcAft>
-              <a:buClrTx/>
-              <a:buSzTx/>
-              <a:buFont typeface="Arial" pitchFamily="34" charset="0"/>
-              <a:buChar char="•"/>
-              <a:tabLst/>
-              <a:defRPr/>
-            </a:pPr>
-            <a:r>
-              <a:rPr lang="en-US" sz="1400" dirty="0">
-                <a:solidFill>
-                  <a:srgbClr val="53565A"/>
-                </a:solidFill>
-              </a:rPr>
-              <a:t>Data access need to test internal models </a:t>
-            </a:r>
-            <a:endParaRPr kumimoji="0" lang="en-US" sz="1400" b="0" i="0" u="none" strike="noStrike" kern="1200" cap="none" spc="0" normalizeH="0" baseline="0" noProof="0" dirty="0">
-              <a:ln>
-                <a:noFill/>
-              </a:ln>
-              <a:solidFill>
-                <a:srgbClr val="53565A"/>
-              </a:solidFill>
-              <a:effectLst/>
-              <a:uLnTx/>
-              <a:uFillTx/>
-              <a:latin typeface="Arial" pitchFamily="34" charset="0"/>
-              <a:ea typeface="+mn-ea"/>
-              <a:cs typeface="Arial" pitchFamily="34" charset="0"/>
-            </a:endParaRPr>
-          </a:p>
-          <a:p>
-            <a:pPr marL="114300" marR="0" lvl="0" indent="-114300" algn="l" defTabSz="914400" rtl="0" eaLnBrk="1" fontAlgn="auto" latinLnBrk="0" hangingPunct="1">
-              <a:lnSpc>
-                <a:spcPct val="95000"/>
-              </a:lnSpc>
-              <a:spcBef>
-                <a:spcPts val="600"/>
-              </a:spcBef>
-              <a:spcAft>
-                <a:spcPts val="300"/>
-              </a:spcAft>
-              <a:buClrTx/>
-              <a:buSzTx/>
-              <a:buFont typeface="Arial" pitchFamily="34" charset="0"/>
-              <a:buChar char="•"/>
-              <a:tabLst/>
-              <a:defRPr/>
-            </a:pPr>
-            <a:r>
-              <a:rPr kumimoji="0" lang="en-US" sz="1400" b="0" i="0" u="none" strike="noStrike" kern="1200" cap="none" spc="0" normalizeH="0" baseline="0" noProof="0" dirty="0">
-                <a:ln>
-                  <a:noFill/>
-                </a:ln>
-                <a:solidFill>
-                  <a:srgbClr val="53565A"/>
-                </a:solidFill>
-                <a:effectLst/>
-                <a:uLnTx/>
-                <a:uFillTx/>
-                <a:latin typeface="Arial" pitchFamily="34" charset="0"/>
-                <a:ea typeface="+mn-ea"/>
-                <a:cs typeface="Arial" pitchFamily="34" charset="0"/>
-              </a:rPr>
-              <a:t>Interest from disease imputation</a:t>
-            </a:r>
-          </a:p>
-        </p:txBody>
-      </p:sp>
-      <p:sp>
-        <p:nvSpPr>
-          <p:cNvPr id="6" name="Rectangle 5"/>
-          <p:cNvSpPr/>
-          <p:nvPr/>
-        </p:nvSpPr>
-        <p:spPr>
-          <a:xfrm>
-            <a:off x="1033780" y="2106648"/>
-            <a:ext cx="3291840" cy="640080"/>
-          </a:xfrm>
-          <a:prstGeom prst="rect">
-            <a:avLst/>
-          </a:prstGeom>
-          <a:solidFill>
-            <a:srgbClr val="D45D00"/>
-          </a:solidFill>
-        </p:spPr>
-        <p:txBody>
-          <a:bodyPr wrap="none" anchor="ctr" anchorCtr="0">
-            <a:noAutofit/>
-          </a:bodyPr>
-          <a:lstStyle/>
-          <a:p>
-            <a:pPr marL="0" marR="0" lvl="0" indent="0" algn="ctr" defTabSz="914400" rtl="0" eaLnBrk="1" fontAlgn="auto" latinLnBrk="0" hangingPunct="1">
-              <a:lnSpc>
-                <a:spcPct val="100000"/>
-              </a:lnSpc>
-              <a:spcBef>
-                <a:spcPts val="0"/>
-              </a:spcBef>
-              <a:spcAft>
-                <a:spcPts val="0"/>
-              </a:spcAft>
-              <a:buClrTx/>
-              <a:buSzTx/>
-              <a:buFontTx/>
-              <a:buNone/>
-              <a:tabLst/>
-              <a:defRPr/>
-            </a:pPr>
-            <a:r>
-              <a:rPr kumimoji="0" lang="en-US" sz="1600" b="0" i="0" u="none" strike="noStrike" kern="1200" cap="none" spc="0" normalizeH="0" baseline="0" noProof="0" dirty="0">
-                <a:ln>
-                  <a:noFill/>
-                </a:ln>
-                <a:solidFill>
-                  <a:srgbClr val="FFFFFF"/>
-                </a:solidFill>
-                <a:effectLst/>
-                <a:uLnTx/>
-                <a:uFillTx/>
-                <a:latin typeface="Arial"/>
-                <a:ea typeface="+mn-ea"/>
-                <a:cs typeface="+mn-cs"/>
-              </a:rPr>
-              <a:t>Mortality Predictions</a:t>
-            </a:r>
-          </a:p>
-        </p:txBody>
-      </p:sp>
-      <p:sp>
-        <p:nvSpPr>
-          <p:cNvPr id="13" name="Content Placeholder 2"/>
-          <p:cNvSpPr txBox="1">
-            <a:spLocks/>
-          </p:cNvSpPr>
-          <p:nvPr/>
-        </p:nvSpPr>
-        <p:spPr>
-          <a:xfrm>
-            <a:off x="4831080" y="2055813"/>
-            <a:ext cx="3383280" cy="2432050"/>
-          </a:xfrm>
-          <a:prstGeom prst="rect">
-            <a:avLst/>
-          </a:prstGeom>
-          <a:ln w="12700">
-            <a:solidFill>
-              <a:srgbClr val="008770"/>
-            </a:solidFill>
-          </a:ln>
-        </p:spPr>
-        <p:txBody>
-          <a:bodyPr vert="horz" lIns="182880" tIns="822960" rIns="182880" bIns="45720" rtlCol="0">
-            <a:noAutofit/>
-          </a:bodyPr>
-          <a:lstStyle>
-            <a:lvl1pPr marL="171450" indent="-171450" algn="l" defTabSz="914400" rtl="0" eaLnBrk="1" latinLnBrk="0" hangingPunct="1">
-              <a:lnSpc>
-                <a:spcPct val="95000"/>
-              </a:lnSpc>
-              <a:spcBef>
-                <a:spcPts val="600"/>
-              </a:spcBef>
-              <a:spcAft>
-                <a:spcPts val="300"/>
-              </a:spcAft>
-              <a:buClr>
-                <a:schemeClr val="accent1"/>
-              </a:buClr>
-              <a:buFont typeface="Arial" pitchFamily="34" charset="0"/>
-              <a:buChar char="•"/>
-              <a:defRPr sz="1800" kern="1200">
-                <a:solidFill>
-                  <a:schemeClr val="tx1"/>
-                </a:solidFill>
-                <a:latin typeface="Arial" pitchFamily="34" charset="0"/>
-                <a:ea typeface="+mn-ea"/>
-                <a:cs typeface="Arial" pitchFamily="34" charset="0"/>
-              </a:defRPr>
-            </a:lvl1pPr>
-            <a:lvl2pPr marL="400050" indent="-171450" algn="l" defTabSz="914400" rtl="0" eaLnBrk="1" latinLnBrk="0" hangingPunct="1">
-              <a:lnSpc>
-                <a:spcPct val="95000"/>
-              </a:lnSpc>
-              <a:spcBef>
-                <a:spcPts val="300"/>
-              </a:spcBef>
-              <a:spcAft>
-                <a:spcPts val="300"/>
-              </a:spcAft>
-              <a:buFont typeface="Arial" pitchFamily="34" charset="0"/>
-              <a:buChar char="–"/>
-              <a:defRPr sz="1600" kern="1200">
-                <a:solidFill>
-                  <a:schemeClr val="tx1"/>
-                </a:solidFill>
-                <a:latin typeface="Arial" pitchFamily="34" charset="0"/>
-                <a:ea typeface="+mn-ea"/>
-                <a:cs typeface="Arial" pitchFamily="34" charset="0"/>
-              </a:defRPr>
-            </a:lvl2pPr>
-            <a:lvl3pPr marL="571500" indent="-114300" algn="l" defTabSz="914400" rtl="0" eaLnBrk="1" latinLnBrk="0" hangingPunct="1">
-              <a:lnSpc>
-                <a:spcPct val="95000"/>
-              </a:lnSpc>
-              <a:spcBef>
-                <a:spcPts val="300"/>
-              </a:spcBef>
-              <a:spcAft>
-                <a:spcPts val="300"/>
-              </a:spcAft>
-              <a:buClr>
-                <a:schemeClr val="accent1"/>
-              </a:buClr>
-              <a:buFont typeface="Arial" pitchFamily="34" charset="0"/>
-              <a:buChar char="•"/>
-              <a:defRPr sz="1400" kern="1200">
-                <a:solidFill>
-                  <a:schemeClr val="tx1"/>
-                </a:solidFill>
-                <a:latin typeface="Arial" pitchFamily="34" charset="0"/>
-                <a:ea typeface="+mn-ea"/>
-                <a:cs typeface="Arial" pitchFamily="34" charset="0"/>
-              </a:defRPr>
-            </a:lvl3pPr>
-            <a:lvl4pPr marL="857250" indent="-171450" algn="l" defTabSz="914400" rtl="0" eaLnBrk="1" latinLnBrk="0" hangingPunct="1">
-              <a:lnSpc>
-                <a:spcPct val="95000"/>
-              </a:lnSpc>
-              <a:spcBef>
-                <a:spcPts val="300"/>
-              </a:spcBef>
-              <a:spcAft>
-                <a:spcPts val="300"/>
-              </a:spcAft>
-              <a:buFont typeface="Arial" pitchFamily="34" charset="0"/>
-              <a:buChar char="–"/>
-              <a:defRPr sz="1400" kern="1200">
-                <a:solidFill>
-                  <a:schemeClr val="tx1"/>
-                </a:solidFill>
-                <a:latin typeface="Arial" pitchFamily="34" charset="0"/>
-                <a:ea typeface="+mn-ea"/>
-                <a:cs typeface="Arial" pitchFamily="34" charset="0"/>
-              </a:defRPr>
-            </a:lvl4pPr>
-            <a:lvl5pPr marL="1028700" indent="-114300" algn="l" defTabSz="914400" rtl="0" eaLnBrk="1" latinLnBrk="0" hangingPunct="1">
-              <a:lnSpc>
-                <a:spcPct val="95000"/>
-              </a:lnSpc>
-              <a:spcBef>
-                <a:spcPts val="300"/>
-              </a:spcBef>
-              <a:spcAft>
-                <a:spcPts val="300"/>
-              </a:spcAft>
-              <a:buClr>
-                <a:schemeClr val="accent1"/>
-              </a:buClr>
-              <a:buFont typeface="Arial" pitchFamily="34" charset="0"/>
-              <a:buChar char="•"/>
-              <a:tabLst/>
-              <a:defRPr sz="1400" kern="1200">
-                <a:solidFill>
-                  <a:schemeClr val="tx1"/>
-                </a:solidFill>
-                <a:latin typeface="Arial" pitchFamily="34" charset="0"/>
-                <a:ea typeface="+mn-ea"/>
-                <a:cs typeface="Arial" pitchFamily="34" charset="0"/>
-              </a:defRPr>
-            </a:lvl5pPr>
-            <a:lvl6pPr marL="2514600" indent="-228600" algn="l" defTabSz="914400" rtl="0" eaLnBrk="1" latinLnBrk="0" hangingPunct="1">
-              <a:spcBef>
-                <a:spcPct val="20000"/>
-              </a:spcBef>
-              <a:buFont typeface="Arial" pitchFamily="34" charset="0"/>
-              <a:buChar char="•"/>
-              <a:defRPr sz="2000" kern="1200">
-                <a:solidFill>
-                  <a:schemeClr val="tx1"/>
-                </a:solidFill>
-                <a:latin typeface="+mn-lt"/>
-                <a:ea typeface="+mn-ea"/>
-                <a:cs typeface="+mn-cs"/>
-              </a:defRPr>
-            </a:lvl6pPr>
-            <a:lvl7pPr marL="2971800" indent="-228600" algn="l" defTabSz="914400" rtl="0" eaLnBrk="1" latinLnBrk="0" hangingPunct="1">
-              <a:spcBef>
-                <a:spcPct val="20000"/>
-              </a:spcBef>
-              <a:buFont typeface="Arial" pitchFamily="34" charset="0"/>
-              <a:buChar char="•"/>
-              <a:defRPr sz="2000" kern="1200">
-                <a:solidFill>
-                  <a:schemeClr val="tx1"/>
-                </a:solidFill>
-                <a:latin typeface="+mn-lt"/>
-                <a:ea typeface="+mn-ea"/>
-                <a:cs typeface="+mn-cs"/>
-              </a:defRPr>
-            </a:lvl7pPr>
-            <a:lvl8pPr marL="3429000" indent="-228600" algn="l" defTabSz="914400" rtl="0" eaLnBrk="1" latinLnBrk="0" hangingPunct="1">
-              <a:spcBef>
-                <a:spcPct val="20000"/>
-              </a:spcBef>
-              <a:buFont typeface="Arial" pitchFamily="34" charset="0"/>
-              <a:buChar char="•"/>
-              <a:defRPr sz="2000" kern="1200">
-                <a:solidFill>
-                  <a:schemeClr val="tx1"/>
-                </a:solidFill>
-                <a:latin typeface="+mn-lt"/>
-                <a:ea typeface="+mn-ea"/>
-                <a:cs typeface="+mn-cs"/>
-              </a:defRPr>
-            </a:lvl8pPr>
-            <a:lvl9pPr marL="3886200" indent="-228600" algn="l" defTabSz="914400" rtl="0" eaLnBrk="1" latinLnBrk="0" hangingPunct="1">
-              <a:spcBef>
-                <a:spcPct val="20000"/>
-              </a:spcBef>
-              <a:buFont typeface="Arial" pitchFamily="34" charset="0"/>
-              <a:buChar char="•"/>
-              <a:defRPr sz="2000" kern="1200">
-                <a:solidFill>
-                  <a:schemeClr val="tx1"/>
-                </a:solidFill>
-                <a:latin typeface="+mn-lt"/>
-                <a:ea typeface="+mn-ea"/>
-                <a:cs typeface="+mn-cs"/>
-              </a:defRPr>
-            </a:lvl9pPr>
-          </a:lstStyle>
-          <a:p>
-            <a:pPr marL="114300" marR="0" lvl="0" indent="-114300" algn="l" defTabSz="914400" rtl="0" eaLnBrk="1" fontAlgn="auto" latinLnBrk="0" hangingPunct="1">
-              <a:lnSpc>
-                <a:spcPct val="95000"/>
-              </a:lnSpc>
-              <a:spcBef>
-                <a:spcPts val="600"/>
-              </a:spcBef>
-              <a:spcAft>
-                <a:spcPts val="300"/>
-              </a:spcAft>
-              <a:buClrTx/>
-              <a:buSzTx/>
-              <a:buFont typeface="Arial" pitchFamily="34" charset="0"/>
-              <a:buChar char="•"/>
-              <a:tabLst/>
-              <a:defRPr/>
-            </a:pPr>
-            <a:r>
-              <a:rPr kumimoji="0" lang="en-US" sz="1400" b="0" i="0" u="none" strike="noStrike" kern="1200" cap="none" spc="0" normalizeH="0" baseline="0" noProof="0" dirty="0">
-                <a:ln>
-                  <a:noFill/>
-                </a:ln>
-                <a:solidFill>
-                  <a:srgbClr val="53565A"/>
-                </a:solidFill>
-                <a:effectLst/>
-                <a:uLnTx/>
-                <a:uFillTx/>
-                <a:latin typeface="Arial" pitchFamily="34" charset="0"/>
-                <a:ea typeface="+mn-ea"/>
-                <a:cs typeface="Arial" pitchFamily="34" charset="0"/>
-              </a:rPr>
-              <a:t>Physician Burnout project</a:t>
-            </a:r>
-          </a:p>
-        </p:txBody>
-      </p:sp>
-      <p:sp>
-        <p:nvSpPr>
-          <p:cNvPr id="14" name="Rectangle 13"/>
-          <p:cNvSpPr/>
-          <p:nvPr/>
-        </p:nvSpPr>
-        <p:spPr>
-          <a:xfrm>
-            <a:off x="4876800" y="2106648"/>
-            <a:ext cx="3291840" cy="640080"/>
-          </a:xfrm>
-          <a:prstGeom prst="rect">
-            <a:avLst/>
-          </a:prstGeom>
-          <a:solidFill>
-            <a:srgbClr val="008770"/>
-          </a:solidFill>
-        </p:spPr>
-        <p:txBody>
-          <a:bodyPr wrap="none" anchor="ctr" anchorCtr="0">
-            <a:noAutofit/>
-          </a:bodyPr>
-          <a:lstStyle/>
-          <a:p>
-            <a:pPr marL="0" marR="0" lvl="0" indent="0" algn="ctr" defTabSz="914400" rtl="0" eaLnBrk="1" fontAlgn="auto" latinLnBrk="0" hangingPunct="1">
-              <a:lnSpc>
-                <a:spcPct val="100000"/>
-              </a:lnSpc>
-              <a:spcBef>
-                <a:spcPts val="0"/>
-              </a:spcBef>
-              <a:spcAft>
-                <a:spcPts val="0"/>
-              </a:spcAft>
-              <a:buClrTx/>
-              <a:buSzTx/>
-              <a:buFontTx/>
-              <a:buNone/>
-              <a:tabLst/>
-              <a:defRPr/>
-            </a:pPr>
-            <a:r>
-              <a:rPr kumimoji="0" lang="en-US" sz="1600" b="0" i="0" u="none" strike="noStrike" kern="1200" cap="none" spc="0" normalizeH="0" baseline="0" noProof="0" dirty="0">
-                <a:ln>
-                  <a:noFill/>
-                </a:ln>
-                <a:solidFill>
-                  <a:srgbClr val="FFFFFF"/>
-                </a:solidFill>
-                <a:effectLst/>
-                <a:uLnTx/>
-                <a:uFillTx/>
-                <a:latin typeface="Arial"/>
-                <a:ea typeface="+mn-ea"/>
-                <a:cs typeface="+mn-cs"/>
-              </a:rPr>
-              <a:t>Mental Health Survey</a:t>
-            </a:r>
-            <a:r>
-              <a:rPr lang="en-US" sz="1600" dirty="0">
-                <a:solidFill>
-                  <a:srgbClr val="FFFFFF"/>
-                </a:solidFill>
-                <a:latin typeface="Arial"/>
-              </a:rPr>
-              <a:t> Analysis</a:t>
-            </a:r>
-            <a:endParaRPr kumimoji="0" lang="en-US" sz="1600" b="0" i="0" u="none" strike="noStrike" kern="1200" cap="none" spc="0" normalizeH="0" baseline="0" noProof="0" dirty="0">
-              <a:ln>
-                <a:noFill/>
-              </a:ln>
-              <a:solidFill>
-                <a:srgbClr val="FFFFFF"/>
-              </a:solidFill>
-              <a:effectLst/>
-              <a:uLnTx/>
-              <a:uFillTx/>
-              <a:latin typeface="Arial"/>
-              <a:ea typeface="+mn-ea"/>
-              <a:cs typeface="+mn-cs"/>
-            </a:endParaRPr>
-          </a:p>
-        </p:txBody>
-      </p:sp>
-    </p:spTree>
-    <p:extLst>
-      <p:ext uri="{BB962C8B-B14F-4D97-AF65-F5344CB8AC3E}">
-        <p14:creationId xmlns:p14="http://schemas.microsoft.com/office/powerpoint/2010/main" val="4167920212"/>
-      </p:ext>
-    </p:extLst>
-  </p:cSld>
-  <p:clrMapOvr>
-    <a:masterClrMapping/>
-  </p:clrMapOvr>
-  <p:transition>
-    <p:fade/>
-  </p:transition>
-</p:sld>
-</file>
-
-<file path=ppt/slides/slide30.xml><?xml version="1.0" encoding="utf-8"?>
+<file path=ppt/slides/slide31.xml><?xml version="1.0" encoding="utf-8"?>
 <p:sld xmlns:a="http://schemas.openxmlformats.org/drawingml/2006/main" xmlns:r="http://schemas.openxmlformats.org/officeDocument/2006/relationships" xmlns:p="http://schemas.openxmlformats.org/presentationml/2006/main">
   <p:cSld>
     <p:spTree>
@@ -26946,7 +26864,7 @@
 </p:sld>
 </file>
 
-<file path=ppt/slides/slide31.xml><?xml version="1.0" encoding="utf-8"?>
+<file path=ppt/slides/slide32.xml><?xml version="1.0" encoding="utf-8"?>
 <p:sld xmlns:a="http://schemas.openxmlformats.org/drawingml/2006/main" xmlns:r="http://schemas.openxmlformats.org/officeDocument/2006/relationships" xmlns:p="http://schemas.openxmlformats.org/presentationml/2006/main">
   <p:cSld>
     <p:spTree>
@@ -27279,7 +27197,7 @@
 </p:sld>
 </file>
 
-<file path=ppt/slides/slide32.xml><?xml version="1.0" encoding="utf-8"?>
+<file path=ppt/slides/slide33.xml><?xml version="1.0" encoding="utf-8"?>
 <p:sld xmlns:a="http://schemas.openxmlformats.org/drawingml/2006/main" xmlns:r="http://schemas.openxmlformats.org/officeDocument/2006/relationships" xmlns:p="http://schemas.openxmlformats.org/presentationml/2006/main">
   <p:cSld>
     <p:spTree>
@@ -27407,7 +27325,7 @@
 </p:sld>
 </file>
 
-<file path=ppt/slides/slide33.xml><?xml version="1.0" encoding="utf-8"?>
+<file path=ppt/slides/slide34.xml><?xml version="1.0" encoding="utf-8"?>
 <p:sld xmlns:a="http://schemas.openxmlformats.org/drawingml/2006/main" xmlns:r="http://schemas.openxmlformats.org/officeDocument/2006/relationships" xmlns:p="http://schemas.openxmlformats.org/presentationml/2006/main">
   <p:cSld>
     <p:spTree>
@@ -27682,7 +27600,939 @@
 </p:sld>
 </file>
 
+<file path=ppt/slides/slide35.xml><?xml version="1.0" encoding="utf-8"?>
+<p:sld xmlns:a="http://schemas.openxmlformats.org/drawingml/2006/main" xmlns:r="http://schemas.openxmlformats.org/officeDocument/2006/relationships" xmlns:p="http://schemas.openxmlformats.org/presentationml/2006/main">
+  <p:cSld>
+    <p:spTree>
+      <p:nvGrpSpPr>
+        <p:cNvPr id="1" name=""/>
+        <p:cNvGrpSpPr/>
+        <p:nvPr/>
+      </p:nvGrpSpPr>
+      <p:grpSpPr>
+        <a:xfrm>
+          <a:off x="0" y="0"/>
+          <a:ext cx="0" cy="0"/>
+          <a:chOff x="0" y="0"/>
+          <a:chExt cx="0" cy="0"/>
+        </a:xfrm>
+      </p:grpSpPr>
+      <p:sp>
+        <p:nvSpPr>
+          <p:cNvPr id="2" name="Content Placeholder 1">
+            <a:extLst>
+              <a:ext uri="{FF2B5EF4-FFF2-40B4-BE49-F238E27FC236}">
+                <a16:creationId xmlns:a16="http://schemas.microsoft.com/office/drawing/2014/main" id="{1E65A410-0FAA-4894-8E76-D396721E6A4D}"/>
+              </a:ext>
+            </a:extLst>
+          </p:cNvPr>
+          <p:cNvSpPr>
+            <a:spLocks noGrp="1"/>
+          </p:cNvSpPr>
+          <p:nvPr>
+            <p:ph idx="1"/>
+          </p:nvPr>
+        </p:nvSpPr>
+        <p:spPr/>
+        <p:txBody>
+          <a:bodyPr/>
+          <a:lstStyle/>
+          <a:p>
+            <a:r>
+              <a:rPr lang="en-US" dirty="0">
+                <a:hlinkClick r:id="rId2"/>
+              </a:rPr>
+              <a:t>Notebook</a:t>
+            </a:r>
+            <a:endParaRPr lang="en-US" dirty="0"/>
+          </a:p>
+        </p:txBody>
+      </p:sp>
+      <p:sp>
+        <p:nvSpPr>
+          <p:cNvPr id="3" name="Title 2">
+            <a:extLst>
+              <a:ext uri="{FF2B5EF4-FFF2-40B4-BE49-F238E27FC236}">
+                <a16:creationId xmlns:a16="http://schemas.microsoft.com/office/drawing/2014/main" id="{D5BE0CEB-D3C4-4736-BB8C-3BB40A5C0AAD}"/>
+              </a:ext>
+            </a:extLst>
+          </p:cNvPr>
+          <p:cNvSpPr>
+            <a:spLocks noGrp="1"/>
+          </p:cNvSpPr>
+          <p:nvPr>
+            <p:ph type="title"/>
+          </p:nvPr>
+        </p:nvSpPr>
+        <p:spPr/>
+        <p:txBody>
+          <a:bodyPr/>
+          <a:lstStyle/>
+          <a:p>
+            <a:r>
+              <a:rPr lang="en-US" dirty="0"/>
+              <a:t>Code Walk Through</a:t>
+            </a:r>
+          </a:p>
+        </p:txBody>
+      </p:sp>
+    </p:spTree>
+    <p:extLst>
+      <p:ext uri="{BB962C8B-B14F-4D97-AF65-F5344CB8AC3E}">
+        <p14:creationId xmlns:p14="http://schemas.microsoft.com/office/powerpoint/2010/main" val="3689540949"/>
+      </p:ext>
+    </p:extLst>
+  </p:cSld>
+  <p:clrMapOvr>
+    <a:masterClrMapping/>
+  </p:clrMapOvr>
+  <p:transition>
+    <p:fade/>
+  </p:transition>
+</p:sld>
+</file>
+
+<file path=ppt/slides/slide36.xml><?xml version="1.0" encoding="utf-8"?>
+<p:sld xmlns:a="http://schemas.openxmlformats.org/drawingml/2006/main" xmlns:r="http://schemas.openxmlformats.org/officeDocument/2006/relationships" xmlns:p="http://schemas.openxmlformats.org/presentationml/2006/main">
+  <p:cSld>
+    <p:spTree>
+      <p:nvGrpSpPr>
+        <p:cNvPr id="1" name=""/>
+        <p:cNvGrpSpPr/>
+        <p:nvPr/>
+      </p:nvGrpSpPr>
+      <p:grpSpPr>
+        <a:xfrm>
+          <a:off x="0" y="0"/>
+          <a:ext cx="0" cy="0"/>
+          <a:chOff x="0" y="0"/>
+          <a:chExt cx="0" cy="0"/>
+        </a:xfrm>
+      </p:grpSpPr>
+      <p:sp>
+        <p:nvSpPr>
+          <p:cNvPr id="2" name="Title 1">
+            <a:extLst>
+              <a:ext uri="{FF2B5EF4-FFF2-40B4-BE49-F238E27FC236}">
+                <a16:creationId xmlns:a16="http://schemas.microsoft.com/office/drawing/2014/main" id="{443D1E62-E971-4C37-BBC4-9B6417858876}"/>
+              </a:ext>
+            </a:extLst>
+          </p:cNvPr>
+          <p:cNvSpPr>
+            <a:spLocks noGrp="1"/>
+          </p:cNvSpPr>
+          <p:nvPr>
+            <p:ph type="ctrTitle"/>
+          </p:nvPr>
+        </p:nvSpPr>
+        <p:spPr/>
+        <p:txBody>
+          <a:bodyPr/>
+          <a:lstStyle/>
+          <a:p>
+            <a:pPr algn="ctr"/>
+            <a:r>
+              <a:rPr lang="en-US" dirty="0"/>
+              <a:t>THANK YOU</a:t>
+            </a:r>
+          </a:p>
+        </p:txBody>
+      </p:sp>
+      <p:sp>
+        <p:nvSpPr>
+          <p:cNvPr id="3" name="Subtitle 2">
+            <a:extLst>
+              <a:ext uri="{FF2B5EF4-FFF2-40B4-BE49-F238E27FC236}">
+                <a16:creationId xmlns:a16="http://schemas.microsoft.com/office/drawing/2014/main" id="{B2F30432-5DF1-4963-B020-A277FE739817}"/>
+              </a:ext>
+            </a:extLst>
+          </p:cNvPr>
+          <p:cNvSpPr>
+            <a:spLocks noGrp="1"/>
+          </p:cNvSpPr>
+          <p:nvPr>
+            <p:ph type="subTitle" idx="1"/>
+          </p:nvPr>
+        </p:nvSpPr>
+        <p:spPr/>
+        <p:txBody>
+          <a:bodyPr/>
+          <a:lstStyle/>
+          <a:p>
+            <a:r>
+              <a:rPr lang="en-US" dirty="0"/>
+              <a:t>Feedback</a:t>
+            </a:r>
+          </a:p>
+        </p:txBody>
+      </p:sp>
+    </p:spTree>
+    <p:extLst>
+      <p:ext uri="{BB962C8B-B14F-4D97-AF65-F5344CB8AC3E}">
+        <p14:creationId xmlns:p14="http://schemas.microsoft.com/office/powerpoint/2010/main" val="1996740696"/>
+      </p:ext>
+    </p:extLst>
+  </p:cSld>
+  <p:clrMapOvr>
+    <a:masterClrMapping/>
+  </p:clrMapOvr>
+  <p:transition>
+    <p:fade/>
+  </p:transition>
+</p:sld>
+</file>
+
 <file path=ppt/slides/slide4.xml><?xml version="1.0" encoding="utf-8"?>
+<p:sld xmlns:a="http://schemas.openxmlformats.org/drawingml/2006/main" xmlns:r="http://schemas.openxmlformats.org/officeDocument/2006/relationships" xmlns:p="http://schemas.openxmlformats.org/presentationml/2006/main">
+  <p:cSld>
+    <p:spTree>
+      <p:nvGrpSpPr>
+        <p:cNvPr id="1" name=""/>
+        <p:cNvGrpSpPr/>
+        <p:nvPr/>
+      </p:nvGrpSpPr>
+      <p:grpSpPr>
+        <a:xfrm>
+          <a:off x="0" y="0"/>
+          <a:ext cx="0" cy="0"/>
+          <a:chOff x="0" y="0"/>
+          <a:chExt cx="0" cy="0"/>
+        </a:xfrm>
+      </p:grpSpPr>
+      <p:sp>
+        <p:nvSpPr>
+          <p:cNvPr id="2" name="Title 1"/>
+          <p:cNvSpPr>
+            <a:spLocks noGrp="1"/>
+          </p:cNvSpPr>
+          <p:nvPr>
+            <p:ph type="title"/>
+          </p:nvPr>
+        </p:nvSpPr>
+        <p:spPr>
+          <a:xfrm>
+            <a:off x="457200" y="339954"/>
+            <a:ext cx="8229600" cy="434975"/>
+          </a:xfrm>
+        </p:spPr>
+        <p:txBody>
+          <a:bodyPr/>
+          <a:lstStyle/>
+          <a:p>
+            <a:r>
+              <a:rPr lang="en-US" dirty="0"/>
+              <a:t>Capstone Overviews</a:t>
+            </a:r>
+          </a:p>
+        </p:txBody>
+      </p:sp>
+      <p:sp>
+        <p:nvSpPr>
+          <p:cNvPr id="3" name="Content Placeholder 2"/>
+          <p:cNvSpPr>
+            <a:spLocks noGrp="1"/>
+          </p:cNvSpPr>
+          <p:nvPr>
+            <p:ph idx="1"/>
+          </p:nvPr>
+        </p:nvSpPr>
+        <p:spPr/>
+        <p:txBody>
+          <a:bodyPr/>
+          <a:lstStyle/>
+          <a:p>
+            <a:r>
+              <a:rPr lang="en-US" dirty="0"/>
+              <a:t>Closely related to work projects &amp; natural interest</a:t>
+            </a:r>
+          </a:p>
+        </p:txBody>
+      </p:sp>
+      <p:sp>
+        <p:nvSpPr>
+          <p:cNvPr id="4" name="Content Placeholder 2"/>
+          <p:cNvSpPr txBox="1">
+            <a:spLocks/>
+          </p:cNvSpPr>
+          <p:nvPr/>
+        </p:nvSpPr>
+        <p:spPr>
+          <a:xfrm>
+            <a:off x="988060" y="2055813"/>
+            <a:ext cx="3383280" cy="2432050"/>
+          </a:xfrm>
+          <a:prstGeom prst="rect">
+            <a:avLst/>
+          </a:prstGeom>
+          <a:ln w="12700">
+            <a:solidFill>
+              <a:srgbClr val="D45D00"/>
+            </a:solidFill>
+          </a:ln>
+        </p:spPr>
+        <p:txBody>
+          <a:bodyPr vert="horz" lIns="182880" tIns="822960" rIns="182880" bIns="45720" rtlCol="0">
+            <a:noAutofit/>
+          </a:bodyPr>
+          <a:lstStyle>
+            <a:lvl1pPr marL="171450" indent="-171450" algn="l" defTabSz="914400" rtl="0" eaLnBrk="1" latinLnBrk="0" hangingPunct="1">
+              <a:lnSpc>
+                <a:spcPct val="95000"/>
+              </a:lnSpc>
+              <a:spcBef>
+                <a:spcPts val="600"/>
+              </a:spcBef>
+              <a:spcAft>
+                <a:spcPts val="300"/>
+              </a:spcAft>
+              <a:buClr>
+                <a:schemeClr val="accent1"/>
+              </a:buClr>
+              <a:buFont typeface="Arial" pitchFamily="34" charset="0"/>
+              <a:buChar char="•"/>
+              <a:defRPr sz="1800" kern="1200">
+                <a:solidFill>
+                  <a:schemeClr val="tx1"/>
+                </a:solidFill>
+                <a:latin typeface="Arial" pitchFamily="34" charset="0"/>
+                <a:ea typeface="+mn-ea"/>
+                <a:cs typeface="Arial" pitchFamily="34" charset="0"/>
+              </a:defRPr>
+            </a:lvl1pPr>
+            <a:lvl2pPr marL="400050" indent="-171450" algn="l" defTabSz="914400" rtl="0" eaLnBrk="1" latinLnBrk="0" hangingPunct="1">
+              <a:lnSpc>
+                <a:spcPct val="95000"/>
+              </a:lnSpc>
+              <a:spcBef>
+                <a:spcPts val="300"/>
+              </a:spcBef>
+              <a:spcAft>
+                <a:spcPts val="300"/>
+              </a:spcAft>
+              <a:buFont typeface="Arial" pitchFamily="34" charset="0"/>
+              <a:buChar char="–"/>
+              <a:defRPr sz="1600" kern="1200">
+                <a:solidFill>
+                  <a:schemeClr val="tx1"/>
+                </a:solidFill>
+                <a:latin typeface="Arial" pitchFamily="34" charset="0"/>
+                <a:ea typeface="+mn-ea"/>
+                <a:cs typeface="Arial" pitchFamily="34" charset="0"/>
+              </a:defRPr>
+            </a:lvl2pPr>
+            <a:lvl3pPr marL="571500" indent="-114300" algn="l" defTabSz="914400" rtl="0" eaLnBrk="1" latinLnBrk="0" hangingPunct="1">
+              <a:lnSpc>
+                <a:spcPct val="95000"/>
+              </a:lnSpc>
+              <a:spcBef>
+                <a:spcPts val="300"/>
+              </a:spcBef>
+              <a:spcAft>
+                <a:spcPts val="300"/>
+              </a:spcAft>
+              <a:buClr>
+                <a:schemeClr val="accent1"/>
+              </a:buClr>
+              <a:buFont typeface="Arial" pitchFamily="34" charset="0"/>
+              <a:buChar char="•"/>
+              <a:defRPr sz="1400" kern="1200">
+                <a:solidFill>
+                  <a:schemeClr val="tx1"/>
+                </a:solidFill>
+                <a:latin typeface="Arial" pitchFamily="34" charset="0"/>
+                <a:ea typeface="+mn-ea"/>
+                <a:cs typeface="Arial" pitchFamily="34" charset="0"/>
+              </a:defRPr>
+            </a:lvl3pPr>
+            <a:lvl4pPr marL="857250" indent="-171450" algn="l" defTabSz="914400" rtl="0" eaLnBrk="1" latinLnBrk="0" hangingPunct="1">
+              <a:lnSpc>
+                <a:spcPct val="95000"/>
+              </a:lnSpc>
+              <a:spcBef>
+                <a:spcPts val="300"/>
+              </a:spcBef>
+              <a:spcAft>
+                <a:spcPts val="300"/>
+              </a:spcAft>
+              <a:buFont typeface="Arial" pitchFamily="34" charset="0"/>
+              <a:buChar char="–"/>
+              <a:defRPr sz="1400" kern="1200">
+                <a:solidFill>
+                  <a:schemeClr val="tx1"/>
+                </a:solidFill>
+                <a:latin typeface="Arial" pitchFamily="34" charset="0"/>
+                <a:ea typeface="+mn-ea"/>
+                <a:cs typeface="Arial" pitchFamily="34" charset="0"/>
+              </a:defRPr>
+            </a:lvl4pPr>
+            <a:lvl5pPr marL="1028700" indent="-114300" algn="l" defTabSz="914400" rtl="0" eaLnBrk="1" latinLnBrk="0" hangingPunct="1">
+              <a:lnSpc>
+                <a:spcPct val="95000"/>
+              </a:lnSpc>
+              <a:spcBef>
+                <a:spcPts val="300"/>
+              </a:spcBef>
+              <a:spcAft>
+                <a:spcPts val="300"/>
+              </a:spcAft>
+              <a:buClr>
+                <a:schemeClr val="accent1"/>
+              </a:buClr>
+              <a:buFont typeface="Arial" pitchFamily="34" charset="0"/>
+              <a:buChar char="•"/>
+              <a:tabLst/>
+              <a:defRPr sz="1400" kern="1200">
+                <a:solidFill>
+                  <a:schemeClr val="tx1"/>
+                </a:solidFill>
+                <a:latin typeface="Arial" pitchFamily="34" charset="0"/>
+                <a:ea typeface="+mn-ea"/>
+                <a:cs typeface="Arial" pitchFamily="34" charset="0"/>
+              </a:defRPr>
+            </a:lvl5pPr>
+            <a:lvl6pPr marL="2514600" indent="-228600" algn="l" defTabSz="914400" rtl="0" eaLnBrk="1" latinLnBrk="0" hangingPunct="1">
+              <a:spcBef>
+                <a:spcPct val="20000"/>
+              </a:spcBef>
+              <a:buFont typeface="Arial" pitchFamily="34" charset="0"/>
+              <a:buChar char="•"/>
+              <a:defRPr sz="2000" kern="1200">
+                <a:solidFill>
+                  <a:schemeClr val="tx1"/>
+                </a:solidFill>
+                <a:latin typeface="+mn-lt"/>
+                <a:ea typeface="+mn-ea"/>
+                <a:cs typeface="+mn-cs"/>
+              </a:defRPr>
+            </a:lvl6pPr>
+            <a:lvl7pPr marL="2971800" indent="-228600" algn="l" defTabSz="914400" rtl="0" eaLnBrk="1" latinLnBrk="0" hangingPunct="1">
+              <a:spcBef>
+                <a:spcPct val="20000"/>
+              </a:spcBef>
+              <a:buFont typeface="Arial" pitchFamily="34" charset="0"/>
+              <a:buChar char="•"/>
+              <a:defRPr sz="2000" kern="1200">
+                <a:solidFill>
+                  <a:schemeClr val="tx1"/>
+                </a:solidFill>
+                <a:latin typeface="+mn-lt"/>
+                <a:ea typeface="+mn-ea"/>
+                <a:cs typeface="+mn-cs"/>
+              </a:defRPr>
+            </a:lvl7pPr>
+            <a:lvl8pPr marL="3429000" indent="-228600" algn="l" defTabSz="914400" rtl="0" eaLnBrk="1" latinLnBrk="0" hangingPunct="1">
+              <a:spcBef>
+                <a:spcPct val="20000"/>
+              </a:spcBef>
+              <a:buFont typeface="Arial" pitchFamily="34" charset="0"/>
+              <a:buChar char="•"/>
+              <a:defRPr sz="2000" kern="1200">
+                <a:solidFill>
+                  <a:schemeClr val="tx1"/>
+                </a:solidFill>
+                <a:latin typeface="+mn-lt"/>
+                <a:ea typeface="+mn-ea"/>
+                <a:cs typeface="+mn-cs"/>
+              </a:defRPr>
+            </a:lvl8pPr>
+            <a:lvl9pPr marL="3886200" indent="-228600" algn="l" defTabSz="914400" rtl="0" eaLnBrk="1" latinLnBrk="0" hangingPunct="1">
+              <a:spcBef>
+                <a:spcPct val="20000"/>
+              </a:spcBef>
+              <a:buFont typeface="Arial" pitchFamily="34" charset="0"/>
+              <a:buChar char="•"/>
+              <a:defRPr sz="2000" kern="1200">
+                <a:solidFill>
+                  <a:schemeClr val="tx1"/>
+                </a:solidFill>
+                <a:latin typeface="+mn-lt"/>
+                <a:ea typeface="+mn-ea"/>
+                <a:cs typeface="+mn-cs"/>
+              </a:defRPr>
+            </a:lvl9pPr>
+          </a:lstStyle>
+          <a:p>
+            <a:pPr marL="114300" marR="0" lvl="0" indent="-114300" algn="l" defTabSz="914400" rtl="0" eaLnBrk="1" fontAlgn="auto" latinLnBrk="0" hangingPunct="1">
+              <a:lnSpc>
+                <a:spcPct val="95000"/>
+              </a:lnSpc>
+              <a:spcBef>
+                <a:spcPts val="600"/>
+              </a:spcBef>
+              <a:spcAft>
+                <a:spcPts val="300"/>
+              </a:spcAft>
+              <a:buClrTx/>
+              <a:buSzTx/>
+              <a:buFont typeface="Arial" pitchFamily="34" charset="0"/>
+              <a:buChar char="•"/>
+              <a:tabLst/>
+              <a:defRPr/>
+            </a:pPr>
+            <a:r>
+              <a:rPr lang="en-US" sz="1400" dirty="0">
+                <a:solidFill>
+                  <a:srgbClr val="53565A"/>
+                </a:solidFill>
+              </a:rPr>
+              <a:t>Data access need to test internal models </a:t>
+            </a:r>
+            <a:endParaRPr kumimoji="0" lang="en-US" sz="1400" b="0" i="0" u="none" strike="noStrike" kern="1200" cap="none" spc="0" normalizeH="0" baseline="0" noProof="0" dirty="0">
+              <a:ln>
+                <a:noFill/>
+              </a:ln>
+              <a:solidFill>
+                <a:srgbClr val="53565A"/>
+              </a:solidFill>
+              <a:effectLst/>
+              <a:uLnTx/>
+              <a:uFillTx/>
+              <a:latin typeface="Arial" pitchFamily="34" charset="0"/>
+              <a:ea typeface="+mn-ea"/>
+              <a:cs typeface="Arial" pitchFamily="34" charset="0"/>
+            </a:endParaRPr>
+          </a:p>
+          <a:p>
+            <a:pPr marL="114300" marR="0" lvl="0" indent="-114300" algn="l" defTabSz="914400" rtl="0" eaLnBrk="1" fontAlgn="auto" latinLnBrk="0" hangingPunct="1">
+              <a:lnSpc>
+                <a:spcPct val="95000"/>
+              </a:lnSpc>
+              <a:spcBef>
+                <a:spcPts val="600"/>
+              </a:spcBef>
+              <a:spcAft>
+                <a:spcPts val="300"/>
+              </a:spcAft>
+              <a:buClrTx/>
+              <a:buSzTx/>
+              <a:buFont typeface="Arial" pitchFamily="34" charset="0"/>
+              <a:buChar char="•"/>
+              <a:tabLst/>
+              <a:defRPr/>
+            </a:pPr>
+            <a:r>
+              <a:rPr kumimoji="0" lang="en-US" sz="1400" b="0" i="0" u="none" strike="noStrike" kern="1200" cap="none" spc="0" normalizeH="0" baseline="0" noProof="0" dirty="0">
+                <a:ln>
+                  <a:noFill/>
+                </a:ln>
+                <a:solidFill>
+                  <a:srgbClr val="53565A"/>
+                </a:solidFill>
+                <a:effectLst/>
+                <a:uLnTx/>
+                <a:uFillTx/>
+                <a:latin typeface="Arial" pitchFamily="34" charset="0"/>
+                <a:ea typeface="+mn-ea"/>
+                <a:cs typeface="Arial" pitchFamily="34" charset="0"/>
+              </a:rPr>
+              <a:t>Interest from disease imputation</a:t>
+            </a:r>
+          </a:p>
+        </p:txBody>
+      </p:sp>
+      <p:sp>
+        <p:nvSpPr>
+          <p:cNvPr id="6" name="Rectangle 5"/>
+          <p:cNvSpPr/>
+          <p:nvPr/>
+        </p:nvSpPr>
+        <p:spPr>
+          <a:xfrm>
+            <a:off x="1033780" y="2106648"/>
+            <a:ext cx="3291840" cy="640080"/>
+          </a:xfrm>
+          <a:prstGeom prst="rect">
+            <a:avLst/>
+          </a:prstGeom>
+          <a:solidFill>
+            <a:srgbClr val="D45D00"/>
+          </a:solidFill>
+        </p:spPr>
+        <p:txBody>
+          <a:bodyPr wrap="none" anchor="ctr" anchorCtr="0">
+            <a:noAutofit/>
+          </a:bodyPr>
+          <a:lstStyle/>
+          <a:p>
+            <a:pPr marL="0" marR="0" lvl="0" indent="0" algn="ctr" defTabSz="914400" rtl="0" eaLnBrk="1" fontAlgn="auto" latinLnBrk="0" hangingPunct="1">
+              <a:lnSpc>
+                <a:spcPct val="100000"/>
+              </a:lnSpc>
+              <a:spcBef>
+                <a:spcPts val="0"/>
+              </a:spcBef>
+              <a:spcAft>
+                <a:spcPts val="0"/>
+              </a:spcAft>
+              <a:buClrTx/>
+              <a:buSzTx/>
+              <a:buFontTx/>
+              <a:buNone/>
+              <a:tabLst/>
+              <a:defRPr/>
+            </a:pPr>
+            <a:r>
+              <a:rPr kumimoji="0" lang="en-US" sz="1600" b="0" i="0" u="none" strike="noStrike" kern="1200" cap="none" spc="0" normalizeH="0" baseline="0" noProof="0" dirty="0">
+                <a:ln>
+                  <a:noFill/>
+                </a:ln>
+                <a:solidFill>
+                  <a:srgbClr val="FFFFFF"/>
+                </a:solidFill>
+                <a:effectLst/>
+                <a:uLnTx/>
+                <a:uFillTx/>
+                <a:latin typeface="Arial"/>
+                <a:ea typeface="+mn-ea"/>
+                <a:cs typeface="+mn-cs"/>
+              </a:rPr>
+              <a:t>Mortality Predictions</a:t>
+            </a:r>
+          </a:p>
+        </p:txBody>
+      </p:sp>
+      <p:sp>
+        <p:nvSpPr>
+          <p:cNvPr id="13" name="Content Placeholder 2"/>
+          <p:cNvSpPr txBox="1">
+            <a:spLocks/>
+          </p:cNvSpPr>
+          <p:nvPr/>
+        </p:nvSpPr>
+        <p:spPr>
+          <a:xfrm>
+            <a:off x="4831080" y="2055813"/>
+            <a:ext cx="3383280" cy="2432050"/>
+          </a:xfrm>
+          <a:prstGeom prst="rect">
+            <a:avLst/>
+          </a:prstGeom>
+          <a:ln w="12700">
+            <a:solidFill>
+              <a:srgbClr val="008770"/>
+            </a:solidFill>
+          </a:ln>
+        </p:spPr>
+        <p:txBody>
+          <a:bodyPr vert="horz" lIns="182880" tIns="822960" rIns="182880" bIns="45720" rtlCol="0">
+            <a:noAutofit/>
+          </a:bodyPr>
+          <a:lstStyle>
+            <a:lvl1pPr marL="171450" indent="-171450" algn="l" defTabSz="914400" rtl="0" eaLnBrk="1" latinLnBrk="0" hangingPunct="1">
+              <a:lnSpc>
+                <a:spcPct val="95000"/>
+              </a:lnSpc>
+              <a:spcBef>
+                <a:spcPts val="600"/>
+              </a:spcBef>
+              <a:spcAft>
+                <a:spcPts val="300"/>
+              </a:spcAft>
+              <a:buClr>
+                <a:schemeClr val="accent1"/>
+              </a:buClr>
+              <a:buFont typeface="Arial" pitchFamily="34" charset="0"/>
+              <a:buChar char="•"/>
+              <a:defRPr sz="1800" kern="1200">
+                <a:solidFill>
+                  <a:schemeClr val="tx1"/>
+                </a:solidFill>
+                <a:latin typeface="Arial" pitchFamily="34" charset="0"/>
+                <a:ea typeface="+mn-ea"/>
+                <a:cs typeface="Arial" pitchFamily="34" charset="0"/>
+              </a:defRPr>
+            </a:lvl1pPr>
+            <a:lvl2pPr marL="400050" indent="-171450" algn="l" defTabSz="914400" rtl="0" eaLnBrk="1" latinLnBrk="0" hangingPunct="1">
+              <a:lnSpc>
+                <a:spcPct val="95000"/>
+              </a:lnSpc>
+              <a:spcBef>
+                <a:spcPts val="300"/>
+              </a:spcBef>
+              <a:spcAft>
+                <a:spcPts val="300"/>
+              </a:spcAft>
+              <a:buFont typeface="Arial" pitchFamily="34" charset="0"/>
+              <a:buChar char="–"/>
+              <a:defRPr sz="1600" kern="1200">
+                <a:solidFill>
+                  <a:schemeClr val="tx1"/>
+                </a:solidFill>
+                <a:latin typeface="Arial" pitchFamily="34" charset="0"/>
+                <a:ea typeface="+mn-ea"/>
+                <a:cs typeface="Arial" pitchFamily="34" charset="0"/>
+              </a:defRPr>
+            </a:lvl2pPr>
+            <a:lvl3pPr marL="571500" indent="-114300" algn="l" defTabSz="914400" rtl="0" eaLnBrk="1" latinLnBrk="0" hangingPunct="1">
+              <a:lnSpc>
+                <a:spcPct val="95000"/>
+              </a:lnSpc>
+              <a:spcBef>
+                <a:spcPts val="300"/>
+              </a:spcBef>
+              <a:spcAft>
+                <a:spcPts val="300"/>
+              </a:spcAft>
+              <a:buClr>
+                <a:schemeClr val="accent1"/>
+              </a:buClr>
+              <a:buFont typeface="Arial" pitchFamily="34" charset="0"/>
+              <a:buChar char="•"/>
+              <a:defRPr sz="1400" kern="1200">
+                <a:solidFill>
+                  <a:schemeClr val="tx1"/>
+                </a:solidFill>
+                <a:latin typeface="Arial" pitchFamily="34" charset="0"/>
+                <a:ea typeface="+mn-ea"/>
+                <a:cs typeface="Arial" pitchFamily="34" charset="0"/>
+              </a:defRPr>
+            </a:lvl3pPr>
+            <a:lvl4pPr marL="857250" indent="-171450" algn="l" defTabSz="914400" rtl="0" eaLnBrk="1" latinLnBrk="0" hangingPunct="1">
+              <a:lnSpc>
+                <a:spcPct val="95000"/>
+              </a:lnSpc>
+              <a:spcBef>
+                <a:spcPts val="300"/>
+              </a:spcBef>
+              <a:spcAft>
+                <a:spcPts val="300"/>
+              </a:spcAft>
+              <a:buFont typeface="Arial" pitchFamily="34" charset="0"/>
+              <a:buChar char="–"/>
+              <a:defRPr sz="1400" kern="1200">
+                <a:solidFill>
+                  <a:schemeClr val="tx1"/>
+                </a:solidFill>
+                <a:latin typeface="Arial" pitchFamily="34" charset="0"/>
+                <a:ea typeface="+mn-ea"/>
+                <a:cs typeface="Arial" pitchFamily="34" charset="0"/>
+              </a:defRPr>
+            </a:lvl4pPr>
+            <a:lvl5pPr marL="1028700" indent="-114300" algn="l" defTabSz="914400" rtl="0" eaLnBrk="1" latinLnBrk="0" hangingPunct="1">
+              <a:lnSpc>
+                <a:spcPct val="95000"/>
+              </a:lnSpc>
+              <a:spcBef>
+                <a:spcPts val="300"/>
+              </a:spcBef>
+              <a:spcAft>
+                <a:spcPts val="300"/>
+              </a:spcAft>
+              <a:buClr>
+                <a:schemeClr val="accent1"/>
+              </a:buClr>
+              <a:buFont typeface="Arial" pitchFamily="34" charset="0"/>
+              <a:buChar char="•"/>
+              <a:tabLst/>
+              <a:defRPr sz="1400" kern="1200">
+                <a:solidFill>
+                  <a:schemeClr val="tx1"/>
+                </a:solidFill>
+                <a:latin typeface="Arial" pitchFamily="34" charset="0"/>
+                <a:ea typeface="+mn-ea"/>
+                <a:cs typeface="Arial" pitchFamily="34" charset="0"/>
+              </a:defRPr>
+            </a:lvl5pPr>
+            <a:lvl6pPr marL="2514600" indent="-228600" algn="l" defTabSz="914400" rtl="0" eaLnBrk="1" latinLnBrk="0" hangingPunct="1">
+              <a:spcBef>
+                <a:spcPct val="20000"/>
+              </a:spcBef>
+              <a:buFont typeface="Arial" pitchFamily="34" charset="0"/>
+              <a:buChar char="•"/>
+              <a:defRPr sz="2000" kern="1200">
+                <a:solidFill>
+                  <a:schemeClr val="tx1"/>
+                </a:solidFill>
+                <a:latin typeface="+mn-lt"/>
+                <a:ea typeface="+mn-ea"/>
+                <a:cs typeface="+mn-cs"/>
+              </a:defRPr>
+            </a:lvl6pPr>
+            <a:lvl7pPr marL="2971800" indent="-228600" algn="l" defTabSz="914400" rtl="0" eaLnBrk="1" latinLnBrk="0" hangingPunct="1">
+              <a:spcBef>
+                <a:spcPct val="20000"/>
+              </a:spcBef>
+              <a:buFont typeface="Arial" pitchFamily="34" charset="0"/>
+              <a:buChar char="•"/>
+              <a:defRPr sz="2000" kern="1200">
+                <a:solidFill>
+                  <a:schemeClr val="tx1"/>
+                </a:solidFill>
+                <a:latin typeface="+mn-lt"/>
+                <a:ea typeface="+mn-ea"/>
+                <a:cs typeface="+mn-cs"/>
+              </a:defRPr>
+            </a:lvl7pPr>
+            <a:lvl8pPr marL="3429000" indent="-228600" algn="l" defTabSz="914400" rtl="0" eaLnBrk="1" latinLnBrk="0" hangingPunct="1">
+              <a:spcBef>
+                <a:spcPct val="20000"/>
+              </a:spcBef>
+              <a:buFont typeface="Arial" pitchFamily="34" charset="0"/>
+              <a:buChar char="•"/>
+              <a:defRPr sz="2000" kern="1200">
+                <a:solidFill>
+                  <a:schemeClr val="tx1"/>
+                </a:solidFill>
+                <a:latin typeface="+mn-lt"/>
+                <a:ea typeface="+mn-ea"/>
+                <a:cs typeface="+mn-cs"/>
+              </a:defRPr>
+            </a:lvl8pPr>
+            <a:lvl9pPr marL="3886200" indent="-228600" algn="l" defTabSz="914400" rtl="0" eaLnBrk="1" latinLnBrk="0" hangingPunct="1">
+              <a:spcBef>
+                <a:spcPct val="20000"/>
+              </a:spcBef>
+              <a:buFont typeface="Arial" pitchFamily="34" charset="0"/>
+              <a:buChar char="•"/>
+              <a:defRPr sz="2000" kern="1200">
+                <a:solidFill>
+                  <a:schemeClr val="tx1"/>
+                </a:solidFill>
+                <a:latin typeface="+mn-lt"/>
+                <a:ea typeface="+mn-ea"/>
+                <a:cs typeface="+mn-cs"/>
+              </a:defRPr>
+            </a:lvl9pPr>
+          </a:lstStyle>
+          <a:p>
+            <a:pPr marL="114300" marR="0" lvl="0" indent="-114300" algn="l" defTabSz="914400" rtl="0" eaLnBrk="1" fontAlgn="auto" latinLnBrk="0" hangingPunct="1">
+              <a:lnSpc>
+                <a:spcPct val="95000"/>
+              </a:lnSpc>
+              <a:spcBef>
+                <a:spcPts val="600"/>
+              </a:spcBef>
+              <a:spcAft>
+                <a:spcPts val="300"/>
+              </a:spcAft>
+              <a:buClrTx/>
+              <a:buSzTx/>
+              <a:buFont typeface="Arial" pitchFamily="34" charset="0"/>
+              <a:buChar char="•"/>
+              <a:tabLst/>
+              <a:defRPr/>
+            </a:pPr>
+            <a:r>
+              <a:rPr kumimoji="0" lang="en-US" sz="1400" b="0" i="0" u="none" strike="noStrike" kern="1200" cap="none" spc="0" normalizeH="0" baseline="0" noProof="0" dirty="0">
+                <a:ln>
+                  <a:noFill/>
+                </a:ln>
+                <a:solidFill>
+                  <a:srgbClr val="53565A"/>
+                </a:solidFill>
+                <a:effectLst/>
+                <a:uLnTx/>
+                <a:uFillTx/>
+                <a:latin typeface="Arial" pitchFamily="34" charset="0"/>
+                <a:ea typeface="+mn-ea"/>
+                <a:cs typeface="Arial" pitchFamily="34" charset="0"/>
+              </a:rPr>
+              <a:t>Physician Burnout project</a:t>
+            </a:r>
+          </a:p>
+        </p:txBody>
+      </p:sp>
+      <p:sp>
+        <p:nvSpPr>
+          <p:cNvPr id="14" name="Rectangle 13"/>
+          <p:cNvSpPr/>
+          <p:nvPr/>
+        </p:nvSpPr>
+        <p:spPr>
+          <a:xfrm>
+            <a:off x="4876800" y="2106648"/>
+            <a:ext cx="3291840" cy="640080"/>
+          </a:xfrm>
+          <a:prstGeom prst="rect">
+            <a:avLst/>
+          </a:prstGeom>
+          <a:solidFill>
+            <a:srgbClr val="008770"/>
+          </a:solidFill>
+        </p:spPr>
+        <p:txBody>
+          <a:bodyPr wrap="none" anchor="ctr" anchorCtr="0">
+            <a:noAutofit/>
+          </a:bodyPr>
+          <a:lstStyle/>
+          <a:p>
+            <a:pPr marL="0" marR="0" lvl="0" indent="0" algn="ctr" defTabSz="914400" rtl="0" eaLnBrk="1" fontAlgn="auto" latinLnBrk="0" hangingPunct="1">
+              <a:lnSpc>
+                <a:spcPct val="100000"/>
+              </a:lnSpc>
+              <a:spcBef>
+                <a:spcPts val="0"/>
+              </a:spcBef>
+              <a:spcAft>
+                <a:spcPts val="0"/>
+              </a:spcAft>
+              <a:buClrTx/>
+              <a:buSzTx/>
+              <a:buFontTx/>
+              <a:buNone/>
+              <a:tabLst/>
+              <a:defRPr/>
+            </a:pPr>
+            <a:r>
+              <a:rPr kumimoji="0" lang="en-US" sz="1600" b="0" i="0" u="none" strike="noStrike" kern="1200" cap="none" spc="0" normalizeH="0" baseline="0" noProof="0" dirty="0">
+                <a:ln>
+                  <a:noFill/>
+                </a:ln>
+                <a:solidFill>
+                  <a:srgbClr val="FFFFFF"/>
+                </a:solidFill>
+                <a:effectLst/>
+                <a:uLnTx/>
+                <a:uFillTx/>
+                <a:latin typeface="Arial"/>
+                <a:ea typeface="+mn-ea"/>
+                <a:cs typeface="+mn-cs"/>
+              </a:rPr>
+              <a:t>Mental Health Survey</a:t>
+            </a:r>
+            <a:r>
+              <a:rPr lang="en-US" sz="1600" dirty="0">
+                <a:solidFill>
+                  <a:srgbClr val="FFFFFF"/>
+                </a:solidFill>
+                <a:latin typeface="Arial"/>
+              </a:rPr>
+              <a:t> Analysis</a:t>
+            </a:r>
+            <a:endParaRPr kumimoji="0" lang="en-US" sz="1600" b="0" i="0" u="none" strike="noStrike" kern="1200" cap="none" spc="0" normalizeH="0" baseline="0" noProof="0" dirty="0">
+              <a:ln>
+                <a:noFill/>
+              </a:ln>
+              <a:solidFill>
+                <a:srgbClr val="FFFFFF"/>
+              </a:solidFill>
+              <a:effectLst/>
+              <a:uLnTx/>
+              <a:uFillTx/>
+              <a:latin typeface="Arial"/>
+              <a:ea typeface="+mn-ea"/>
+              <a:cs typeface="+mn-cs"/>
+            </a:endParaRPr>
+          </a:p>
+        </p:txBody>
+      </p:sp>
+    </p:spTree>
+    <p:extLst>
+      <p:ext uri="{BB962C8B-B14F-4D97-AF65-F5344CB8AC3E}">
+        <p14:creationId xmlns:p14="http://schemas.microsoft.com/office/powerpoint/2010/main" val="4167920212"/>
+      </p:ext>
+    </p:extLst>
+  </p:cSld>
+  <p:clrMapOvr>
+    <a:masterClrMapping/>
+  </p:clrMapOvr>
+  <p:transition>
+    <p:fade/>
+  </p:transition>
+</p:sld>
+</file>
+
+<file path=ppt/slides/slide5.xml><?xml version="1.0" encoding="utf-8"?>
 <p:sld xmlns:a="http://schemas.openxmlformats.org/drawingml/2006/main" xmlns:r="http://schemas.openxmlformats.org/officeDocument/2006/relationships" xmlns:p="http://schemas.openxmlformats.org/presentationml/2006/main">
   <p:cSld>
     <p:spTree>
@@ -31319,7 +32169,7 @@
 </p:sld>
 </file>
 
-<file path=ppt/slides/slide5.xml><?xml version="1.0" encoding="utf-8"?>
+<file path=ppt/slides/slide6.xml><?xml version="1.0" encoding="utf-8"?>
 <p:sld xmlns:a="http://schemas.openxmlformats.org/drawingml/2006/main" xmlns:r="http://schemas.openxmlformats.org/officeDocument/2006/relationships" xmlns:p="http://schemas.openxmlformats.org/presentationml/2006/main">
   <p:cSld>
     <p:spTree>
@@ -31399,7 +32249,7 @@
             <a:fld id="{F18F5FCC-583C-47C6-9953-2F6AD74D46AE}" type="slidenum">
               <a:rPr lang="en-US" smtClean="0"/>
               <a:pPr algn="r"/>
-              <a:t>5</a:t>
+              <a:t>6</a:t>
             </a:fld>
             <a:endParaRPr lang="en-US" dirty="0"/>
           </a:p>
@@ -31430,7 +32280,7 @@
 </p:sld>
 </file>
 
-<file path=ppt/slides/slide6.xml><?xml version="1.0" encoding="utf-8"?>
+<file path=ppt/slides/slide7.xml><?xml version="1.0" encoding="utf-8"?>
 <p:sld xmlns:a="http://schemas.openxmlformats.org/drawingml/2006/main" xmlns:r="http://schemas.openxmlformats.org/officeDocument/2006/relationships" xmlns:p="http://schemas.openxmlformats.org/presentationml/2006/main">
   <p:cSld>
     <p:spTree>
@@ -31576,7 +32426,7 @@
 </p:sld>
 </file>
 
-<file path=ppt/slides/slide7.xml><?xml version="1.0" encoding="utf-8"?>
+<file path=ppt/slides/slide8.xml><?xml version="1.0" encoding="utf-8"?>
 <p:sld xmlns:a="http://schemas.openxmlformats.org/drawingml/2006/main" xmlns:r="http://schemas.openxmlformats.org/officeDocument/2006/relationships" xmlns:p="http://schemas.openxmlformats.org/presentationml/2006/main">
   <p:cSld>
     <p:spTree>
@@ -31619,7 +32469,7 @@
             </a:pPr>
             <a:r>
               <a:rPr lang="en-US" b="1" dirty="0"/>
-              <a:t>Introduction to Optum</a:t>
+              <a:t>Motivation</a:t>
             </a:r>
           </a:p>
           <a:p>
@@ -31719,7 +32569,7 @@
 </p:sld>
 </file>
 
-<file path=ppt/slides/slide8.xml><?xml version="1.0" encoding="utf-8"?>
+<file path=ppt/slides/slide9.xml><?xml version="1.0" encoding="utf-8"?>
 <p:sld xmlns:a="http://schemas.openxmlformats.org/drawingml/2006/main" xmlns:r="http://schemas.openxmlformats.org/officeDocument/2006/relationships" xmlns:p="http://schemas.openxmlformats.org/presentationml/2006/main">
   <p:cSld>
     <p:spTree>
@@ -32772,97 +33622,6 @@
     <p:extLst>
       <p:ext uri="{BB962C8B-B14F-4D97-AF65-F5344CB8AC3E}">
         <p14:creationId xmlns:p14="http://schemas.microsoft.com/office/powerpoint/2010/main" val="1135509183"/>
-      </p:ext>
-    </p:extLst>
-  </p:cSld>
-  <p:clrMapOvr>
-    <a:masterClrMapping/>
-  </p:clrMapOvr>
-  <p:transition>
-    <p:fade/>
-  </p:transition>
-</p:sld>
-</file>
-
-<file path=ppt/slides/slide9.xml><?xml version="1.0" encoding="utf-8"?>
-<p:sld xmlns:a="http://schemas.openxmlformats.org/drawingml/2006/main" xmlns:r="http://schemas.openxmlformats.org/officeDocument/2006/relationships" xmlns:p="http://schemas.openxmlformats.org/presentationml/2006/main">
-  <p:cSld>
-    <p:spTree>
-      <p:nvGrpSpPr>
-        <p:cNvPr id="1" name=""/>
-        <p:cNvGrpSpPr/>
-        <p:nvPr/>
-      </p:nvGrpSpPr>
-      <p:grpSpPr>
-        <a:xfrm>
-          <a:off x="0" y="0"/>
-          <a:ext cx="0" cy="0"/>
-          <a:chOff x="0" y="0"/>
-          <a:chExt cx="0" cy="0"/>
-        </a:xfrm>
-      </p:grpSpPr>
-      <p:sp>
-        <p:nvSpPr>
-          <p:cNvPr id="3" name="Title 2">
-            <a:extLst>
-              <a:ext uri="{FF2B5EF4-FFF2-40B4-BE49-F238E27FC236}">
-                <a16:creationId xmlns:a16="http://schemas.microsoft.com/office/drawing/2014/main" id="{A847FEE7-4921-4F2A-87FA-4BB30353D123}"/>
-              </a:ext>
-            </a:extLst>
-          </p:cNvPr>
-          <p:cNvSpPr>
-            <a:spLocks noGrp="1"/>
-          </p:cNvSpPr>
-          <p:nvPr>
-            <p:ph type="title"/>
-          </p:nvPr>
-        </p:nvSpPr>
-        <p:spPr/>
-        <p:txBody>
-          <a:bodyPr/>
-          <a:lstStyle/>
-          <a:p>
-            <a:r>
-              <a:rPr lang="en-US" dirty="0"/>
-              <a:t>CITI Course Details </a:t>
-            </a:r>
-          </a:p>
-        </p:txBody>
-      </p:sp>
-      <p:pic>
-        <p:nvPicPr>
-          <p:cNvPr id="4" name="Picture 3">
-            <a:extLst>
-              <a:ext uri="{FF2B5EF4-FFF2-40B4-BE49-F238E27FC236}">
-                <a16:creationId xmlns:a16="http://schemas.microsoft.com/office/drawing/2014/main" id="{7E12F79C-D435-4081-914D-0E1662B61390}"/>
-              </a:ext>
-            </a:extLst>
-          </p:cNvPr>
-          <p:cNvPicPr>
-            <a:picLocks noChangeAspect="1"/>
-          </p:cNvPicPr>
-          <p:nvPr/>
-        </p:nvPicPr>
-        <p:blipFill>
-          <a:blip r:embed="rId2"/>
-          <a:stretch>
-            <a:fillRect/>
-          </a:stretch>
-        </p:blipFill>
-        <p:spPr>
-          <a:xfrm>
-            <a:off x="1711354" y="1256194"/>
-            <a:ext cx="5891562" cy="4345611"/>
-          </a:xfrm>
-          <a:prstGeom prst="rect">
-            <a:avLst/>
-          </a:prstGeom>
-        </p:spPr>
-      </p:pic>
-    </p:spTree>
-    <p:extLst>
-      <p:ext uri="{BB962C8B-B14F-4D97-AF65-F5344CB8AC3E}">
-        <p14:creationId xmlns:p14="http://schemas.microsoft.com/office/powerpoint/2010/main" val="259584107"/>
       </p:ext>
     </p:extLst>
   </p:cSld>
@@ -34401,7 +35160,7 @@
 <file path=customXml/itemProps3.xml><?xml version="1.0" encoding="utf-8"?>
 <ds:datastoreItem xmlns:ds="http://schemas.openxmlformats.org/officeDocument/2006/customXml" ds:itemID="{B79F398F-5701-45A6-8BFD-18C10F5C864B}">
   <ds:schemaRefs>
-    <ds:schemaRef ds:uri="http://schemas.microsoft.com/office/2006/metadata/properties"/>
+    <ds:schemaRef ds:uri="7f47f74f-afe4-408c-b4f0-8d448839e4ae"/>
     <ds:schemaRef ds:uri="http://schemas.microsoft.com/office/2006/documentManagement/types"/>
     <ds:schemaRef ds:uri="http://purl.org/dc/terms/"/>
     <ds:schemaRef ds:uri="http://schemas.openxmlformats.org/package/2006/metadata/core-properties"/>
@@ -34409,7 +35168,7 @@
     <ds:schemaRef ds:uri="http://schemas.microsoft.com/office/infopath/2007/PartnerControls"/>
     <ds:schemaRef ds:uri="d14c50d5-e942-468a-9a7a-c1e435033fd0"/>
     <ds:schemaRef ds:uri="http://purl.org/dc/elements/1.1/"/>
-    <ds:schemaRef ds:uri="7f47f74f-afe4-408c-b4f0-8d448839e4ae"/>
+    <ds:schemaRef ds:uri="http://schemas.microsoft.com/office/2006/metadata/properties"/>
     <ds:schemaRef ds:uri="http://www.w3.org/XML/1998/namespace"/>
   </ds:schemaRefs>
 </ds:datastoreItem>
